--- a/powerpoint files/Session1.pptx
+++ b/powerpoint files/Session1.pptx
@@ -101,10 +101,8 @@
             <a:noAutofit/>
           </a:bodyPr>
           <a:p>
-            <a:endParaRPr b="0" lang="en-US" sz="1800" spc="-1" strike="noStrike">
-              <a:solidFill>
-                <a:srgbClr val="000000"/>
-              </a:solidFill>
+            <a:pPr algn="ctr"/>
+            <a:endParaRPr b="0" lang="en-GB" sz="4400" spc="-1" strike="noStrike">
               <a:latin typeface="Arial"/>
             </a:endParaRPr>
           </a:p>
@@ -134,10 +132,7 @@
             <a:normAutofit/>
           </a:bodyPr>
           <a:p>
-            <a:endParaRPr b="0" lang="en-US" sz="2800" spc="-1" strike="noStrike">
-              <a:solidFill>
-                <a:srgbClr val="000000"/>
-              </a:solidFill>
+            <a:endParaRPr b="0" lang="en-GB" sz="3200" spc="-1" strike="noStrike">
               <a:latin typeface="Arial"/>
             </a:endParaRPr>
           </a:p>
@@ -167,10 +162,7 @@
             <a:normAutofit/>
           </a:bodyPr>
           <a:p>
-            <a:endParaRPr b="0" lang="en-US" sz="2800" spc="-1" strike="noStrike">
-              <a:solidFill>
-                <a:srgbClr val="000000"/>
-              </a:solidFill>
+            <a:endParaRPr b="0" lang="en-GB" sz="3200" spc="-1" strike="noStrike">
               <a:latin typeface="Arial"/>
             </a:endParaRPr>
           </a:p>
@@ -222,10 +214,8 @@
             <a:noAutofit/>
           </a:bodyPr>
           <a:p>
-            <a:endParaRPr b="0" lang="en-US" sz="1800" spc="-1" strike="noStrike">
-              <a:solidFill>
-                <a:srgbClr val="000000"/>
-              </a:solidFill>
+            <a:pPr algn="ctr"/>
+            <a:endParaRPr b="0" lang="en-GB" sz="4400" spc="-1" strike="noStrike">
               <a:latin typeface="Arial"/>
             </a:endParaRPr>
           </a:p>
@@ -255,10 +245,7 @@
             <a:normAutofit/>
           </a:bodyPr>
           <a:p>
-            <a:endParaRPr b="0" lang="en-US" sz="2800" spc="-1" strike="noStrike">
-              <a:solidFill>
-                <a:srgbClr val="000000"/>
-              </a:solidFill>
+            <a:endParaRPr b="0" lang="en-GB" sz="3200" spc="-1" strike="noStrike">
               <a:latin typeface="Arial"/>
             </a:endParaRPr>
           </a:p>
@@ -288,10 +275,7 @@
             <a:normAutofit/>
           </a:bodyPr>
           <a:p>
-            <a:endParaRPr b="0" lang="en-US" sz="2800" spc="-1" strike="noStrike">
-              <a:solidFill>
-                <a:srgbClr val="000000"/>
-              </a:solidFill>
+            <a:endParaRPr b="0" lang="en-GB" sz="3200" spc="-1" strike="noStrike">
               <a:latin typeface="Arial"/>
             </a:endParaRPr>
           </a:p>
@@ -321,10 +305,7 @@
             <a:normAutofit/>
           </a:bodyPr>
           <a:p>
-            <a:endParaRPr b="0" lang="en-US" sz="2800" spc="-1" strike="noStrike">
-              <a:solidFill>
-                <a:srgbClr val="000000"/>
-              </a:solidFill>
+            <a:endParaRPr b="0" lang="en-GB" sz="3200" spc="-1" strike="noStrike">
               <a:latin typeface="Arial"/>
             </a:endParaRPr>
           </a:p>
@@ -354,10 +335,7 @@
             <a:normAutofit/>
           </a:bodyPr>
           <a:p>
-            <a:endParaRPr b="0" lang="en-US" sz="2800" spc="-1" strike="noStrike">
-              <a:solidFill>
-                <a:srgbClr val="000000"/>
-              </a:solidFill>
+            <a:endParaRPr b="0" lang="en-GB" sz="3200" spc="-1" strike="noStrike">
               <a:latin typeface="Arial"/>
             </a:endParaRPr>
           </a:p>
@@ -409,10 +387,8 @@
             <a:noAutofit/>
           </a:bodyPr>
           <a:p>
-            <a:endParaRPr b="0" lang="en-US" sz="1800" spc="-1" strike="noStrike">
-              <a:solidFill>
-                <a:srgbClr val="000000"/>
-              </a:solidFill>
+            <a:pPr algn="ctr"/>
+            <a:endParaRPr b="0" lang="en-GB" sz="4400" spc="-1" strike="noStrike">
               <a:latin typeface="Arial"/>
             </a:endParaRPr>
           </a:p>
@@ -442,10 +418,7 @@
             <a:normAutofit/>
           </a:bodyPr>
           <a:p>
-            <a:endParaRPr b="0" lang="en-US" sz="2800" spc="-1" strike="noStrike">
-              <a:solidFill>
-                <a:srgbClr val="000000"/>
-              </a:solidFill>
+            <a:endParaRPr b="0" lang="en-GB" sz="3200" spc="-1" strike="noStrike">
               <a:latin typeface="Arial"/>
             </a:endParaRPr>
           </a:p>
@@ -475,10 +448,7 @@
             <a:normAutofit/>
           </a:bodyPr>
           <a:p>
-            <a:endParaRPr b="0" lang="en-US" sz="2800" spc="-1" strike="noStrike">
-              <a:solidFill>
-                <a:srgbClr val="000000"/>
-              </a:solidFill>
+            <a:endParaRPr b="0" lang="en-GB" sz="3200" spc="-1" strike="noStrike">
               <a:latin typeface="Arial"/>
             </a:endParaRPr>
           </a:p>
@@ -508,10 +478,7 @@
             <a:normAutofit/>
           </a:bodyPr>
           <a:p>
-            <a:endParaRPr b="0" lang="en-US" sz="2800" spc="-1" strike="noStrike">
-              <a:solidFill>
-                <a:srgbClr val="000000"/>
-              </a:solidFill>
+            <a:endParaRPr b="0" lang="en-GB" sz="3200" spc="-1" strike="noStrike">
               <a:latin typeface="Arial"/>
             </a:endParaRPr>
           </a:p>
@@ -541,10 +508,7 @@
             <a:normAutofit/>
           </a:bodyPr>
           <a:p>
-            <a:endParaRPr b="0" lang="en-US" sz="2800" spc="-1" strike="noStrike">
-              <a:solidFill>
-                <a:srgbClr val="000000"/>
-              </a:solidFill>
+            <a:endParaRPr b="0" lang="en-GB" sz="3200" spc="-1" strike="noStrike">
               <a:latin typeface="Arial"/>
             </a:endParaRPr>
           </a:p>
@@ -574,10 +538,7 @@
             <a:normAutofit/>
           </a:bodyPr>
           <a:p>
-            <a:endParaRPr b="0" lang="en-US" sz="2800" spc="-1" strike="noStrike">
-              <a:solidFill>
-                <a:srgbClr val="000000"/>
-              </a:solidFill>
+            <a:endParaRPr b="0" lang="en-GB" sz="3200" spc="-1" strike="noStrike">
               <a:latin typeface="Arial"/>
             </a:endParaRPr>
           </a:p>
@@ -607,10 +568,7 @@
             <a:normAutofit/>
           </a:bodyPr>
           <a:p>
-            <a:endParaRPr b="0" lang="en-US" sz="2800" spc="-1" strike="noStrike">
-              <a:solidFill>
-                <a:srgbClr val="000000"/>
-              </a:solidFill>
+            <a:endParaRPr b="0" lang="en-GB" sz="3200" spc="-1" strike="noStrike">
               <a:latin typeface="Arial"/>
             </a:endParaRPr>
           </a:p>
@@ -684,10 +642,8 @@
             <a:noAutofit/>
           </a:bodyPr>
           <a:p>
-            <a:endParaRPr b="0" lang="en-US" sz="1800" spc="-1" strike="noStrike">
-              <a:solidFill>
-                <a:srgbClr val="000000"/>
-              </a:solidFill>
+            <a:pPr algn="ctr"/>
+            <a:endParaRPr b="0" lang="en-GB" sz="4400" spc="-1" strike="noStrike">
               <a:latin typeface="Arial"/>
             </a:endParaRPr>
           </a:p>
@@ -770,10 +726,8 @@
             <a:noAutofit/>
           </a:bodyPr>
           <a:p>
-            <a:endParaRPr b="0" lang="en-US" sz="1800" spc="-1" strike="noStrike">
-              <a:solidFill>
-                <a:srgbClr val="000000"/>
-              </a:solidFill>
+            <a:pPr algn="ctr"/>
+            <a:endParaRPr b="0" lang="en-GB" sz="4400" spc="-1" strike="noStrike">
               <a:latin typeface="Arial"/>
             </a:endParaRPr>
           </a:p>
@@ -803,10 +757,7 @@
             <a:normAutofit/>
           </a:bodyPr>
           <a:p>
-            <a:endParaRPr b="0" lang="en-US" sz="2800" spc="-1" strike="noStrike">
-              <a:solidFill>
-                <a:srgbClr val="000000"/>
-              </a:solidFill>
+            <a:endParaRPr b="0" lang="en-GB" sz="3200" spc="-1" strike="noStrike">
               <a:latin typeface="Arial"/>
             </a:endParaRPr>
           </a:p>
@@ -858,10 +809,8 @@
             <a:noAutofit/>
           </a:bodyPr>
           <a:p>
-            <a:endParaRPr b="0" lang="en-US" sz="1800" spc="-1" strike="noStrike">
-              <a:solidFill>
-                <a:srgbClr val="000000"/>
-              </a:solidFill>
+            <a:pPr algn="ctr"/>
+            <a:endParaRPr b="0" lang="en-GB" sz="4400" spc="-1" strike="noStrike">
               <a:latin typeface="Arial"/>
             </a:endParaRPr>
           </a:p>
@@ -891,10 +840,7 @@
             <a:normAutofit/>
           </a:bodyPr>
           <a:p>
-            <a:endParaRPr b="0" lang="en-US" sz="2800" spc="-1" strike="noStrike">
-              <a:solidFill>
-                <a:srgbClr val="000000"/>
-              </a:solidFill>
+            <a:endParaRPr b="0" lang="en-GB" sz="3200" spc="-1" strike="noStrike">
               <a:latin typeface="Arial"/>
             </a:endParaRPr>
           </a:p>
@@ -924,10 +870,7 @@
             <a:normAutofit/>
           </a:bodyPr>
           <a:p>
-            <a:endParaRPr b="0" lang="en-US" sz="2800" spc="-1" strike="noStrike">
-              <a:solidFill>
-                <a:srgbClr val="000000"/>
-              </a:solidFill>
+            <a:endParaRPr b="0" lang="en-GB" sz="3200" spc="-1" strike="noStrike">
               <a:latin typeface="Arial"/>
             </a:endParaRPr>
           </a:p>
@@ -979,10 +922,8 @@
             <a:noAutofit/>
           </a:bodyPr>
           <a:p>
-            <a:endParaRPr b="0" lang="en-US" sz="1800" spc="-1" strike="noStrike">
-              <a:solidFill>
-                <a:srgbClr val="000000"/>
-              </a:solidFill>
+            <a:pPr algn="ctr"/>
+            <a:endParaRPr b="0" lang="en-GB" sz="4400" spc="-1" strike="noStrike">
               <a:latin typeface="Arial"/>
             </a:endParaRPr>
           </a:p>
@@ -1087,10 +1028,8 @@
             <a:noAutofit/>
           </a:bodyPr>
           <a:p>
-            <a:endParaRPr b="0" lang="en-US" sz="1800" spc="-1" strike="noStrike">
-              <a:solidFill>
-                <a:srgbClr val="000000"/>
-              </a:solidFill>
+            <a:pPr algn="ctr"/>
+            <a:endParaRPr b="0" lang="en-GB" sz="4400" spc="-1" strike="noStrike">
               <a:latin typeface="Arial"/>
             </a:endParaRPr>
           </a:p>
@@ -1120,10 +1059,7 @@
             <a:normAutofit/>
           </a:bodyPr>
           <a:p>
-            <a:endParaRPr b="0" lang="en-US" sz="2800" spc="-1" strike="noStrike">
-              <a:solidFill>
-                <a:srgbClr val="000000"/>
-              </a:solidFill>
+            <a:endParaRPr b="0" lang="en-GB" sz="3200" spc="-1" strike="noStrike">
               <a:latin typeface="Arial"/>
             </a:endParaRPr>
           </a:p>
@@ -1153,10 +1089,7 @@
             <a:normAutofit/>
           </a:bodyPr>
           <a:p>
-            <a:endParaRPr b="0" lang="en-US" sz="2800" spc="-1" strike="noStrike">
-              <a:solidFill>
-                <a:srgbClr val="000000"/>
-              </a:solidFill>
+            <a:endParaRPr b="0" lang="en-GB" sz="3200" spc="-1" strike="noStrike">
               <a:latin typeface="Arial"/>
             </a:endParaRPr>
           </a:p>
@@ -1186,10 +1119,7 @@
             <a:normAutofit/>
           </a:bodyPr>
           <a:p>
-            <a:endParaRPr b="0" lang="en-US" sz="2800" spc="-1" strike="noStrike">
-              <a:solidFill>
-                <a:srgbClr val="000000"/>
-              </a:solidFill>
+            <a:endParaRPr b="0" lang="en-GB" sz="3200" spc="-1" strike="noStrike">
               <a:latin typeface="Arial"/>
             </a:endParaRPr>
           </a:p>
@@ -1241,10 +1171,8 @@
             <a:noAutofit/>
           </a:bodyPr>
           <a:p>
-            <a:endParaRPr b="0" lang="en-US" sz="1800" spc="-1" strike="noStrike">
-              <a:solidFill>
-                <a:srgbClr val="000000"/>
-              </a:solidFill>
+            <a:pPr algn="ctr"/>
+            <a:endParaRPr b="0" lang="en-GB" sz="4400" spc="-1" strike="noStrike">
               <a:latin typeface="Arial"/>
             </a:endParaRPr>
           </a:p>
@@ -1327,10 +1255,8 @@
             <a:noAutofit/>
           </a:bodyPr>
           <a:p>
-            <a:endParaRPr b="0" lang="en-US" sz="1800" spc="-1" strike="noStrike">
-              <a:solidFill>
-                <a:srgbClr val="000000"/>
-              </a:solidFill>
+            <a:pPr algn="ctr"/>
+            <a:endParaRPr b="0" lang="en-GB" sz="4400" spc="-1" strike="noStrike">
               <a:latin typeface="Arial"/>
             </a:endParaRPr>
           </a:p>
@@ -1360,10 +1286,7 @@
             <a:normAutofit/>
           </a:bodyPr>
           <a:p>
-            <a:endParaRPr b="0" lang="en-US" sz="2800" spc="-1" strike="noStrike">
-              <a:solidFill>
-                <a:srgbClr val="000000"/>
-              </a:solidFill>
+            <a:endParaRPr b="0" lang="en-GB" sz="3200" spc="-1" strike="noStrike">
               <a:latin typeface="Arial"/>
             </a:endParaRPr>
           </a:p>
@@ -1393,10 +1316,7 @@
             <a:normAutofit/>
           </a:bodyPr>
           <a:p>
-            <a:endParaRPr b="0" lang="en-US" sz="2800" spc="-1" strike="noStrike">
-              <a:solidFill>
-                <a:srgbClr val="000000"/>
-              </a:solidFill>
+            <a:endParaRPr b="0" lang="en-GB" sz="3200" spc="-1" strike="noStrike">
               <a:latin typeface="Arial"/>
             </a:endParaRPr>
           </a:p>
@@ -1426,10 +1346,7 @@
             <a:normAutofit/>
           </a:bodyPr>
           <a:p>
-            <a:endParaRPr b="0" lang="en-US" sz="2800" spc="-1" strike="noStrike">
-              <a:solidFill>
-                <a:srgbClr val="000000"/>
-              </a:solidFill>
+            <a:endParaRPr b="0" lang="en-GB" sz="3200" spc="-1" strike="noStrike">
               <a:latin typeface="Arial"/>
             </a:endParaRPr>
           </a:p>
@@ -1481,10 +1398,8 @@
             <a:noAutofit/>
           </a:bodyPr>
           <a:p>
-            <a:endParaRPr b="0" lang="en-US" sz="1800" spc="-1" strike="noStrike">
-              <a:solidFill>
-                <a:srgbClr val="000000"/>
-              </a:solidFill>
+            <a:pPr algn="ctr"/>
+            <a:endParaRPr b="0" lang="en-GB" sz="4400" spc="-1" strike="noStrike">
               <a:latin typeface="Arial"/>
             </a:endParaRPr>
           </a:p>
@@ -1514,10 +1429,7 @@
             <a:normAutofit/>
           </a:bodyPr>
           <a:p>
-            <a:endParaRPr b="0" lang="en-US" sz="2800" spc="-1" strike="noStrike">
-              <a:solidFill>
-                <a:srgbClr val="000000"/>
-              </a:solidFill>
+            <a:endParaRPr b="0" lang="en-GB" sz="3200" spc="-1" strike="noStrike">
               <a:latin typeface="Arial"/>
             </a:endParaRPr>
           </a:p>
@@ -1547,10 +1459,7 @@
             <a:normAutofit/>
           </a:bodyPr>
           <a:p>
-            <a:endParaRPr b="0" lang="en-US" sz="2800" spc="-1" strike="noStrike">
-              <a:solidFill>
-                <a:srgbClr val="000000"/>
-              </a:solidFill>
+            <a:endParaRPr b="0" lang="en-GB" sz="3200" spc="-1" strike="noStrike">
               <a:latin typeface="Arial"/>
             </a:endParaRPr>
           </a:p>
@@ -1580,10 +1489,7 @@
             <a:normAutofit/>
           </a:bodyPr>
           <a:p>
-            <a:endParaRPr b="0" lang="en-US" sz="2800" spc="-1" strike="noStrike">
-              <a:solidFill>
-                <a:srgbClr val="000000"/>
-              </a:solidFill>
+            <a:endParaRPr b="0" lang="en-GB" sz="3200" spc="-1" strike="noStrike">
               <a:latin typeface="Arial"/>
             </a:endParaRPr>
           </a:p>
@@ -1635,10 +1541,8 @@
             <a:noAutofit/>
           </a:bodyPr>
           <a:p>
-            <a:endParaRPr b="0" lang="en-US" sz="1800" spc="-1" strike="noStrike">
-              <a:solidFill>
-                <a:srgbClr val="000000"/>
-              </a:solidFill>
+            <a:pPr algn="ctr"/>
+            <a:endParaRPr b="0" lang="en-GB" sz="4400" spc="-1" strike="noStrike">
               <a:latin typeface="Arial"/>
             </a:endParaRPr>
           </a:p>
@@ -1668,10 +1572,7 @@
             <a:normAutofit/>
           </a:bodyPr>
           <a:p>
-            <a:endParaRPr b="0" lang="en-US" sz="2800" spc="-1" strike="noStrike">
-              <a:solidFill>
-                <a:srgbClr val="000000"/>
-              </a:solidFill>
+            <a:endParaRPr b="0" lang="en-GB" sz="3200" spc="-1" strike="noStrike">
               <a:latin typeface="Arial"/>
             </a:endParaRPr>
           </a:p>
@@ -1701,10 +1602,7 @@
             <a:normAutofit/>
           </a:bodyPr>
           <a:p>
-            <a:endParaRPr b="0" lang="en-US" sz="2800" spc="-1" strike="noStrike">
-              <a:solidFill>
-                <a:srgbClr val="000000"/>
-              </a:solidFill>
+            <a:endParaRPr b="0" lang="en-GB" sz="3200" spc="-1" strike="noStrike">
               <a:latin typeface="Arial"/>
             </a:endParaRPr>
           </a:p>
@@ -1756,10 +1654,8 @@
             <a:noAutofit/>
           </a:bodyPr>
           <a:p>
-            <a:endParaRPr b="0" lang="en-US" sz="1800" spc="-1" strike="noStrike">
-              <a:solidFill>
-                <a:srgbClr val="000000"/>
-              </a:solidFill>
+            <a:pPr algn="ctr"/>
+            <a:endParaRPr b="0" lang="en-GB" sz="4400" spc="-1" strike="noStrike">
               <a:latin typeface="Arial"/>
             </a:endParaRPr>
           </a:p>
@@ -1789,10 +1685,7 @@
             <a:normAutofit/>
           </a:bodyPr>
           <a:p>
-            <a:endParaRPr b="0" lang="en-US" sz="2800" spc="-1" strike="noStrike">
-              <a:solidFill>
-                <a:srgbClr val="000000"/>
-              </a:solidFill>
+            <a:endParaRPr b="0" lang="en-GB" sz="3200" spc="-1" strike="noStrike">
               <a:latin typeface="Arial"/>
             </a:endParaRPr>
           </a:p>
@@ -1822,10 +1715,7 @@
             <a:normAutofit/>
           </a:bodyPr>
           <a:p>
-            <a:endParaRPr b="0" lang="en-US" sz="2800" spc="-1" strike="noStrike">
-              <a:solidFill>
-                <a:srgbClr val="000000"/>
-              </a:solidFill>
+            <a:endParaRPr b="0" lang="en-GB" sz="3200" spc="-1" strike="noStrike">
               <a:latin typeface="Arial"/>
             </a:endParaRPr>
           </a:p>
@@ -1855,10 +1745,7 @@
             <a:normAutofit/>
           </a:bodyPr>
           <a:p>
-            <a:endParaRPr b="0" lang="en-US" sz="2800" spc="-1" strike="noStrike">
-              <a:solidFill>
-                <a:srgbClr val="000000"/>
-              </a:solidFill>
+            <a:endParaRPr b="0" lang="en-GB" sz="3200" spc="-1" strike="noStrike">
               <a:latin typeface="Arial"/>
             </a:endParaRPr>
           </a:p>
@@ -1888,10 +1775,7 @@
             <a:normAutofit/>
           </a:bodyPr>
           <a:p>
-            <a:endParaRPr b="0" lang="en-US" sz="2800" spc="-1" strike="noStrike">
-              <a:solidFill>
-                <a:srgbClr val="000000"/>
-              </a:solidFill>
+            <a:endParaRPr b="0" lang="en-GB" sz="3200" spc="-1" strike="noStrike">
               <a:latin typeface="Arial"/>
             </a:endParaRPr>
           </a:p>
@@ -1943,10 +1827,8 @@
             <a:noAutofit/>
           </a:bodyPr>
           <a:p>
-            <a:endParaRPr b="0" lang="en-US" sz="1800" spc="-1" strike="noStrike">
-              <a:solidFill>
-                <a:srgbClr val="000000"/>
-              </a:solidFill>
+            <a:pPr algn="ctr"/>
+            <a:endParaRPr b="0" lang="en-GB" sz="4400" spc="-1" strike="noStrike">
               <a:latin typeface="Arial"/>
             </a:endParaRPr>
           </a:p>
@@ -1976,10 +1858,7 @@
             <a:normAutofit/>
           </a:bodyPr>
           <a:p>
-            <a:endParaRPr b="0" lang="en-US" sz="2800" spc="-1" strike="noStrike">
-              <a:solidFill>
-                <a:srgbClr val="000000"/>
-              </a:solidFill>
+            <a:endParaRPr b="0" lang="en-GB" sz="3200" spc="-1" strike="noStrike">
               <a:latin typeface="Arial"/>
             </a:endParaRPr>
           </a:p>
@@ -2009,10 +1888,7 @@
             <a:normAutofit/>
           </a:bodyPr>
           <a:p>
-            <a:endParaRPr b="0" lang="en-US" sz="2800" spc="-1" strike="noStrike">
-              <a:solidFill>
-                <a:srgbClr val="000000"/>
-              </a:solidFill>
+            <a:endParaRPr b="0" lang="en-GB" sz="3200" spc="-1" strike="noStrike">
               <a:latin typeface="Arial"/>
             </a:endParaRPr>
           </a:p>
@@ -2042,10 +1918,7 @@
             <a:normAutofit/>
           </a:bodyPr>
           <a:p>
-            <a:endParaRPr b="0" lang="en-US" sz="2800" spc="-1" strike="noStrike">
-              <a:solidFill>
-                <a:srgbClr val="000000"/>
-              </a:solidFill>
+            <a:endParaRPr b="0" lang="en-GB" sz="3200" spc="-1" strike="noStrike">
               <a:latin typeface="Arial"/>
             </a:endParaRPr>
           </a:p>
@@ -2075,10 +1948,7 @@
             <a:normAutofit/>
           </a:bodyPr>
           <a:p>
-            <a:endParaRPr b="0" lang="en-US" sz="2800" spc="-1" strike="noStrike">
-              <a:solidFill>
-                <a:srgbClr val="000000"/>
-              </a:solidFill>
+            <a:endParaRPr b="0" lang="en-GB" sz="3200" spc="-1" strike="noStrike">
               <a:latin typeface="Arial"/>
             </a:endParaRPr>
           </a:p>
@@ -2108,10 +1978,7 @@
             <a:normAutofit/>
           </a:bodyPr>
           <a:p>
-            <a:endParaRPr b="0" lang="en-US" sz="2800" spc="-1" strike="noStrike">
-              <a:solidFill>
-                <a:srgbClr val="000000"/>
-              </a:solidFill>
+            <a:endParaRPr b="0" lang="en-GB" sz="3200" spc="-1" strike="noStrike">
               <a:latin typeface="Arial"/>
             </a:endParaRPr>
           </a:p>
@@ -2141,10 +2008,7 @@
             <a:normAutofit/>
           </a:bodyPr>
           <a:p>
-            <a:endParaRPr b="0" lang="en-US" sz="2800" spc="-1" strike="noStrike">
-              <a:solidFill>
-                <a:srgbClr val="000000"/>
-              </a:solidFill>
+            <a:endParaRPr b="0" lang="en-GB" sz="3200" spc="-1" strike="noStrike">
               <a:latin typeface="Arial"/>
             </a:endParaRPr>
           </a:p>
@@ -2218,10 +2082,8 @@
             <a:noAutofit/>
           </a:bodyPr>
           <a:p>
-            <a:endParaRPr b="0" lang="en-US" sz="1800" spc="-1" strike="noStrike">
-              <a:solidFill>
-                <a:srgbClr val="000000"/>
-              </a:solidFill>
+            <a:pPr algn="ctr"/>
+            <a:endParaRPr b="0" lang="en-GB" sz="4400" spc="-1" strike="noStrike">
               <a:latin typeface="Arial"/>
             </a:endParaRPr>
           </a:p>
@@ -2304,10 +2166,8 @@
             <a:noAutofit/>
           </a:bodyPr>
           <a:p>
-            <a:endParaRPr b="0" lang="en-US" sz="1800" spc="-1" strike="noStrike">
-              <a:solidFill>
-                <a:srgbClr val="000000"/>
-              </a:solidFill>
+            <a:pPr algn="ctr"/>
+            <a:endParaRPr b="0" lang="en-GB" sz="4400" spc="-1" strike="noStrike">
               <a:latin typeface="Arial"/>
             </a:endParaRPr>
           </a:p>
@@ -2337,10 +2197,7 @@
             <a:normAutofit/>
           </a:bodyPr>
           <a:p>
-            <a:endParaRPr b="0" lang="en-US" sz="2800" spc="-1" strike="noStrike">
-              <a:solidFill>
-                <a:srgbClr val="000000"/>
-              </a:solidFill>
+            <a:endParaRPr b="0" lang="en-GB" sz="3200" spc="-1" strike="noStrike">
               <a:latin typeface="Arial"/>
             </a:endParaRPr>
           </a:p>
@@ -2392,10 +2249,8 @@
             <a:noAutofit/>
           </a:bodyPr>
           <a:p>
-            <a:endParaRPr b="0" lang="en-US" sz="1800" spc="-1" strike="noStrike">
-              <a:solidFill>
-                <a:srgbClr val="000000"/>
-              </a:solidFill>
+            <a:pPr algn="ctr"/>
+            <a:endParaRPr b="0" lang="en-GB" sz="4400" spc="-1" strike="noStrike">
               <a:latin typeface="Arial"/>
             </a:endParaRPr>
           </a:p>
@@ -2425,10 +2280,7 @@
             <a:normAutofit/>
           </a:bodyPr>
           <a:p>
-            <a:endParaRPr b="0" lang="en-US" sz="2800" spc="-1" strike="noStrike">
-              <a:solidFill>
-                <a:srgbClr val="000000"/>
-              </a:solidFill>
+            <a:endParaRPr b="0" lang="en-GB" sz="3200" spc="-1" strike="noStrike">
               <a:latin typeface="Arial"/>
             </a:endParaRPr>
           </a:p>
@@ -2458,10 +2310,7 @@
             <a:normAutofit/>
           </a:bodyPr>
           <a:p>
-            <a:endParaRPr b="0" lang="en-US" sz="2800" spc="-1" strike="noStrike">
-              <a:solidFill>
-                <a:srgbClr val="000000"/>
-              </a:solidFill>
+            <a:endParaRPr b="0" lang="en-GB" sz="3200" spc="-1" strike="noStrike">
               <a:latin typeface="Arial"/>
             </a:endParaRPr>
           </a:p>
@@ -2513,10 +2362,8 @@
             <a:noAutofit/>
           </a:bodyPr>
           <a:p>
-            <a:endParaRPr b="0" lang="en-US" sz="1800" spc="-1" strike="noStrike">
-              <a:solidFill>
-                <a:srgbClr val="000000"/>
-              </a:solidFill>
+            <a:pPr algn="ctr"/>
+            <a:endParaRPr b="0" lang="en-GB" sz="4400" spc="-1" strike="noStrike">
               <a:latin typeface="Arial"/>
             </a:endParaRPr>
           </a:p>
@@ -2568,10 +2415,8 @@
             <a:noAutofit/>
           </a:bodyPr>
           <a:p>
-            <a:endParaRPr b="0" lang="en-US" sz="1800" spc="-1" strike="noStrike">
-              <a:solidFill>
-                <a:srgbClr val="000000"/>
-              </a:solidFill>
+            <a:pPr algn="ctr"/>
+            <a:endParaRPr b="0" lang="en-GB" sz="4400" spc="-1" strike="noStrike">
               <a:latin typeface="Arial"/>
             </a:endParaRPr>
           </a:p>
@@ -2601,10 +2446,7 @@
             <a:normAutofit/>
           </a:bodyPr>
           <a:p>
-            <a:endParaRPr b="0" lang="en-US" sz="2800" spc="-1" strike="noStrike">
-              <a:solidFill>
-                <a:srgbClr val="000000"/>
-              </a:solidFill>
+            <a:endParaRPr b="0" lang="en-GB" sz="3200" spc="-1" strike="noStrike">
               <a:latin typeface="Arial"/>
             </a:endParaRPr>
           </a:p>
@@ -2709,10 +2551,8 @@
             <a:noAutofit/>
           </a:bodyPr>
           <a:p>
-            <a:endParaRPr b="0" lang="en-US" sz="1800" spc="-1" strike="noStrike">
-              <a:solidFill>
-                <a:srgbClr val="000000"/>
-              </a:solidFill>
+            <a:pPr algn="ctr"/>
+            <a:endParaRPr b="0" lang="en-GB" sz="4400" spc="-1" strike="noStrike">
               <a:latin typeface="Arial"/>
             </a:endParaRPr>
           </a:p>
@@ -2742,10 +2582,7 @@
             <a:normAutofit/>
           </a:bodyPr>
           <a:p>
-            <a:endParaRPr b="0" lang="en-US" sz="2800" spc="-1" strike="noStrike">
-              <a:solidFill>
-                <a:srgbClr val="000000"/>
-              </a:solidFill>
+            <a:endParaRPr b="0" lang="en-GB" sz="3200" spc="-1" strike="noStrike">
               <a:latin typeface="Arial"/>
             </a:endParaRPr>
           </a:p>
@@ -2775,10 +2612,7 @@
             <a:normAutofit/>
           </a:bodyPr>
           <a:p>
-            <a:endParaRPr b="0" lang="en-US" sz="2800" spc="-1" strike="noStrike">
-              <a:solidFill>
-                <a:srgbClr val="000000"/>
-              </a:solidFill>
+            <a:endParaRPr b="0" lang="en-GB" sz="3200" spc="-1" strike="noStrike">
               <a:latin typeface="Arial"/>
             </a:endParaRPr>
           </a:p>
@@ -2808,10 +2642,7 @@
             <a:normAutofit/>
           </a:bodyPr>
           <a:p>
-            <a:endParaRPr b="0" lang="en-US" sz="2800" spc="-1" strike="noStrike">
-              <a:solidFill>
-                <a:srgbClr val="000000"/>
-              </a:solidFill>
+            <a:endParaRPr b="0" lang="en-GB" sz="3200" spc="-1" strike="noStrike">
               <a:latin typeface="Arial"/>
             </a:endParaRPr>
           </a:p>
@@ -2863,10 +2694,8 @@
             <a:noAutofit/>
           </a:bodyPr>
           <a:p>
-            <a:endParaRPr b="0" lang="en-US" sz="1800" spc="-1" strike="noStrike">
-              <a:solidFill>
-                <a:srgbClr val="000000"/>
-              </a:solidFill>
+            <a:pPr algn="ctr"/>
+            <a:endParaRPr b="0" lang="en-GB" sz="4400" spc="-1" strike="noStrike">
               <a:latin typeface="Arial"/>
             </a:endParaRPr>
           </a:p>
@@ -2896,10 +2725,7 @@
             <a:normAutofit/>
           </a:bodyPr>
           <a:p>
-            <a:endParaRPr b="0" lang="en-US" sz="2800" spc="-1" strike="noStrike">
-              <a:solidFill>
-                <a:srgbClr val="000000"/>
-              </a:solidFill>
+            <a:endParaRPr b="0" lang="en-GB" sz="3200" spc="-1" strike="noStrike">
               <a:latin typeface="Arial"/>
             </a:endParaRPr>
           </a:p>
@@ -2929,10 +2755,7 @@
             <a:normAutofit/>
           </a:bodyPr>
           <a:p>
-            <a:endParaRPr b="0" lang="en-US" sz="2800" spc="-1" strike="noStrike">
-              <a:solidFill>
-                <a:srgbClr val="000000"/>
-              </a:solidFill>
+            <a:endParaRPr b="0" lang="en-GB" sz="3200" spc="-1" strike="noStrike">
               <a:latin typeface="Arial"/>
             </a:endParaRPr>
           </a:p>
@@ -2962,10 +2785,7 @@
             <a:normAutofit/>
           </a:bodyPr>
           <a:p>
-            <a:endParaRPr b="0" lang="en-US" sz="2800" spc="-1" strike="noStrike">
-              <a:solidFill>
-                <a:srgbClr val="000000"/>
-              </a:solidFill>
+            <a:endParaRPr b="0" lang="en-GB" sz="3200" spc="-1" strike="noStrike">
               <a:latin typeface="Arial"/>
             </a:endParaRPr>
           </a:p>
@@ -3017,10 +2837,8 @@
             <a:noAutofit/>
           </a:bodyPr>
           <a:p>
-            <a:endParaRPr b="0" lang="en-US" sz="1800" spc="-1" strike="noStrike">
-              <a:solidFill>
-                <a:srgbClr val="000000"/>
-              </a:solidFill>
+            <a:pPr algn="ctr"/>
+            <a:endParaRPr b="0" lang="en-GB" sz="4400" spc="-1" strike="noStrike">
               <a:latin typeface="Arial"/>
             </a:endParaRPr>
           </a:p>
@@ -3050,10 +2868,7 @@
             <a:normAutofit/>
           </a:bodyPr>
           <a:p>
-            <a:endParaRPr b="0" lang="en-US" sz="2800" spc="-1" strike="noStrike">
-              <a:solidFill>
-                <a:srgbClr val="000000"/>
-              </a:solidFill>
+            <a:endParaRPr b="0" lang="en-GB" sz="3200" spc="-1" strike="noStrike">
               <a:latin typeface="Arial"/>
             </a:endParaRPr>
           </a:p>
@@ -3083,10 +2898,7 @@
             <a:normAutofit/>
           </a:bodyPr>
           <a:p>
-            <a:endParaRPr b="0" lang="en-US" sz="2800" spc="-1" strike="noStrike">
-              <a:solidFill>
-                <a:srgbClr val="000000"/>
-              </a:solidFill>
+            <a:endParaRPr b="0" lang="en-GB" sz="3200" spc="-1" strike="noStrike">
               <a:latin typeface="Arial"/>
             </a:endParaRPr>
           </a:p>
@@ -3116,10 +2928,7 @@
             <a:normAutofit/>
           </a:bodyPr>
           <a:p>
-            <a:endParaRPr b="0" lang="en-US" sz="2800" spc="-1" strike="noStrike">
-              <a:solidFill>
-                <a:srgbClr val="000000"/>
-              </a:solidFill>
+            <a:endParaRPr b="0" lang="en-GB" sz="3200" spc="-1" strike="noStrike">
               <a:latin typeface="Arial"/>
             </a:endParaRPr>
           </a:p>
@@ -3171,10 +2980,8 @@
             <a:noAutofit/>
           </a:bodyPr>
           <a:p>
-            <a:endParaRPr b="0" lang="en-US" sz="1800" spc="-1" strike="noStrike">
-              <a:solidFill>
-                <a:srgbClr val="000000"/>
-              </a:solidFill>
+            <a:pPr algn="ctr"/>
+            <a:endParaRPr b="0" lang="en-GB" sz="4400" spc="-1" strike="noStrike">
               <a:latin typeface="Arial"/>
             </a:endParaRPr>
           </a:p>
@@ -3204,10 +3011,7 @@
             <a:normAutofit/>
           </a:bodyPr>
           <a:p>
-            <a:endParaRPr b="0" lang="en-US" sz="2800" spc="-1" strike="noStrike">
-              <a:solidFill>
-                <a:srgbClr val="000000"/>
-              </a:solidFill>
+            <a:endParaRPr b="0" lang="en-GB" sz="3200" spc="-1" strike="noStrike">
               <a:latin typeface="Arial"/>
             </a:endParaRPr>
           </a:p>
@@ -3237,10 +3041,7 @@
             <a:normAutofit/>
           </a:bodyPr>
           <a:p>
-            <a:endParaRPr b="0" lang="en-US" sz="2800" spc="-1" strike="noStrike">
-              <a:solidFill>
-                <a:srgbClr val="000000"/>
-              </a:solidFill>
+            <a:endParaRPr b="0" lang="en-GB" sz="3200" spc="-1" strike="noStrike">
               <a:latin typeface="Arial"/>
             </a:endParaRPr>
           </a:p>
@@ -3292,10 +3093,8 @@
             <a:noAutofit/>
           </a:bodyPr>
           <a:p>
-            <a:endParaRPr b="0" lang="en-US" sz="1800" spc="-1" strike="noStrike">
-              <a:solidFill>
-                <a:srgbClr val="000000"/>
-              </a:solidFill>
+            <a:pPr algn="ctr"/>
+            <a:endParaRPr b="0" lang="en-GB" sz="4400" spc="-1" strike="noStrike">
               <a:latin typeface="Arial"/>
             </a:endParaRPr>
           </a:p>
@@ -3325,10 +3124,7 @@
             <a:normAutofit/>
           </a:bodyPr>
           <a:p>
-            <a:endParaRPr b="0" lang="en-US" sz="2800" spc="-1" strike="noStrike">
-              <a:solidFill>
-                <a:srgbClr val="000000"/>
-              </a:solidFill>
+            <a:endParaRPr b="0" lang="en-GB" sz="3200" spc="-1" strike="noStrike">
               <a:latin typeface="Arial"/>
             </a:endParaRPr>
           </a:p>
@@ -3358,10 +3154,7 @@
             <a:normAutofit/>
           </a:bodyPr>
           <a:p>
-            <a:endParaRPr b="0" lang="en-US" sz="2800" spc="-1" strike="noStrike">
-              <a:solidFill>
-                <a:srgbClr val="000000"/>
-              </a:solidFill>
+            <a:endParaRPr b="0" lang="en-GB" sz="3200" spc="-1" strike="noStrike">
               <a:latin typeface="Arial"/>
             </a:endParaRPr>
           </a:p>
@@ -3391,10 +3184,7 @@
             <a:normAutofit/>
           </a:bodyPr>
           <a:p>
-            <a:endParaRPr b="0" lang="en-US" sz="2800" spc="-1" strike="noStrike">
-              <a:solidFill>
-                <a:srgbClr val="000000"/>
-              </a:solidFill>
+            <a:endParaRPr b="0" lang="en-GB" sz="3200" spc="-1" strike="noStrike">
               <a:latin typeface="Arial"/>
             </a:endParaRPr>
           </a:p>
@@ -3424,10 +3214,7 @@
             <a:normAutofit/>
           </a:bodyPr>
           <a:p>
-            <a:endParaRPr b="0" lang="en-US" sz="2800" spc="-1" strike="noStrike">
-              <a:solidFill>
-                <a:srgbClr val="000000"/>
-              </a:solidFill>
+            <a:endParaRPr b="0" lang="en-GB" sz="3200" spc="-1" strike="noStrike">
               <a:latin typeface="Arial"/>
             </a:endParaRPr>
           </a:p>
@@ -3479,10 +3266,8 @@
             <a:noAutofit/>
           </a:bodyPr>
           <a:p>
-            <a:endParaRPr b="0" lang="en-US" sz="1800" spc="-1" strike="noStrike">
-              <a:solidFill>
-                <a:srgbClr val="000000"/>
-              </a:solidFill>
+            <a:pPr algn="ctr"/>
+            <a:endParaRPr b="0" lang="en-GB" sz="4400" spc="-1" strike="noStrike">
               <a:latin typeface="Arial"/>
             </a:endParaRPr>
           </a:p>
@@ -3512,10 +3297,7 @@
             <a:normAutofit/>
           </a:bodyPr>
           <a:p>
-            <a:endParaRPr b="0" lang="en-US" sz="2800" spc="-1" strike="noStrike">
-              <a:solidFill>
-                <a:srgbClr val="000000"/>
-              </a:solidFill>
+            <a:endParaRPr b="0" lang="en-GB" sz="3200" spc="-1" strike="noStrike">
               <a:latin typeface="Arial"/>
             </a:endParaRPr>
           </a:p>
@@ -3545,10 +3327,7 @@
             <a:normAutofit/>
           </a:bodyPr>
           <a:p>
-            <a:endParaRPr b="0" lang="en-US" sz="2800" spc="-1" strike="noStrike">
-              <a:solidFill>
-                <a:srgbClr val="000000"/>
-              </a:solidFill>
+            <a:endParaRPr b="0" lang="en-GB" sz="3200" spc="-1" strike="noStrike">
               <a:latin typeface="Arial"/>
             </a:endParaRPr>
           </a:p>
@@ -3578,10 +3357,7 @@
             <a:normAutofit/>
           </a:bodyPr>
           <a:p>
-            <a:endParaRPr b="0" lang="en-US" sz="2800" spc="-1" strike="noStrike">
-              <a:solidFill>
-                <a:srgbClr val="000000"/>
-              </a:solidFill>
+            <a:endParaRPr b="0" lang="en-GB" sz="3200" spc="-1" strike="noStrike">
               <a:latin typeface="Arial"/>
             </a:endParaRPr>
           </a:p>
@@ -3611,10 +3387,7 @@
             <a:normAutofit/>
           </a:bodyPr>
           <a:p>
-            <a:endParaRPr b="0" lang="en-US" sz="2800" spc="-1" strike="noStrike">
-              <a:solidFill>
-                <a:srgbClr val="000000"/>
-              </a:solidFill>
+            <a:endParaRPr b="0" lang="en-GB" sz="3200" spc="-1" strike="noStrike">
               <a:latin typeface="Arial"/>
             </a:endParaRPr>
           </a:p>
@@ -3644,10 +3417,7 @@
             <a:normAutofit/>
           </a:bodyPr>
           <a:p>
-            <a:endParaRPr b="0" lang="en-US" sz="2800" spc="-1" strike="noStrike">
-              <a:solidFill>
-                <a:srgbClr val="000000"/>
-              </a:solidFill>
+            <a:endParaRPr b="0" lang="en-GB" sz="3200" spc="-1" strike="noStrike">
               <a:latin typeface="Arial"/>
             </a:endParaRPr>
           </a:p>
@@ -3677,10 +3447,7 @@
             <a:normAutofit/>
           </a:bodyPr>
           <a:p>
-            <a:endParaRPr b="0" lang="en-US" sz="2800" spc="-1" strike="noStrike">
-              <a:solidFill>
-                <a:srgbClr val="000000"/>
-              </a:solidFill>
+            <a:endParaRPr b="0" lang="en-GB" sz="3200" spc="-1" strike="noStrike">
               <a:latin typeface="Arial"/>
             </a:endParaRPr>
           </a:p>
@@ -3754,10 +3521,8 @@
             <a:noAutofit/>
           </a:bodyPr>
           <a:p>
-            <a:endParaRPr b="0" lang="en-US" sz="1800" spc="-1" strike="noStrike">
-              <a:solidFill>
-                <a:srgbClr val="000000"/>
-              </a:solidFill>
+            <a:pPr algn="ctr"/>
+            <a:endParaRPr b="0" lang="en-GB" sz="4400" spc="-1" strike="noStrike">
               <a:latin typeface="Arial"/>
             </a:endParaRPr>
           </a:p>
@@ -3840,10 +3605,8 @@
             <a:noAutofit/>
           </a:bodyPr>
           <a:p>
-            <a:endParaRPr b="0" lang="en-US" sz="1800" spc="-1" strike="noStrike">
-              <a:solidFill>
-                <a:srgbClr val="000000"/>
-              </a:solidFill>
+            <a:pPr algn="ctr"/>
+            <a:endParaRPr b="0" lang="en-GB" sz="4400" spc="-1" strike="noStrike">
               <a:latin typeface="Arial"/>
             </a:endParaRPr>
           </a:p>
@@ -3873,10 +3636,7 @@
             <a:normAutofit/>
           </a:bodyPr>
           <a:p>
-            <a:endParaRPr b="0" lang="en-US" sz="2800" spc="-1" strike="noStrike">
-              <a:solidFill>
-                <a:srgbClr val="000000"/>
-              </a:solidFill>
+            <a:endParaRPr b="0" lang="en-GB" sz="3200" spc="-1" strike="noStrike">
               <a:latin typeface="Arial"/>
             </a:endParaRPr>
           </a:p>
@@ -3928,10 +3688,8 @@
             <a:noAutofit/>
           </a:bodyPr>
           <a:p>
-            <a:endParaRPr b="0" lang="en-US" sz="1800" spc="-1" strike="noStrike">
-              <a:solidFill>
-                <a:srgbClr val="000000"/>
-              </a:solidFill>
+            <a:pPr algn="ctr"/>
+            <a:endParaRPr b="0" lang="en-GB" sz="4400" spc="-1" strike="noStrike">
               <a:latin typeface="Arial"/>
             </a:endParaRPr>
           </a:p>
@@ -3961,10 +3719,7 @@
             <a:normAutofit/>
           </a:bodyPr>
           <a:p>
-            <a:endParaRPr b="0" lang="en-US" sz="2800" spc="-1" strike="noStrike">
-              <a:solidFill>
-                <a:srgbClr val="000000"/>
-              </a:solidFill>
+            <a:endParaRPr b="0" lang="en-GB" sz="3200" spc="-1" strike="noStrike">
               <a:latin typeface="Arial"/>
             </a:endParaRPr>
           </a:p>
@@ -3994,10 +3749,7 @@
             <a:normAutofit/>
           </a:bodyPr>
           <a:p>
-            <a:endParaRPr b="0" lang="en-US" sz="2800" spc="-1" strike="noStrike">
-              <a:solidFill>
-                <a:srgbClr val="000000"/>
-              </a:solidFill>
+            <a:endParaRPr b="0" lang="en-GB" sz="3200" spc="-1" strike="noStrike">
               <a:latin typeface="Arial"/>
             </a:endParaRPr>
           </a:p>
@@ -4049,10 +3801,8 @@
             <a:noAutofit/>
           </a:bodyPr>
           <a:p>
-            <a:endParaRPr b="0" lang="en-US" sz="1800" spc="-1" strike="noStrike">
-              <a:solidFill>
-                <a:srgbClr val="000000"/>
-              </a:solidFill>
+            <a:pPr algn="ctr"/>
+            <a:endParaRPr b="0" lang="en-GB" sz="4400" spc="-1" strike="noStrike">
               <a:latin typeface="Arial"/>
             </a:endParaRPr>
           </a:p>
@@ -4082,10 +3832,7 @@
             <a:normAutofit/>
           </a:bodyPr>
           <a:p>
-            <a:endParaRPr b="0" lang="en-US" sz="2800" spc="-1" strike="noStrike">
-              <a:solidFill>
-                <a:srgbClr val="000000"/>
-              </a:solidFill>
+            <a:endParaRPr b="0" lang="en-GB" sz="3200" spc="-1" strike="noStrike">
               <a:latin typeface="Arial"/>
             </a:endParaRPr>
           </a:p>
@@ -4115,10 +3862,7 @@
             <a:normAutofit/>
           </a:bodyPr>
           <a:p>
-            <a:endParaRPr b="0" lang="en-US" sz="2800" spc="-1" strike="noStrike">
-              <a:solidFill>
-                <a:srgbClr val="000000"/>
-              </a:solidFill>
+            <a:endParaRPr b="0" lang="en-GB" sz="3200" spc="-1" strike="noStrike">
               <a:latin typeface="Arial"/>
             </a:endParaRPr>
           </a:p>
@@ -4170,10 +3914,8 @@
             <a:noAutofit/>
           </a:bodyPr>
           <a:p>
-            <a:endParaRPr b="0" lang="en-US" sz="1800" spc="-1" strike="noStrike">
-              <a:solidFill>
-                <a:srgbClr val="000000"/>
-              </a:solidFill>
+            <a:pPr algn="ctr"/>
+            <a:endParaRPr b="0" lang="en-GB" sz="4400" spc="-1" strike="noStrike">
               <a:latin typeface="Arial"/>
             </a:endParaRPr>
           </a:p>
@@ -4278,10 +4020,8 @@
             <a:noAutofit/>
           </a:bodyPr>
           <a:p>
-            <a:endParaRPr b="0" lang="en-US" sz="1800" spc="-1" strike="noStrike">
-              <a:solidFill>
-                <a:srgbClr val="000000"/>
-              </a:solidFill>
+            <a:pPr algn="ctr"/>
+            <a:endParaRPr b="0" lang="en-GB" sz="4400" spc="-1" strike="noStrike">
               <a:latin typeface="Arial"/>
             </a:endParaRPr>
           </a:p>
@@ -4311,10 +4051,7 @@
             <a:normAutofit/>
           </a:bodyPr>
           <a:p>
-            <a:endParaRPr b="0" lang="en-US" sz="2800" spc="-1" strike="noStrike">
-              <a:solidFill>
-                <a:srgbClr val="000000"/>
-              </a:solidFill>
+            <a:endParaRPr b="0" lang="en-GB" sz="3200" spc="-1" strike="noStrike">
               <a:latin typeface="Arial"/>
             </a:endParaRPr>
           </a:p>
@@ -4344,10 +4081,7 @@
             <a:normAutofit/>
           </a:bodyPr>
           <a:p>
-            <a:endParaRPr b="0" lang="en-US" sz="2800" spc="-1" strike="noStrike">
-              <a:solidFill>
-                <a:srgbClr val="000000"/>
-              </a:solidFill>
+            <a:endParaRPr b="0" lang="en-GB" sz="3200" spc="-1" strike="noStrike">
               <a:latin typeface="Arial"/>
             </a:endParaRPr>
           </a:p>
@@ -4377,10 +4111,7 @@
             <a:normAutofit/>
           </a:bodyPr>
           <a:p>
-            <a:endParaRPr b="0" lang="en-US" sz="2800" spc="-1" strike="noStrike">
-              <a:solidFill>
-                <a:srgbClr val="000000"/>
-              </a:solidFill>
+            <a:endParaRPr b="0" lang="en-GB" sz="3200" spc="-1" strike="noStrike">
               <a:latin typeface="Arial"/>
             </a:endParaRPr>
           </a:p>
@@ -4432,10 +4163,8 @@
             <a:noAutofit/>
           </a:bodyPr>
           <a:p>
-            <a:endParaRPr b="0" lang="en-US" sz="1800" spc="-1" strike="noStrike">
-              <a:solidFill>
-                <a:srgbClr val="000000"/>
-              </a:solidFill>
+            <a:pPr algn="ctr"/>
+            <a:endParaRPr b="0" lang="en-GB" sz="4400" spc="-1" strike="noStrike">
               <a:latin typeface="Arial"/>
             </a:endParaRPr>
           </a:p>
@@ -4465,10 +4194,7 @@
             <a:normAutofit/>
           </a:bodyPr>
           <a:p>
-            <a:endParaRPr b="0" lang="en-US" sz="2800" spc="-1" strike="noStrike">
-              <a:solidFill>
-                <a:srgbClr val="000000"/>
-              </a:solidFill>
+            <a:endParaRPr b="0" lang="en-GB" sz="3200" spc="-1" strike="noStrike">
               <a:latin typeface="Arial"/>
             </a:endParaRPr>
           </a:p>
@@ -4498,10 +4224,7 @@
             <a:normAutofit/>
           </a:bodyPr>
           <a:p>
-            <a:endParaRPr b="0" lang="en-US" sz="2800" spc="-1" strike="noStrike">
-              <a:solidFill>
-                <a:srgbClr val="000000"/>
-              </a:solidFill>
+            <a:endParaRPr b="0" lang="en-GB" sz="3200" spc="-1" strike="noStrike">
               <a:latin typeface="Arial"/>
             </a:endParaRPr>
           </a:p>
@@ -4531,10 +4254,7 @@
             <a:normAutofit/>
           </a:bodyPr>
           <a:p>
-            <a:endParaRPr b="0" lang="en-US" sz="2800" spc="-1" strike="noStrike">
-              <a:solidFill>
-                <a:srgbClr val="000000"/>
-              </a:solidFill>
+            <a:endParaRPr b="0" lang="en-GB" sz="3200" spc="-1" strike="noStrike">
               <a:latin typeface="Arial"/>
             </a:endParaRPr>
           </a:p>
@@ -4586,10 +4306,8 @@
             <a:noAutofit/>
           </a:bodyPr>
           <a:p>
-            <a:endParaRPr b="0" lang="en-US" sz="1800" spc="-1" strike="noStrike">
-              <a:solidFill>
-                <a:srgbClr val="000000"/>
-              </a:solidFill>
+            <a:pPr algn="ctr"/>
+            <a:endParaRPr b="0" lang="en-GB" sz="4400" spc="-1" strike="noStrike">
               <a:latin typeface="Arial"/>
             </a:endParaRPr>
           </a:p>
@@ -4619,10 +4337,7 @@
             <a:normAutofit/>
           </a:bodyPr>
           <a:p>
-            <a:endParaRPr b="0" lang="en-US" sz="2800" spc="-1" strike="noStrike">
-              <a:solidFill>
-                <a:srgbClr val="000000"/>
-              </a:solidFill>
+            <a:endParaRPr b="0" lang="en-GB" sz="3200" spc="-1" strike="noStrike">
               <a:latin typeface="Arial"/>
             </a:endParaRPr>
           </a:p>
@@ -4652,10 +4367,7 @@
             <a:normAutofit/>
           </a:bodyPr>
           <a:p>
-            <a:endParaRPr b="0" lang="en-US" sz="2800" spc="-1" strike="noStrike">
-              <a:solidFill>
-                <a:srgbClr val="000000"/>
-              </a:solidFill>
+            <a:endParaRPr b="0" lang="en-GB" sz="3200" spc="-1" strike="noStrike">
               <a:latin typeface="Arial"/>
             </a:endParaRPr>
           </a:p>
@@ -4685,10 +4397,7 @@
             <a:normAutofit/>
           </a:bodyPr>
           <a:p>
-            <a:endParaRPr b="0" lang="en-US" sz="2800" spc="-1" strike="noStrike">
-              <a:solidFill>
-                <a:srgbClr val="000000"/>
-              </a:solidFill>
+            <a:endParaRPr b="0" lang="en-GB" sz="3200" spc="-1" strike="noStrike">
               <a:latin typeface="Arial"/>
             </a:endParaRPr>
           </a:p>
@@ -4740,10 +4449,8 @@
             <a:noAutofit/>
           </a:bodyPr>
           <a:p>
-            <a:endParaRPr b="0" lang="en-US" sz="1800" spc="-1" strike="noStrike">
-              <a:solidFill>
-                <a:srgbClr val="000000"/>
-              </a:solidFill>
+            <a:pPr algn="ctr"/>
+            <a:endParaRPr b="0" lang="en-GB" sz="4400" spc="-1" strike="noStrike">
               <a:latin typeface="Arial"/>
             </a:endParaRPr>
           </a:p>
@@ -4773,10 +4480,7 @@
             <a:normAutofit/>
           </a:bodyPr>
           <a:p>
-            <a:endParaRPr b="0" lang="en-US" sz="2800" spc="-1" strike="noStrike">
-              <a:solidFill>
-                <a:srgbClr val="000000"/>
-              </a:solidFill>
+            <a:endParaRPr b="0" lang="en-GB" sz="3200" spc="-1" strike="noStrike">
               <a:latin typeface="Arial"/>
             </a:endParaRPr>
           </a:p>
@@ -4806,10 +4510,7 @@
             <a:normAutofit/>
           </a:bodyPr>
           <a:p>
-            <a:endParaRPr b="0" lang="en-US" sz="2800" spc="-1" strike="noStrike">
-              <a:solidFill>
-                <a:srgbClr val="000000"/>
-              </a:solidFill>
+            <a:endParaRPr b="0" lang="en-GB" sz="3200" spc="-1" strike="noStrike">
               <a:latin typeface="Arial"/>
             </a:endParaRPr>
           </a:p>
@@ -4861,10 +4562,8 @@
             <a:noAutofit/>
           </a:bodyPr>
           <a:p>
-            <a:endParaRPr b="0" lang="en-US" sz="1800" spc="-1" strike="noStrike">
-              <a:solidFill>
-                <a:srgbClr val="000000"/>
-              </a:solidFill>
+            <a:pPr algn="ctr"/>
+            <a:endParaRPr b="0" lang="en-GB" sz="4400" spc="-1" strike="noStrike">
               <a:latin typeface="Arial"/>
             </a:endParaRPr>
           </a:p>
@@ -4894,10 +4593,7 @@
             <a:normAutofit/>
           </a:bodyPr>
           <a:p>
-            <a:endParaRPr b="0" lang="en-US" sz="2800" spc="-1" strike="noStrike">
-              <a:solidFill>
-                <a:srgbClr val="000000"/>
-              </a:solidFill>
+            <a:endParaRPr b="0" lang="en-GB" sz="3200" spc="-1" strike="noStrike">
               <a:latin typeface="Arial"/>
             </a:endParaRPr>
           </a:p>
@@ -4927,10 +4623,7 @@
             <a:normAutofit/>
           </a:bodyPr>
           <a:p>
-            <a:endParaRPr b="0" lang="en-US" sz="2800" spc="-1" strike="noStrike">
-              <a:solidFill>
-                <a:srgbClr val="000000"/>
-              </a:solidFill>
+            <a:endParaRPr b="0" lang="en-GB" sz="3200" spc="-1" strike="noStrike">
               <a:latin typeface="Arial"/>
             </a:endParaRPr>
           </a:p>
@@ -4960,10 +4653,7 @@
             <a:normAutofit/>
           </a:bodyPr>
           <a:p>
-            <a:endParaRPr b="0" lang="en-US" sz="2800" spc="-1" strike="noStrike">
-              <a:solidFill>
-                <a:srgbClr val="000000"/>
-              </a:solidFill>
+            <a:endParaRPr b="0" lang="en-GB" sz="3200" spc="-1" strike="noStrike">
               <a:latin typeface="Arial"/>
             </a:endParaRPr>
           </a:p>
@@ -4993,10 +4683,7 @@
             <a:normAutofit/>
           </a:bodyPr>
           <a:p>
-            <a:endParaRPr b="0" lang="en-US" sz="2800" spc="-1" strike="noStrike">
-              <a:solidFill>
-                <a:srgbClr val="000000"/>
-              </a:solidFill>
+            <a:endParaRPr b="0" lang="en-GB" sz="3200" spc="-1" strike="noStrike">
               <a:latin typeface="Arial"/>
             </a:endParaRPr>
           </a:p>
@@ -5048,10 +4735,8 @@
             <a:noAutofit/>
           </a:bodyPr>
           <a:p>
-            <a:endParaRPr b="0" lang="en-US" sz="1800" spc="-1" strike="noStrike">
-              <a:solidFill>
-                <a:srgbClr val="000000"/>
-              </a:solidFill>
+            <a:pPr algn="ctr"/>
+            <a:endParaRPr b="0" lang="en-GB" sz="4400" spc="-1" strike="noStrike">
               <a:latin typeface="Arial"/>
             </a:endParaRPr>
           </a:p>
@@ -5081,10 +4766,7 @@
             <a:normAutofit/>
           </a:bodyPr>
           <a:p>
-            <a:endParaRPr b="0" lang="en-US" sz="2800" spc="-1" strike="noStrike">
-              <a:solidFill>
-                <a:srgbClr val="000000"/>
-              </a:solidFill>
+            <a:endParaRPr b="0" lang="en-GB" sz="3200" spc="-1" strike="noStrike">
               <a:latin typeface="Arial"/>
             </a:endParaRPr>
           </a:p>
@@ -5114,10 +4796,7 @@
             <a:normAutofit/>
           </a:bodyPr>
           <a:p>
-            <a:endParaRPr b="0" lang="en-US" sz="2800" spc="-1" strike="noStrike">
-              <a:solidFill>
-                <a:srgbClr val="000000"/>
-              </a:solidFill>
+            <a:endParaRPr b="0" lang="en-GB" sz="3200" spc="-1" strike="noStrike">
               <a:latin typeface="Arial"/>
             </a:endParaRPr>
           </a:p>
@@ -5147,10 +4826,7 @@
             <a:normAutofit/>
           </a:bodyPr>
           <a:p>
-            <a:endParaRPr b="0" lang="en-US" sz="2800" spc="-1" strike="noStrike">
-              <a:solidFill>
-                <a:srgbClr val="000000"/>
-              </a:solidFill>
+            <a:endParaRPr b="0" lang="en-GB" sz="3200" spc="-1" strike="noStrike">
               <a:latin typeface="Arial"/>
             </a:endParaRPr>
           </a:p>
@@ -5180,10 +4856,7 @@
             <a:normAutofit/>
           </a:bodyPr>
           <a:p>
-            <a:endParaRPr b="0" lang="en-US" sz="2800" spc="-1" strike="noStrike">
-              <a:solidFill>
-                <a:srgbClr val="000000"/>
-              </a:solidFill>
+            <a:endParaRPr b="0" lang="en-GB" sz="3200" spc="-1" strike="noStrike">
               <a:latin typeface="Arial"/>
             </a:endParaRPr>
           </a:p>
@@ -5213,10 +4886,7 @@
             <a:normAutofit/>
           </a:bodyPr>
           <a:p>
-            <a:endParaRPr b="0" lang="en-US" sz="2800" spc="-1" strike="noStrike">
-              <a:solidFill>
-                <a:srgbClr val="000000"/>
-              </a:solidFill>
+            <a:endParaRPr b="0" lang="en-GB" sz="3200" spc="-1" strike="noStrike">
               <a:latin typeface="Arial"/>
             </a:endParaRPr>
           </a:p>
@@ -5246,10 +4916,7 @@
             <a:normAutofit/>
           </a:bodyPr>
           <a:p>
-            <a:endParaRPr b="0" lang="en-US" sz="2800" spc="-1" strike="noStrike">
-              <a:solidFill>
-                <a:srgbClr val="000000"/>
-              </a:solidFill>
+            <a:endParaRPr b="0" lang="en-GB" sz="3200" spc="-1" strike="noStrike">
               <a:latin typeface="Arial"/>
             </a:endParaRPr>
           </a:p>
@@ -5323,10 +4990,8 @@
             <a:noAutofit/>
           </a:bodyPr>
           <a:p>
-            <a:endParaRPr b="0" lang="en-US" sz="1800" spc="-1" strike="noStrike">
-              <a:solidFill>
-                <a:srgbClr val="000000"/>
-              </a:solidFill>
+            <a:pPr algn="ctr"/>
+            <a:endParaRPr b="0" lang="en-GB" sz="4400" spc="-1" strike="noStrike">
               <a:latin typeface="Arial"/>
             </a:endParaRPr>
           </a:p>
@@ -5378,10 +5043,8 @@
             <a:noAutofit/>
           </a:bodyPr>
           <a:p>
-            <a:endParaRPr b="0" lang="en-US" sz="1800" spc="-1" strike="noStrike">
-              <a:solidFill>
-                <a:srgbClr val="000000"/>
-              </a:solidFill>
+            <a:pPr algn="ctr"/>
+            <a:endParaRPr b="0" lang="en-GB" sz="4400" spc="-1" strike="noStrike">
               <a:latin typeface="Arial"/>
             </a:endParaRPr>
           </a:p>
@@ -5464,10 +5127,8 @@
             <a:noAutofit/>
           </a:bodyPr>
           <a:p>
-            <a:endParaRPr b="0" lang="en-US" sz="1800" spc="-1" strike="noStrike">
-              <a:solidFill>
-                <a:srgbClr val="000000"/>
-              </a:solidFill>
+            <a:pPr algn="ctr"/>
+            <a:endParaRPr b="0" lang="en-GB" sz="4400" spc="-1" strike="noStrike">
               <a:latin typeface="Arial"/>
             </a:endParaRPr>
           </a:p>
@@ -5497,10 +5158,7 @@
             <a:normAutofit/>
           </a:bodyPr>
           <a:p>
-            <a:endParaRPr b="0" lang="en-US" sz="2800" spc="-1" strike="noStrike">
-              <a:solidFill>
-                <a:srgbClr val="000000"/>
-              </a:solidFill>
+            <a:endParaRPr b="0" lang="en-GB" sz="3200" spc="-1" strike="noStrike">
               <a:latin typeface="Arial"/>
             </a:endParaRPr>
           </a:p>
@@ -5552,10 +5210,8 @@
             <a:noAutofit/>
           </a:bodyPr>
           <a:p>
-            <a:endParaRPr b="0" lang="en-US" sz="1800" spc="-1" strike="noStrike">
-              <a:solidFill>
-                <a:srgbClr val="000000"/>
-              </a:solidFill>
+            <a:pPr algn="ctr"/>
+            <a:endParaRPr b="0" lang="en-GB" sz="4400" spc="-1" strike="noStrike">
               <a:latin typeface="Arial"/>
             </a:endParaRPr>
           </a:p>
@@ -5585,10 +5241,7 @@
             <a:normAutofit/>
           </a:bodyPr>
           <a:p>
-            <a:endParaRPr b="0" lang="en-US" sz="2800" spc="-1" strike="noStrike">
-              <a:solidFill>
-                <a:srgbClr val="000000"/>
-              </a:solidFill>
+            <a:endParaRPr b="0" lang="en-GB" sz="3200" spc="-1" strike="noStrike">
               <a:latin typeface="Arial"/>
             </a:endParaRPr>
           </a:p>
@@ -5618,10 +5271,7 @@
             <a:normAutofit/>
           </a:bodyPr>
           <a:p>
-            <a:endParaRPr b="0" lang="en-US" sz="2800" spc="-1" strike="noStrike">
-              <a:solidFill>
-                <a:srgbClr val="000000"/>
-              </a:solidFill>
+            <a:endParaRPr b="0" lang="en-GB" sz="3200" spc="-1" strike="noStrike">
               <a:latin typeface="Arial"/>
             </a:endParaRPr>
           </a:p>
@@ -5673,10 +5323,8 @@
             <a:noAutofit/>
           </a:bodyPr>
           <a:p>
-            <a:endParaRPr b="0" lang="en-US" sz="1800" spc="-1" strike="noStrike">
-              <a:solidFill>
-                <a:srgbClr val="000000"/>
-              </a:solidFill>
+            <a:pPr algn="ctr"/>
+            <a:endParaRPr b="0" lang="en-GB" sz="4400" spc="-1" strike="noStrike">
               <a:latin typeface="Arial"/>
             </a:endParaRPr>
           </a:p>
@@ -5781,10 +5429,8 @@
             <a:noAutofit/>
           </a:bodyPr>
           <a:p>
-            <a:endParaRPr b="0" lang="en-US" sz="1800" spc="-1" strike="noStrike">
-              <a:solidFill>
-                <a:srgbClr val="000000"/>
-              </a:solidFill>
+            <a:pPr algn="ctr"/>
+            <a:endParaRPr b="0" lang="en-GB" sz="4400" spc="-1" strike="noStrike">
               <a:latin typeface="Arial"/>
             </a:endParaRPr>
           </a:p>
@@ -5814,10 +5460,7 @@
             <a:normAutofit/>
           </a:bodyPr>
           <a:p>
-            <a:endParaRPr b="0" lang="en-US" sz="2800" spc="-1" strike="noStrike">
-              <a:solidFill>
-                <a:srgbClr val="000000"/>
-              </a:solidFill>
+            <a:endParaRPr b="0" lang="en-GB" sz="3200" spc="-1" strike="noStrike">
               <a:latin typeface="Arial"/>
             </a:endParaRPr>
           </a:p>
@@ -5847,10 +5490,7 @@
             <a:normAutofit/>
           </a:bodyPr>
           <a:p>
-            <a:endParaRPr b="0" lang="en-US" sz="2800" spc="-1" strike="noStrike">
-              <a:solidFill>
-                <a:srgbClr val="000000"/>
-              </a:solidFill>
+            <a:endParaRPr b="0" lang="en-GB" sz="3200" spc="-1" strike="noStrike">
               <a:latin typeface="Arial"/>
             </a:endParaRPr>
           </a:p>
@@ -5880,10 +5520,7 @@
             <a:normAutofit/>
           </a:bodyPr>
           <a:p>
-            <a:endParaRPr b="0" lang="en-US" sz="2800" spc="-1" strike="noStrike">
-              <a:solidFill>
-                <a:srgbClr val="000000"/>
-              </a:solidFill>
+            <a:endParaRPr b="0" lang="en-GB" sz="3200" spc="-1" strike="noStrike">
               <a:latin typeface="Arial"/>
             </a:endParaRPr>
           </a:p>
@@ -5935,10 +5572,8 @@
             <a:noAutofit/>
           </a:bodyPr>
           <a:p>
-            <a:endParaRPr b="0" lang="en-US" sz="1800" spc="-1" strike="noStrike">
-              <a:solidFill>
-                <a:srgbClr val="000000"/>
-              </a:solidFill>
+            <a:pPr algn="ctr"/>
+            <a:endParaRPr b="0" lang="en-GB" sz="4400" spc="-1" strike="noStrike">
               <a:latin typeface="Arial"/>
             </a:endParaRPr>
           </a:p>
@@ -5968,10 +5603,7 @@
             <a:normAutofit/>
           </a:bodyPr>
           <a:p>
-            <a:endParaRPr b="0" lang="en-US" sz="2800" spc="-1" strike="noStrike">
-              <a:solidFill>
-                <a:srgbClr val="000000"/>
-              </a:solidFill>
+            <a:endParaRPr b="0" lang="en-GB" sz="3200" spc="-1" strike="noStrike">
               <a:latin typeface="Arial"/>
             </a:endParaRPr>
           </a:p>
@@ -6001,10 +5633,7 @@
             <a:normAutofit/>
           </a:bodyPr>
           <a:p>
-            <a:endParaRPr b="0" lang="en-US" sz="2800" spc="-1" strike="noStrike">
-              <a:solidFill>
-                <a:srgbClr val="000000"/>
-              </a:solidFill>
+            <a:endParaRPr b="0" lang="en-GB" sz="3200" spc="-1" strike="noStrike">
               <a:latin typeface="Arial"/>
             </a:endParaRPr>
           </a:p>
@@ -6034,10 +5663,7 @@
             <a:normAutofit/>
           </a:bodyPr>
           <a:p>
-            <a:endParaRPr b="0" lang="en-US" sz="2800" spc="-1" strike="noStrike">
-              <a:solidFill>
-                <a:srgbClr val="000000"/>
-              </a:solidFill>
+            <a:endParaRPr b="0" lang="en-GB" sz="3200" spc="-1" strike="noStrike">
               <a:latin typeface="Arial"/>
             </a:endParaRPr>
           </a:p>
@@ -6089,10 +5715,8 @@
             <a:noAutofit/>
           </a:bodyPr>
           <a:p>
-            <a:endParaRPr b="0" lang="en-US" sz="1800" spc="-1" strike="noStrike">
-              <a:solidFill>
-                <a:srgbClr val="000000"/>
-              </a:solidFill>
+            <a:pPr algn="ctr"/>
+            <a:endParaRPr b="0" lang="en-GB" sz="4400" spc="-1" strike="noStrike">
               <a:latin typeface="Arial"/>
             </a:endParaRPr>
           </a:p>
@@ -6122,10 +5746,7 @@
             <a:normAutofit/>
           </a:bodyPr>
           <a:p>
-            <a:endParaRPr b="0" lang="en-US" sz="2800" spc="-1" strike="noStrike">
-              <a:solidFill>
-                <a:srgbClr val="000000"/>
-              </a:solidFill>
+            <a:endParaRPr b="0" lang="en-GB" sz="3200" spc="-1" strike="noStrike">
               <a:latin typeface="Arial"/>
             </a:endParaRPr>
           </a:p>
@@ -6155,10 +5776,7 @@
             <a:normAutofit/>
           </a:bodyPr>
           <a:p>
-            <a:endParaRPr b="0" lang="en-US" sz="2800" spc="-1" strike="noStrike">
-              <a:solidFill>
-                <a:srgbClr val="000000"/>
-              </a:solidFill>
+            <a:endParaRPr b="0" lang="en-GB" sz="3200" spc="-1" strike="noStrike">
               <a:latin typeface="Arial"/>
             </a:endParaRPr>
           </a:p>
@@ -6188,10 +5806,7 @@
             <a:normAutofit/>
           </a:bodyPr>
           <a:p>
-            <a:endParaRPr b="0" lang="en-US" sz="2800" spc="-1" strike="noStrike">
-              <a:solidFill>
-                <a:srgbClr val="000000"/>
-              </a:solidFill>
+            <a:endParaRPr b="0" lang="en-GB" sz="3200" spc="-1" strike="noStrike">
               <a:latin typeface="Arial"/>
             </a:endParaRPr>
           </a:p>
@@ -6243,10 +5858,8 @@
             <a:noAutofit/>
           </a:bodyPr>
           <a:p>
-            <a:endParaRPr b="0" lang="en-US" sz="1800" spc="-1" strike="noStrike">
-              <a:solidFill>
-                <a:srgbClr val="000000"/>
-              </a:solidFill>
+            <a:pPr algn="ctr"/>
+            <a:endParaRPr b="0" lang="en-GB" sz="4400" spc="-1" strike="noStrike">
               <a:latin typeface="Arial"/>
             </a:endParaRPr>
           </a:p>
@@ -6276,10 +5889,7 @@
             <a:normAutofit/>
           </a:bodyPr>
           <a:p>
-            <a:endParaRPr b="0" lang="en-US" sz="2800" spc="-1" strike="noStrike">
-              <a:solidFill>
-                <a:srgbClr val="000000"/>
-              </a:solidFill>
+            <a:endParaRPr b="0" lang="en-GB" sz="3200" spc="-1" strike="noStrike">
               <a:latin typeface="Arial"/>
             </a:endParaRPr>
           </a:p>
@@ -6309,10 +5919,7 @@
             <a:normAutofit/>
           </a:bodyPr>
           <a:p>
-            <a:endParaRPr b="0" lang="en-US" sz="2800" spc="-1" strike="noStrike">
-              <a:solidFill>
-                <a:srgbClr val="000000"/>
-              </a:solidFill>
+            <a:endParaRPr b="0" lang="en-GB" sz="3200" spc="-1" strike="noStrike">
               <a:latin typeface="Arial"/>
             </a:endParaRPr>
           </a:p>
@@ -6364,10 +5971,8 @@
             <a:noAutofit/>
           </a:bodyPr>
           <a:p>
-            <a:endParaRPr b="0" lang="en-US" sz="1800" spc="-1" strike="noStrike">
-              <a:solidFill>
-                <a:srgbClr val="000000"/>
-              </a:solidFill>
+            <a:pPr algn="ctr"/>
+            <a:endParaRPr b="0" lang="en-GB" sz="4400" spc="-1" strike="noStrike">
               <a:latin typeface="Arial"/>
             </a:endParaRPr>
           </a:p>
@@ -6397,10 +6002,7 @@
             <a:normAutofit/>
           </a:bodyPr>
           <a:p>
-            <a:endParaRPr b="0" lang="en-US" sz="2800" spc="-1" strike="noStrike">
-              <a:solidFill>
-                <a:srgbClr val="000000"/>
-              </a:solidFill>
+            <a:endParaRPr b="0" lang="en-GB" sz="3200" spc="-1" strike="noStrike">
               <a:latin typeface="Arial"/>
             </a:endParaRPr>
           </a:p>
@@ -6430,10 +6032,7 @@
             <a:normAutofit/>
           </a:bodyPr>
           <a:p>
-            <a:endParaRPr b="0" lang="en-US" sz="2800" spc="-1" strike="noStrike">
-              <a:solidFill>
-                <a:srgbClr val="000000"/>
-              </a:solidFill>
+            <a:endParaRPr b="0" lang="en-GB" sz="3200" spc="-1" strike="noStrike">
               <a:latin typeface="Arial"/>
             </a:endParaRPr>
           </a:p>
@@ -6463,10 +6062,7 @@
             <a:normAutofit/>
           </a:bodyPr>
           <a:p>
-            <a:endParaRPr b="0" lang="en-US" sz="2800" spc="-1" strike="noStrike">
-              <a:solidFill>
-                <a:srgbClr val="000000"/>
-              </a:solidFill>
+            <a:endParaRPr b="0" lang="en-GB" sz="3200" spc="-1" strike="noStrike">
               <a:latin typeface="Arial"/>
             </a:endParaRPr>
           </a:p>
@@ -6496,10 +6092,7 @@
             <a:normAutofit/>
           </a:bodyPr>
           <a:p>
-            <a:endParaRPr b="0" lang="en-US" sz="2800" spc="-1" strike="noStrike">
-              <a:solidFill>
-                <a:srgbClr val="000000"/>
-              </a:solidFill>
+            <a:endParaRPr b="0" lang="en-GB" sz="3200" spc="-1" strike="noStrike">
               <a:latin typeface="Arial"/>
             </a:endParaRPr>
           </a:p>
@@ -6604,10 +6197,8 @@
             <a:noAutofit/>
           </a:bodyPr>
           <a:p>
-            <a:endParaRPr b="0" lang="en-US" sz="1800" spc="-1" strike="noStrike">
-              <a:solidFill>
-                <a:srgbClr val="000000"/>
-              </a:solidFill>
+            <a:pPr algn="ctr"/>
+            <a:endParaRPr b="0" lang="en-GB" sz="4400" spc="-1" strike="noStrike">
               <a:latin typeface="Arial"/>
             </a:endParaRPr>
           </a:p>
@@ -6637,10 +6228,7 @@
             <a:normAutofit/>
           </a:bodyPr>
           <a:p>
-            <a:endParaRPr b="0" lang="en-US" sz="2800" spc="-1" strike="noStrike">
-              <a:solidFill>
-                <a:srgbClr val="000000"/>
-              </a:solidFill>
+            <a:endParaRPr b="0" lang="en-GB" sz="3200" spc="-1" strike="noStrike">
               <a:latin typeface="Arial"/>
             </a:endParaRPr>
           </a:p>
@@ -6670,10 +6258,7 @@
             <a:normAutofit/>
           </a:bodyPr>
           <a:p>
-            <a:endParaRPr b="0" lang="en-US" sz="2800" spc="-1" strike="noStrike">
-              <a:solidFill>
-                <a:srgbClr val="000000"/>
-              </a:solidFill>
+            <a:endParaRPr b="0" lang="en-GB" sz="3200" spc="-1" strike="noStrike">
               <a:latin typeface="Arial"/>
             </a:endParaRPr>
           </a:p>
@@ -6703,10 +6288,7 @@
             <a:normAutofit/>
           </a:bodyPr>
           <a:p>
-            <a:endParaRPr b="0" lang="en-US" sz="2800" spc="-1" strike="noStrike">
-              <a:solidFill>
-                <a:srgbClr val="000000"/>
-              </a:solidFill>
+            <a:endParaRPr b="0" lang="en-GB" sz="3200" spc="-1" strike="noStrike">
               <a:latin typeface="Arial"/>
             </a:endParaRPr>
           </a:p>
@@ -6736,10 +6318,7 @@
             <a:normAutofit/>
           </a:bodyPr>
           <a:p>
-            <a:endParaRPr b="0" lang="en-US" sz="2800" spc="-1" strike="noStrike">
-              <a:solidFill>
-                <a:srgbClr val="000000"/>
-              </a:solidFill>
+            <a:endParaRPr b="0" lang="en-GB" sz="3200" spc="-1" strike="noStrike">
               <a:latin typeface="Arial"/>
             </a:endParaRPr>
           </a:p>
@@ -6769,10 +6348,7 @@
             <a:normAutofit/>
           </a:bodyPr>
           <a:p>
-            <a:endParaRPr b="0" lang="en-US" sz="2800" spc="-1" strike="noStrike">
-              <a:solidFill>
-                <a:srgbClr val="000000"/>
-              </a:solidFill>
+            <a:endParaRPr b="0" lang="en-GB" sz="3200" spc="-1" strike="noStrike">
               <a:latin typeface="Arial"/>
             </a:endParaRPr>
           </a:p>
@@ -6802,10 +6378,7 @@
             <a:normAutofit/>
           </a:bodyPr>
           <a:p>
-            <a:endParaRPr b="0" lang="en-US" sz="2800" spc="-1" strike="noStrike">
-              <a:solidFill>
-                <a:srgbClr val="000000"/>
-              </a:solidFill>
+            <a:endParaRPr b="0" lang="en-GB" sz="3200" spc="-1" strike="noStrike">
               <a:latin typeface="Arial"/>
             </a:endParaRPr>
           </a:p>
@@ -6857,10 +6430,8 @@
             <a:noAutofit/>
           </a:bodyPr>
           <a:p>
-            <a:endParaRPr b="0" lang="en-US" sz="1800" spc="-1" strike="noStrike">
-              <a:solidFill>
-                <a:srgbClr val="000000"/>
-              </a:solidFill>
+            <a:pPr algn="ctr"/>
+            <a:endParaRPr b="0" lang="en-GB" sz="4400" spc="-1" strike="noStrike">
               <a:latin typeface="Arial"/>
             </a:endParaRPr>
           </a:p>
@@ -6890,10 +6461,7 @@
             <a:normAutofit/>
           </a:bodyPr>
           <a:p>
-            <a:endParaRPr b="0" lang="en-US" sz="2800" spc="-1" strike="noStrike">
-              <a:solidFill>
-                <a:srgbClr val="000000"/>
-              </a:solidFill>
+            <a:endParaRPr b="0" lang="en-GB" sz="3200" spc="-1" strike="noStrike">
               <a:latin typeface="Arial"/>
             </a:endParaRPr>
           </a:p>
@@ -6923,10 +6491,7 @@
             <a:normAutofit/>
           </a:bodyPr>
           <a:p>
-            <a:endParaRPr b="0" lang="en-US" sz="2800" spc="-1" strike="noStrike">
-              <a:solidFill>
-                <a:srgbClr val="000000"/>
-              </a:solidFill>
+            <a:endParaRPr b="0" lang="en-GB" sz="3200" spc="-1" strike="noStrike">
               <a:latin typeface="Arial"/>
             </a:endParaRPr>
           </a:p>
@@ -6956,10 +6521,7 @@
             <a:normAutofit/>
           </a:bodyPr>
           <a:p>
-            <a:endParaRPr b="0" lang="en-US" sz="2800" spc="-1" strike="noStrike">
-              <a:solidFill>
-                <a:srgbClr val="000000"/>
-              </a:solidFill>
+            <a:endParaRPr b="0" lang="en-GB" sz="3200" spc="-1" strike="noStrike">
               <a:latin typeface="Arial"/>
             </a:endParaRPr>
           </a:p>
@@ -7011,10 +6573,8 @@
             <a:noAutofit/>
           </a:bodyPr>
           <a:p>
-            <a:endParaRPr b="0" lang="en-US" sz="1800" spc="-1" strike="noStrike">
-              <a:solidFill>
-                <a:srgbClr val="000000"/>
-              </a:solidFill>
+            <a:pPr algn="ctr"/>
+            <a:endParaRPr b="0" lang="en-GB" sz="4400" spc="-1" strike="noStrike">
               <a:latin typeface="Arial"/>
             </a:endParaRPr>
           </a:p>
@@ -7044,10 +6604,7 @@
             <a:normAutofit/>
           </a:bodyPr>
           <a:p>
-            <a:endParaRPr b="0" lang="en-US" sz="2800" spc="-1" strike="noStrike">
-              <a:solidFill>
-                <a:srgbClr val="000000"/>
-              </a:solidFill>
+            <a:endParaRPr b="0" lang="en-GB" sz="3200" spc="-1" strike="noStrike">
               <a:latin typeface="Arial"/>
             </a:endParaRPr>
           </a:p>
@@ -7077,10 +6634,7 @@
             <a:normAutofit/>
           </a:bodyPr>
           <a:p>
-            <a:endParaRPr b="0" lang="en-US" sz="2800" spc="-1" strike="noStrike">
-              <a:solidFill>
-                <a:srgbClr val="000000"/>
-              </a:solidFill>
+            <a:endParaRPr b="0" lang="en-GB" sz="3200" spc="-1" strike="noStrike">
               <a:latin typeface="Arial"/>
             </a:endParaRPr>
           </a:p>
@@ -7110,10 +6664,7 @@
             <a:normAutofit/>
           </a:bodyPr>
           <a:p>
-            <a:endParaRPr b="0" lang="en-US" sz="2800" spc="-1" strike="noStrike">
-              <a:solidFill>
-                <a:srgbClr val="000000"/>
-              </a:solidFill>
+            <a:endParaRPr b="0" lang="en-GB" sz="3200" spc="-1" strike="noStrike">
               <a:latin typeface="Arial"/>
             </a:endParaRPr>
           </a:p>
@@ -7165,10 +6716,8 @@
             <a:noAutofit/>
           </a:bodyPr>
           <a:p>
-            <a:endParaRPr b="0" lang="en-US" sz="1800" spc="-1" strike="noStrike">
-              <a:solidFill>
-                <a:srgbClr val="000000"/>
-              </a:solidFill>
+            <a:pPr algn="ctr"/>
+            <a:endParaRPr b="0" lang="en-GB" sz="4400" spc="-1" strike="noStrike">
               <a:latin typeface="Arial"/>
             </a:endParaRPr>
           </a:p>
@@ -7198,10 +6747,7 @@
             <a:normAutofit/>
           </a:bodyPr>
           <a:p>
-            <a:endParaRPr b="0" lang="en-US" sz="2800" spc="-1" strike="noStrike">
-              <a:solidFill>
-                <a:srgbClr val="000000"/>
-              </a:solidFill>
+            <a:endParaRPr b="0" lang="en-GB" sz="3200" spc="-1" strike="noStrike">
               <a:latin typeface="Arial"/>
             </a:endParaRPr>
           </a:p>
@@ -7231,10 +6777,7 @@
             <a:normAutofit/>
           </a:bodyPr>
           <a:p>
-            <a:endParaRPr b="0" lang="en-US" sz="2800" spc="-1" strike="noStrike">
-              <a:solidFill>
-                <a:srgbClr val="000000"/>
-              </a:solidFill>
+            <a:endParaRPr b="0" lang="en-GB" sz="3200" spc="-1" strike="noStrike">
               <a:latin typeface="Arial"/>
             </a:endParaRPr>
           </a:p>
@@ -7264,10 +6807,7 @@
             <a:normAutofit/>
           </a:bodyPr>
           <a:p>
-            <a:endParaRPr b="0" lang="en-US" sz="2800" spc="-1" strike="noStrike">
-              <a:solidFill>
-                <a:srgbClr val="000000"/>
-              </a:solidFill>
+            <a:endParaRPr b="0" lang="en-GB" sz="3200" spc="-1" strike="noStrike">
               <a:latin typeface="Arial"/>
             </a:endParaRPr>
           </a:p>
@@ -7314,8 +6854,8 @@
         </p:nvSpPr>
         <p:spPr>
           <a:xfrm>
-            <a:off x="457200" y="684000"/>
-            <a:ext cx="8228160" cy="1144080"/>
+            <a:off x="457200" y="273600"/>
+            <a:ext cx="8228880" cy="1144440"/>
           </a:xfrm>
           <a:prstGeom prst="rect">
             <a:avLst/>
@@ -7327,18 +6867,12 @@
           </a:bodyPr>
           <a:p>
             <a:r>
-              <a:rPr b="0" lang="en-US" sz="4400" spc="-1" strike="noStrike">
-                <a:solidFill>
-                  <a:srgbClr val="000000"/>
-                </a:solidFill>
+              <a:rPr b="0" lang="en-GB" sz="1800" spc="-1" strike="noStrike">
                 <a:latin typeface="Arial"/>
               </a:rPr>
               <a:t>Click to edit the title text format</a:t>
             </a:r>
-            <a:endParaRPr b="0" lang="en-US" sz="4400" spc="-1" strike="noStrike">
-              <a:solidFill>
-                <a:srgbClr val="000000"/>
-              </a:solidFill>
+            <a:endParaRPr b="0" lang="en-GB" sz="1800" spc="-1" strike="noStrike">
               <a:latin typeface="Arial"/>
             </a:endParaRPr>
           </a:p>
@@ -7357,7 +6891,7 @@
         <p:spPr>
           <a:xfrm>
             <a:off x="457200" y="1604520"/>
-            <a:ext cx="8229240" cy="3977280"/>
+            <a:ext cx="8228880" cy="3976920"/>
           </a:xfrm>
           <a:prstGeom prst="rect">
             <a:avLst/>
@@ -7380,18 +6914,12 @@
               <a:buChar char=""/>
             </a:pPr>
             <a:r>
-              <a:rPr b="0" lang="en-US" sz="2800" spc="-1" strike="noStrike">
-                <a:solidFill>
-                  <a:srgbClr val="000000"/>
-                </a:solidFill>
+              <a:rPr b="0" lang="en-GB" sz="1800" spc="-1" strike="noStrike">
                 <a:latin typeface="Arial"/>
               </a:rPr>
               <a:t>Click to edit the outline text format</a:t>
             </a:r>
-            <a:endParaRPr b="0" lang="en-US" sz="2800" spc="-1" strike="noStrike">
-              <a:solidFill>
-                <a:srgbClr val="000000"/>
-              </a:solidFill>
+            <a:endParaRPr b="0" lang="en-GB" sz="1800" spc="-1" strike="noStrike">
               <a:latin typeface="Arial"/>
             </a:endParaRPr>
           </a:p>
@@ -7408,18 +6936,12 @@
               <a:buChar char=""/>
             </a:pPr>
             <a:r>
-              <a:rPr b="0" lang="en-US" sz="2000" spc="-1" strike="noStrike">
-                <a:solidFill>
-                  <a:srgbClr val="000000"/>
-                </a:solidFill>
+              <a:rPr b="0" lang="en-GB" sz="1800" spc="-1" strike="noStrike">
                 <a:latin typeface="Arial"/>
               </a:rPr>
               <a:t>Second Outline Level</a:t>
             </a:r>
-            <a:endParaRPr b="0" lang="en-US" sz="2000" spc="-1" strike="noStrike">
-              <a:solidFill>
-                <a:srgbClr val="000000"/>
-              </a:solidFill>
+            <a:endParaRPr b="0" lang="en-GB" sz="1800" spc="-1" strike="noStrike">
               <a:latin typeface="Arial"/>
             </a:endParaRPr>
           </a:p>
@@ -7436,18 +6958,12 @@
               <a:buChar char=""/>
             </a:pPr>
             <a:r>
-              <a:rPr b="0" lang="en-US" sz="1800" spc="-1" strike="noStrike">
-                <a:solidFill>
-                  <a:srgbClr val="000000"/>
-                </a:solidFill>
+              <a:rPr b="0" lang="en-GB" sz="1800" spc="-1" strike="noStrike">
                 <a:latin typeface="Arial"/>
               </a:rPr>
               <a:t>Third Outline Level</a:t>
             </a:r>
-            <a:endParaRPr b="0" lang="en-US" sz="1800" spc="-1" strike="noStrike">
-              <a:solidFill>
-                <a:srgbClr val="000000"/>
-              </a:solidFill>
+            <a:endParaRPr b="0" lang="en-GB" sz="1800" spc="-1" strike="noStrike">
               <a:latin typeface="Arial"/>
             </a:endParaRPr>
           </a:p>
@@ -7464,18 +6980,12 @@
               <a:buChar char=""/>
             </a:pPr>
             <a:r>
-              <a:rPr b="0" lang="en-US" sz="1800" spc="-1" strike="noStrike">
-                <a:solidFill>
-                  <a:srgbClr val="000000"/>
-                </a:solidFill>
+              <a:rPr b="0" lang="en-GB" sz="1800" spc="-1" strike="noStrike">
                 <a:latin typeface="Arial"/>
               </a:rPr>
               <a:t>Fourth Outline Level</a:t>
             </a:r>
-            <a:endParaRPr b="0" lang="en-US" sz="1800" spc="-1" strike="noStrike">
-              <a:solidFill>
-                <a:srgbClr val="000000"/>
-              </a:solidFill>
+            <a:endParaRPr b="0" lang="en-GB" sz="1800" spc="-1" strike="noStrike">
               <a:latin typeface="Arial"/>
             </a:endParaRPr>
           </a:p>
@@ -7492,18 +7002,12 @@
               <a:buChar char=""/>
             </a:pPr>
             <a:r>
-              <a:rPr b="0" lang="en-US" sz="2000" spc="-1" strike="noStrike">
-                <a:solidFill>
-                  <a:srgbClr val="000000"/>
-                </a:solidFill>
+              <a:rPr b="0" lang="en-GB" sz="1800" spc="-1" strike="noStrike">
                 <a:latin typeface="Arial"/>
               </a:rPr>
               <a:t>Fifth Outline Level</a:t>
             </a:r>
-            <a:endParaRPr b="0" lang="en-US" sz="2000" spc="-1" strike="noStrike">
-              <a:solidFill>
-                <a:srgbClr val="000000"/>
-              </a:solidFill>
+            <a:endParaRPr b="0" lang="en-GB" sz="1800" spc="-1" strike="noStrike">
               <a:latin typeface="Arial"/>
             </a:endParaRPr>
           </a:p>
@@ -7520,18 +7024,12 @@
               <a:buChar char=""/>
             </a:pPr>
             <a:r>
-              <a:rPr b="0" lang="en-US" sz="2000" spc="-1" strike="noStrike">
-                <a:solidFill>
-                  <a:srgbClr val="000000"/>
-                </a:solidFill>
+              <a:rPr b="0" lang="en-GB" sz="1800" spc="-1" strike="noStrike">
                 <a:latin typeface="Arial"/>
               </a:rPr>
               <a:t>Sixth Outline Level</a:t>
             </a:r>
-            <a:endParaRPr b="0" lang="en-US" sz="2000" spc="-1" strike="noStrike">
-              <a:solidFill>
-                <a:srgbClr val="000000"/>
-              </a:solidFill>
+            <a:endParaRPr b="0" lang="en-GB" sz="1800" spc="-1" strike="noStrike">
               <a:latin typeface="Arial"/>
             </a:endParaRPr>
           </a:p>
@@ -7548,18 +7046,12 @@
               <a:buChar char=""/>
             </a:pPr>
             <a:r>
-              <a:rPr b="0" lang="en-US" sz="2000" spc="-1" strike="noStrike">
-                <a:solidFill>
-                  <a:srgbClr val="000000"/>
-                </a:solidFill>
+              <a:rPr b="0" lang="en-GB" sz="1800" spc="-1" strike="noStrike">
                 <a:latin typeface="Arial"/>
               </a:rPr>
               <a:t>Seventh Outline Level</a:t>
             </a:r>
-            <a:endParaRPr b="0" lang="en-US" sz="2000" spc="-1" strike="noStrike">
-              <a:solidFill>
-                <a:srgbClr val="000000"/>
-              </a:solidFill>
+            <a:endParaRPr b="0" lang="en-GB" sz="1800" spc="-1" strike="noStrike">
               <a:latin typeface="Arial"/>
             </a:endParaRPr>
           </a:p>
@@ -7621,8 +7113,8 @@
         </p:nvSpPr>
         <p:spPr>
           <a:xfrm>
-            <a:off x="457200" y="684000"/>
-            <a:ext cx="8228160" cy="1144080"/>
+            <a:off x="457200" y="273600"/>
+            <a:ext cx="8229240" cy="1144800"/>
           </a:xfrm>
           <a:prstGeom prst="rect">
             <a:avLst/>
@@ -7633,19 +7125,14 @@
             <a:noAutofit/>
           </a:bodyPr>
           <a:p>
-            <a:r>
-              <a:rPr b="0" lang="en-US" sz="4400" spc="-1" strike="noStrike">
-                <a:solidFill>
-                  <a:srgbClr val="000000"/>
-                </a:solidFill>
+            <a:pPr algn="ctr"/>
+            <a:r>
+              <a:rPr b="0" lang="en-GB" sz="4400" spc="-1" strike="noStrike">
                 <a:latin typeface="Arial"/>
               </a:rPr>
               <a:t>Click to edit the title text format</a:t>
             </a:r>
-            <a:endParaRPr b="0" lang="en-US" sz="4400" spc="-1" strike="noStrike">
-              <a:solidFill>
-                <a:srgbClr val="000000"/>
-              </a:solidFill>
+            <a:endParaRPr b="0" lang="en-GB" sz="4400" spc="-1" strike="noStrike">
               <a:latin typeface="Arial"/>
             </a:endParaRPr>
           </a:p>
@@ -7663,8 +7150,8 @@
         </p:nvSpPr>
         <p:spPr>
           <a:xfrm>
-            <a:off x="457200" y="2002680"/>
-            <a:ext cx="8228160" cy="3577680"/>
+            <a:off x="457200" y="1604520"/>
+            <a:ext cx="8229240" cy="3977280"/>
           </a:xfrm>
           <a:prstGeom prst="rect">
             <a:avLst/>
@@ -7687,18 +7174,12 @@
               <a:buChar char=""/>
             </a:pPr>
             <a:r>
-              <a:rPr b="0" lang="en-US" sz="2800" spc="-1" strike="noStrike">
-                <a:solidFill>
-                  <a:srgbClr val="000000"/>
-                </a:solidFill>
+              <a:rPr b="0" lang="en-GB" sz="3200" spc="-1" strike="noStrike">
                 <a:latin typeface="Arial"/>
               </a:rPr>
               <a:t>Click to edit the outline text format</a:t>
             </a:r>
-            <a:endParaRPr b="0" lang="en-US" sz="2800" spc="-1" strike="noStrike">
-              <a:solidFill>
-                <a:srgbClr val="000000"/>
-              </a:solidFill>
+            <a:endParaRPr b="0" lang="en-GB" sz="3200" spc="-1" strike="noStrike">
               <a:latin typeface="Arial"/>
             </a:endParaRPr>
           </a:p>
@@ -7715,18 +7196,12 @@
               <a:buChar char=""/>
             </a:pPr>
             <a:r>
-              <a:rPr b="0" lang="en-US" sz="2800" spc="-1" strike="noStrike">
-                <a:solidFill>
-                  <a:srgbClr val="000000"/>
-                </a:solidFill>
+              <a:rPr b="0" lang="en-GB" sz="2800" spc="-1" strike="noStrike">
                 <a:latin typeface="Arial"/>
               </a:rPr>
               <a:t>Second Outline Level</a:t>
             </a:r>
-            <a:endParaRPr b="0" lang="en-US" sz="2800" spc="-1" strike="noStrike">
-              <a:solidFill>
-                <a:srgbClr val="000000"/>
-              </a:solidFill>
+            <a:endParaRPr b="0" lang="en-GB" sz="2800" spc="-1" strike="noStrike">
               <a:latin typeface="Arial"/>
             </a:endParaRPr>
           </a:p>
@@ -7743,18 +7218,12 @@
               <a:buChar char=""/>
             </a:pPr>
             <a:r>
-              <a:rPr b="0" lang="en-US" sz="2800" spc="-1" strike="noStrike">
-                <a:solidFill>
-                  <a:srgbClr val="000000"/>
-                </a:solidFill>
+              <a:rPr b="0" lang="en-GB" sz="2400" spc="-1" strike="noStrike">
                 <a:latin typeface="Arial"/>
               </a:rPr>
               <a:t>Third Outline Level</a:t>
             </a:r>
-            <a:endParaRPr b="0" lang="en-US" sz="2800" spc="-1" strike="noStrike">
-              <a:solidFill>
-                <a:srgbClr val="000000"/>
-              </a:solidFill>
+            <a:endParaRPr b="0" lang="en-GB" sz="2400" spc="-1" strike="noStrike">
               <a:latin typeface="Arial"/>
             </a:endParaRPr>
           </a:p>
@@ -7771,18 +7240,12 @@
               <a:buChar char=""/>
             </a:pPr>
             <a:r>
-              <a:rPr b="0" lang="en-US" sz="2800" spc="-1" strike="noStrike">
-                <a:solidFill>
-                  <a:srgbClr val="000000"/>
-                </a:solidFill>
+              <a:rPr b="0" lang="en-GB" sz="2000" spc="-1" strike="noStrike">
                 <a:latin typeface="Arial"/>
               </a:rPr>
               <a:t>Fourth Outline Level</a:t>
             </a:r>
-            <a:endParaRPr b="0" lang="en-US" sz="2800" spc="-1" strike="noStrike">
-              <a:solidFill>
-                <a:srgbClr val="000000"/>
-              </a:solidFill>
+            <a:endParaRPr b="0" lang="en-GB" sz="2000" spc="-1" strike="noStrike">
               <a:latin typeface="Arial"/>
             </a:endParaRPr>
           </a:p>
@@ -7799,18 +7262,12 @@
               <a:buChar char=""/>
             </a:pPr>
             <a:r>
-              <a:rPr b="0" lang="en-US" sz="2800" spc="-1" strike="noStrike">
-                <a:solidFill>
-                  <a:srgbClr val="000000"/>
-                </a:solidFill>
+              <a:rPr b="0" lang="en-GB" sz="2000" spc="-1" strike="noStrike">
                 <a:latin typeface="Arial"/>
               </a:rPr>
               <a:t>Fifth Outline Level</a:t>
             </a:r>
-            <a:endParaRPr b="0" lang="en-US" sz="2800" spc="-1" strike="noStrike">
-              <a:solidFill>
-                <a:srgbClr val="000000"/>
-              </a:solidFill>
+            <a:endParaRPr b="0" lang="en-GB" sz="2000" spc="-1" strike="noStrike">
               <a:latin typeface="Arial"/>
             </a:endParaRPr>
           </a:p>
@@ -7827,18 +7284,12 @@
               <a:buChar char=""/>
             </a:pPr>
             <a:r>
-              <a:rPr b="0" lang="en-US" sz="2800" spc="-1" strike="noStrike">
-                <a:solidFill>
-                  <a:srgbClr val="000000"/>
-                </a:solidFill>
+              <a:rPr b="0" lang="en-GB" sz="2000" spc="-1" strike="noStrike">
                 <a:latin typeface="Arial"/>
               </a:rPr>
               <a:t>Sixth Outline Level</a:t>
             </a:r>
-            <a:endParaRPr b="0" lang="en-US" sz="2800" spc="-1" strike="noStrike">
-              <a:solidFill>
-                <a:srgbClr val="000000"/>
-              </a:solidFill>
+            <a:endParaRPr b="0" lang="en-GB" sz="2000" spc="-1" strike="noStrike">
               <a:latin typeface="Arial"/>
             </a:endParaRPr>
           </a:p>
@@ -7855,18 +7306,12 @@
               <a:buChar char=""/>
             </a:pPr>
             <a:r>
-              <a:rPr b="0" lang="en-US" sz="2800" spc="-1" strike="noStrike">
-                <a:solidFill>
-                  <a:srgbClr val="000000"/>
-                </a:solidFill>
+              <a:rPr b="0" lang="en-GB" sz="2000" spc="-1" strike="noStrike">
                 <a:latin typeface="Arial"/>
               </a:rPr>
               <a:t>Seventh Outline Level</a:t>
             </a:r>
-            <a:endParaRPr b="0" lang="en-US" sz="2800" spc="-1" strike="noStrike">
-              <a:solidFill>
-                <a:srgbClr val="000000"/>
-              </a:solidFill>
+            <a:endParaRPr b="0" lang="en-GB" sz="2000" spc="-1" strike="noStrike">
               <a:latin typeface="Arial"/>
             </a:endParaRPr>
           </a:p>
@@ -7940,19 +7385,14 @@
             <a:noAutofit/>
           </a:bodyPr>
           <a:p>
-            <a:r>
-              <a:rPr b="0" lang="en-US" sz="1800" spc="-1" strike="noStrike">
-                <a:solidFill>
-                  <a:srgbClr val="000000"/>
-                </a:solidFill>
+            <a:pPr algn="ctr"/>
+            <a:r>
+              <a:rPr b="0" lang="en-GB" sz="4400" spc="-1" strike="noStrike">
                 <a:latin typeface="Arial"/>
               </a:rPr>
               <a:t>Click to edit the title text format</a:t>
             </a:r>
-            <a:endParaRPr b="0" lang="en-US" sz="1800" spc="-1" strike="noStrike">
-              <a:solidFill>
-                <a:srgbClr val="000000"/>
-              </a:solidFill>
+            <a:endParaRPr b="0" lang="en-GB" sz="4400" spc="-1" strike="noStrike">
               <a:latin typeface="Arial"/>
             </a:endParaRPr>
           </a:p>
@@ -7994,18 +7434,12 @@
               <a:buChar char=""/>
             </a:pPr>
             <a:r>
-              <a:rPr b="0" lang="en-US" sz="2800" spc="-1" strike="noStrike">
-                <a:solidFill>
-                  <a:srgbClr val="000000"/>
-                </a:solidFill>
+              <a:rPr b="0" lang="en-GB" sz="3200" spc="-1" strike="noStrike">
                 <a:latin typeface="Arial"/>
               </a:rPr>
               <a:t>Click to edit the outline text format</a:t>
             </a:r>
-            <a:endParaRPr b="0" lang="en-US" sz="2800" spc="-1" strike="noStrike">
-              <a:solidFill>
-                <a:srgbClr val="000000"/>
-              </a:solidFill>
+            <a:endParaRPr b="0" lang="en-GB" sz="3200" spc="-1" strike="noStrike">
               <a:latin typeface="Arial"/>
             </a:endParaRPr>
           </a:p>
@@ -8022,18 +7456,12 @@
               <a:buChar char=""/>
             </a:pPr>
             <a:r>
-              <a:rPr b="0" lang="en-US" sz="2000" spc="-1" strike="noStrike">
-                <a:solidFill>
-                  <a:srgbClr val="000000"/>
-                </a:solidFill>
+              <a:rPr b="0" lang="en-GB" sz="2800" spc="-1" strike="noStrike">
                 <a:latin typeface="Arial"/>
               </a:rPr>
               <a:t>Second Outline Level</a:t>
             </a:r>
-            <a:endParaRPr b="0" lang="en-US" sz="2000" spc="-1" strike="noStrike">
-              <a:solidFill>
-                <a:srgbClr val="000000"/>
-              </a:solidFill>
+            <a:endParaRPr b="0" lang="en-GB" sz="2800" spc="-1" strike="noStrike">
               <a:latin typeface="Arial"/>
             </a:endParaRPr>
           </a:p>
@@ -8050,18 +7478,12 @@
               <a:buChar char=""/>
             </a:pPr>
             <a:r>
-              <a:rPr b="0" lang="en-US" sz="1800" spc="-1" strike="noStrike">
-                <a:solidFill>
-                  <a:srgbClr val="000000"/>
-                </a:solidFill>
+              <a:rPr b="0" lang="en-GB" sz="2400" spc="-1" strike="noStrike">
                 <a:latin typeface="Arial"/>
               </a:rPr>
               <a:t>Third Outline Level</a:t>
             </a:r>
-            <a:endParaRPr b="0" lang="en-US" sz="1800" spc="-1" strike="noStrike">
-              <a:solidFill>
-                <a:srgbClr val="000000"/>
-              </a:solidFill>
+            <a:endParaRPr b="0" lang="en-GB" sz="2400" spc="-1" strike="noStrike">
               <a:latin typeface="Arial"/>
             </a:endParaRPr>
           </a:p>
@@ -8078,18 +7500,12 @@
               <a:buChar char=""/>
             </a:pPr>
             <a:r>
-              <a:rPr b="0" lang="en-US" sz="1800" spc="-1" strike="noStrike">
-                <a:solidFill>
-                  <a:srgbClr val="000000"/>
-                </a:solidFill>
+              <a:rPr b="0" lang="en-GB" sz="2000" spc="-1" strike="noStrike">
                 <a:latin typeface="Arial"/>
               </a:rPr>
               <a:t>Fourth Outline Level</a:t>
             </a:r>
-            <a:endParaRPr b="0" lang="en-US" sz="1800" spc="-1" strike="noStrike">
-              <a:solidFill>
-                <a:srgbClr val="000000"/>
-              </a:solidFill>
+            <a:endParaRPr b="0" lang="en-GB" sz="2000" spc="-1" strike="noStrike">
               <a:latin typeface="Arial"/>
             </a:endParaRPr>
           </a:p>
@@ -8106,18 +7522,12 @@
               <a:buChar char=""/>
             </a:pPr>
             <a:r>
-              <a:rPr b="0" lang="en-US" sz="2000" spc="-1" strike="noStrike">
-                <a:solidFill>
-                  <a:srgbClr val="000000"/>
-                </a:solidFill>
+              <a:rPr b="0" lang="en-GB" sz="2000" spc="-1" strike="noStrike">
                 <a:latin typeface="Arial"/>
               </a:rPr>
               <a:t>Fifth Outline Level</a:t>
             </a:r>
-            <a:endParaRPr b="0" lang="en-US" sz="2000" spc="-1" strike="noStrike">
-              <a:solidFill>
-                <a:srgbClr val="000000"/>
-              </a:solidFill>
+            <a:endParaRPr b="0" lang="en-GB" sz="2000" spc="-1" strike="noStrike">
               <a:latin typeface="Arial"/>
             </a:endParaRPr>
           </a:p>
@@ -8134,18 +7544,12 @@
               <a:buChar char=""/>
             </a:pPr>
             <a:r>
-              <a:rPr b="0" lang="en-US" sz="2000" spc="-1" strike="noStrike">
-                <a:solidFill>
-                  <a:srgbClr val="000000"/>
-                </a:solidFill>
+              <a:rPr b="0" lang="en-GB" sz="2000" spc="-1" strike="noStrike">
                 <a:latin typeface="Arial"/>
               </a:rPr>
               <a:t>Sixth Outline Level</a:t>
             </a:r>
-            <a:endParaRPr b="0" lang="en-US" sz="2000" spc="-1" strike="noStrike">
-              <a:solidFill>
-                <a:srgbClr val="000000"/>
-              </a:solidFill>
+            <a:endParaRPr b="0" lang="en-GB" sz="2000" spc="-1" strike="noStrike">
               <a:latin typeface="Arial"/>
             </a:endParaRPr>
           </a:p>
@@ -8162,18 +7566,12 @@
               <a:buChar char=""/>
             </a:pPr>
             <a:r>
-              <a:rPr b="0" lang="en-US" sz="2000" spc="-1" strike="noStrike">
-                <a:solidFill>
-                  <a:srgbClr val="000000"/>
-                </a:solidFill>
+              <a:rPr b="0" lang="en-GB" sz="2000" spc="-1" strike="noStrike">
                 <a:latin typeface="Arial"/>
               </a:rPr>
               <a:t>Seventh Outline Level</a:t>
             </a:r>
-            <a:endParaRPr b="0" lang="en-US" sz="2000" spc="-1" strike="noStrike">
-              <a:solidFill>
-                <a:srgbClr val="000000"/>
-              </a:solidFill>
+            <a:endParaRPr b="0" lang="en-GB" sz="2000" spc="-1" strike="noStrike">
               <a:latin typeface="Arial"/>
             </a:endParaRPr>
           </a:p>
@@ -8247,19 +7645,14 @@
             <a:noAutofit/>
           </a:bodyPr>
           <a:p>
-            <a:r>
-              <a:rPr b="0" lang="en-US" sz="1800" spc="-1" strike="noStrike">
-                <a:solidFill>
-                  <a:srgbClr val="000000"/>
-                </a:solidFill>
+            <a:pPr algn="ctr"/>
+            <a:r>
+              <a:rPr b="0" lang="en-GB" sz="4400" spc="-1" strike="noStrike">
                 <a:latin typeface="Arial"/>
               </a:rPr>
               <a:t>Click to edit the title text format</a:t>
             </a:r>
-            <a:endParaRPr b="0" lang="en-US" sz="1800" spc="-1" strike="noStrike">
-              <a:solidFill>
-                <a:srgbClr val="000000"/>
-              </a:solidFill>
+            <a:endParaRPr b="0" lang="en-GB" sz="4400" spc="-1" strike="noStrike">
               <a:latin typeface="Arial"/>
             </a:endParaRPr>
           </a:p>
@@ -8301,18 +7694,12 @@
               <a:buChar char=""/>
             </a:pPr>
             <a:r>
-              <a:rPr b="0" lang="en-US" sz="2800" spc="-1" strike="noStrike">
-                <a:solidFill>
-                  <a:srgbClr val="000000"/>
-                </a:solidFill>
+              <a:rPr b="0" lang="en-GB" sz="3200" spc="-1" strike="noStrike">
                 <a:latin typeface="Arial"/>
               </a:rPr>
               <a:t>Click to edit the outline text format</a:t>
             </a:r>
-            <a:endParaRPr b="0" lang="en-US" sz="2800" spc="-1" strike="noStrike">
-              <a:solidFill>
-                <a:srgbClr val="000000"/>
-              </a:solidFill>
+            <a:endParaRPr b="0" lang="en-GB" sz="3200" spc="-1" strike="noStrike">
               <a:latin typeface="Arial"/>
             </a:endParaRPr>
           </a:p>
@@ -8329,18 +7716,12 @@
               <a:buChar char=""/>
             </a:pPr>
             <a:r>
-              <a:rPr b="0" lang="en-US" sz="2000" spc="-1" strike="noStrike">
-                <a:solidFill>
-                  <a:srgbClr val="000000"/>
-                </a:solidFill>
+              <a:rPr b="0" lang="en-GB" sz="2800" spc="-1" strike="noStrike">
                 <a:latin typeface="Arial"/>
               </a:rPr>
               <a:t>Second Outline Level</a:t>
             </a:r>
-            <a:endParaRPr b="0" lang="en-US" sz="2000" spc="-1" strike="noStrike">
-              <a:solidFill>
-                <a:srgbClr val="000000"/>
-              </a:solidFill>
+            <a:endParaRPr b="0" lang="en-GB" sz="2800" spc="-1" strike="noStrike">
               <a:latin typeface="Arial"/>
             </a:endParaRPr>
           </a:p>
@@ -8357,18 +7738,12 @@
               <a:buChar char=""/>
             </a:pPr>
             <a:r>
-              <a:rPr b="0" lang="en-US" sz="1800" spc="-1" strike="noStrike">
-                <a:solidFill>
-                  <a:srgbClr val="000000"/>
-                </a:solidFill>
+              <a:rPr b="0" lang="en-GB" sz="2400" spc="-1" strike="noStrike">
                 <a:latin typeface="Arial"/>
               </a:rPr>
               <a:t>Third Outline Level</a:t>
             </a:r>
-            <a:endParaRPr b="0" lang="en-US" sz="1800" spc="-1" strike="noStrike">
-              <a:solidFill>
-                <a:srgbClr val="000000"/>
-              </a:solidFill>
+            <a:endParaRPr b="0" lang="en-GB" sz="2400" spc="-1" strike="noStrike">
               <a:latin typeface="Arial"/>
             </a:endParaRPr>
           </a:p>
@@ -8385,18 +7760,12 @@
               <a:buChar char=""/>
             </a:pPr>
             <a:r>
-              <a:rPr b="0" lang="en-US" sz="1800" spc="-1" strike="noStrike">
-                <a:solidFill>
-                  <a:srgbClr val="000000"/>
-                </a:solidFill>
+              <a:rPr b="0" lang="en-GB" sz="2000" spc="-1" strike="noStrike">
                 <a:latin typeface="Arial"/>
               </a:rPr>
               <a:t>Fourth Outline Level</a:t>
             </a:r>
-            <a:endParaRPr b="0" lang="en-US" sz="1800" spc="-1" strike="noStrike">
-              <a:solidFill>
-                <a:srgbClr val="000000"/>
-              </a:solidFill>
+            <a:endParaRPr b="0" lang="en-GB" sz="2000" spc="-1" strike="noStrike">
               <a:latin typeface="Arial"/>
             </a:endParaRPr>
           </a:p>
@@ -8413,18 +7782,12 @@
               <a:buChar char=""/>
             </a:pPr>
             <a:r>
-              <a:rPr b="0" lang="en-US" sz="2000" spc="-1" strike="noStrike">
-                <a:solidFill>
-                  <a:srgbClr val="000000"/>
-                </a:solidFill>
+              <a:rPr b="0" lang="en-GB" sz="2000" spc="-1" strike="noStrike">
                 <a:latin typeface="Arial"/>
               </a:rPr>
               <a:t>Fifth Outline Level</a:t>
             </a:r>
-            <a:endParaRPr b="0" lang="en-US" sz="2000" spc="-1" strike="noStrike">
-              <a:solidFill>
-                <a:srgbClr val="000000"/>
-              </a:solidFill>
+            <a:endParaRPr b="0" lang="en-GB" sz="2000" spc="-1" strike="noStrike">
               <a:latin typeface="Arial"/>
             </a:endParaRPr>
           </a:p>
@@ -8441,18 +7804,12 @@
               <a:buChar char=""/>
             </a:pPr>
             <a:r>
-              <a:rPr b="0" lang="en-US" sz="2000" spc="-1" strike="noStrike">
-                <a:solidFill>
-                  <a:srgbClr val="000000"/>
-                </a:solidFill>
+              <a:rPr b="0" lang="en-GB" sz="2000" spc="-1" strike="noStrike">
                 <a:latin typeface="Arial"/>
               </a:rPr>
               <a:t>Sixth Outline Level</a:t>
             </a:r>
-            <a:endParaRPr b="0" lang="en-US" sz="2000" spc="-1" strike="noStrike">
-              <a:solidFill>
-                <a:srgbClr val="000000"/>
-              </a:solidFill>
+            <a:endParaRPr b="0" lang="en-GB" sz="2000" spc="-1" strike="noStrike">
               <a:latin typeface="Arial"/>
             </a:endParaRPr>
           </a:p>
@@ -8469,18 +7826,12 @@
               <a:buChar char=""/>
             </a:pPr>
             <a:r>
-              <a:rPr b="0" lang="en-US" sz="2000" spc="-1" strike="noStrike">
-                <a:solidFill>
-                  <a:srgbClr val="000000"/>
-                </a:solidFill>
+              <a:rPr b="0" lang="en-GB" sz="2000" spc="-1" strike="noStrike">
                 <a:latin typeface="Arial"/>
               </a:rPr>
               <a:t>Seventh Outline Level</a:t>
             </a:r>
-            <a:endParaRPr b="0" lang="en-US" sz="2000" spc="-1" strike="noStrike">
-              <a:solidFill>
-                <a:srgbClr val="000000"/>
-              </a:solidFill>
+            <a:endParaRPr b="0" lang="en-GB" sz="2000" spc="-1" strike="noStrike">
               <a:latin typeface="Arial"/>
             </a:endParaRPr>
           </a:p>
@@ -8542,8 +7893,8 @@
         </p:nvSpPr>
         <p:spPr>
           <a:xfrm>
-            <a:off x="457200" y="684000"/>
-            <a:ext cx="8228160" cy="1144080"/>
+            <a:off x="457200" y="273600"/>
+            <a:ext cx="8228880" cy="1144440"/>
           </a:xfrm>
           <a:prstGeom prst="rect">
             <a:avLst/>
@@ -8555,18 +7906,12 @@
           </a:bodyPr>
           <a:p>
             <a:r>
-              <a:rPr b="0" lang="en-US" sz="4400" spc="-1" strike="noStrike">
-                <a:solidFill>
-                  <a:srgbClr val="000000"/>
-                </a:solidFill>
+              <a:rPr b="0" lang="en-GB" sz="1800" spc="-1" strike="noStrike">
                 <a:latin typeface="Arial"/>
               </a:rPr>
               <a:t>Click to edit the title text format</a:t>
             </a:r>
-            <a:endParaRPr b="0" lang="en-US" sz="4400" spc="-1" strike="noStrike">
-              <a:solidFill>
-                <a:srgbClr val="000000"/>
-              </a:solidFill>
+            <a:endParaRPr b="0" lang="en-GB" sz="1800" spc="-1" strike="noStrike">
               <a:latin typeface="Arial"/>
             </a:endParaRPr>
           </a:p>
@@ -8585,7 +7930,7 @@
         <p:spPr>
           <a:xfrm>
             <a:off x="457200" y="1604520"/>
-            <a:ext cx="8229240" cy="3977280"/>
+            <a:ext cx="8228880" cy="3976920"/>
           </a:xfrm>
           <a:prstGeom prst="rect">
             <a:avLst/>
@@ -8608,18 +7953,12 @@
               <a:buChar char=""/>
             </a:pPr>
             <a:r>
-              <a:rPr b="0" lang="en-US" sz="2800" spc="-1" strike="noStrike">
-                <a:solidFill>
-                  <a:srgbClr val="000000"/>
-                </a:solidFill>
+              <a:rPr b="0" lang="en-GB" sz="1800" spc="-1" strike="noStrike">
                 <a:latin typeface="Arial"/>
               </a:rPr>
               <a:t>Click to edit the outline text format</a:t>
             </a:r>
-            <a:endParaRPr b="0" lang="en-US" sz="2800" spc="-1" strike="noStrike">
-              <a:solidFill>
-                <a:srgbClr val="000000"/>
-              </a:solidFill>
+            <a:endParaRPr b="0" lang="en-GB" sz="1800" spc="-1" strike="noStrike">
               <a:latin typeface="Arial"/>
             </a:endParaRPr>
           </a:p>
@@ -8636,18 +7975,12 @@
               <a:buChar char=""/>
             </a:pPr>
             <a:r>
-              <a:rPr b="0" lang="en-US" sz="2000" spc="-1" strike="noStrike">
-                <a:solidFill>
-                  <a:srgbClr val="000000"/>
-                </a:solidFill>
+              <a:rPr b="0" lang="en-GB" sz="1800" spc="-1" strike="noStrike">
                 <a:latin typeface="Arial"/>
               </a:rPr>
               <a:t>Second Outline Level</a:t>
             </a:r>
-            <a:endParaRPr b="0" lang="en-US" sz="2000" spc="-1" strike="noStrike">
-              <a:solidFill>
-                <a:srgbClr val="000000"/>
-              </a:solidFill>
+            <a:endParaRPr b="0" lang="en-GB" sz="1800" spc="-1" strike="noStrike">
               <a:latin typeface="Arial"/>
             </a:endParaRPr>
           </a:p>
@@ -8664,18 +7997,12 @@
               <a:buChar char=""/>
             </a:pPr>
             <a:r>
-              <a:rPr b="0" lang="en-US" sz="1800" spc="-1" strike="noStrike">
-                <a:solidFill>
-                  <a:srgbClr val="000000"/>
-                </a:solidFill>
+              <a:rPr b="0" lang="en-GB" sz="1800" spc="-1" strike="noStrike">
                 <a:latin typeface="Arial"/>
               </a:rPr>
               <a:t>Third Outline Level</a:t>
             </a:r>
-            <a:endParaRPr b="0" lang="en-US" sz="1800" spc="-1" strike="noStrike">
-              <a:solidFill>
-                <a:srgbClr val="000000"/>
-              </a:solidFill>
+            <a:endParaRPr b="0" lang="en-GB" sz="1800" spc="-1" strike="noStrike">
               <a:latin typeface="Arial"/>
             </a:endParaRPr>
           </a:p>
@@ -8692,18 +8019,12 @@
               <a:buChar char=""/>
             </a:pPr>
             <a:r>
-              <a:rPr b="0" lang="en-US" sz="1800" spc="-1" strike="noStrike">
-                <a:solidFill>
-                  <a:srgbClr val="000000"/>
-                </a:solidFill>
+              <a:rPr b="0" lang="en-GB" sz="1800" spc="-1" strike="noStrike">
                 <a:latin typeface="Arial"/>
               </a:rPr>
               <a:t>Fourth Outline Level</a:t>
             </a:r>
-            <a:endParaRPr b="0" lang="en-US" sz="1800" spc="-1" strike="noStrike">
-              <a:solidFill>
-                <a:srgbClr val="000000"/>
-              </a:solidFill>
+            <a:endParaRPr b="0" lang="en-GB" sz="1800" spc="-1" strike="noStrike">
               <a:latin typeface="Arial"/>
             </a:endParaRPr>
           </a:p>
@@ -8720,18 +8041,12 @@
               <a:buChar char=""/>
             </a:pPr>
             <a:r>
-              <a:rPr b="0" lang="en-US" sz="2000" spc="-1" strike="noStrike">
-                <a:solidFill>
-                  <a:srgbClr val="000000"/>
-                </a:solidFill>
+              <a:rPr b="0" lang="en-GB" sz="1800" spc="-1" strike="noStrike">
                 <a:latin typeface="Arial"/>
               </a:rPr>
               <a:t>Fifth Outline Level</a:t>
             </a:r>
-            <a:endParaRPr b="0" lang="en-US" sz="2000" spc="-1" strike="noStrike">
-              <a:solidFill>
-                <a:srgbClr val="000000"/>
-              </a:solidFill>
+            <a:endParaRPr b="0" lang="en-GB" sz="1800" spc="-1" strike="noStrike">
               <a:latin typeface="Arial"/>
             </a:endParaRPr>
           </a:p>
@@ -8748,18 +8063,12 @@
               <a:buChar char=""/>
             </a:pPr>
             <a:r>
-              <a:rPr b="0" lang="en-US" sz="2000" spc="-1" strike="noStrike">
-                <a:solidFill>
-                  <a:srgbClr val="000000"/>
-                </a:solidFill>
+              <a:rPr b="0" lang="en-GB" sz="1800" spc="-1" strike="noStrike">
                 <a:latin typeface="Arial"/>
               </a:rPr>
               <a:t>Sixth Outline Level</a:t>
             </a:r>
-            <a:endParaRPr b="0" lang="en-US" sz="2000" spc="-1" strike="noStrike">
-              <a:solidFill>
-                <a:srgbClr val="000000"/>
-              </a:solidFill>
+            <a:endParaRPr b="0" lang="en-GB" sz="1800" spc="-1" strike="noStrike">
               <a:latin typeface="Arial"/>
             </a:endParaRPr>
           </a:p>
@@ -8776,18 +8085,12 @@
               <a:buChar char=""/>
             </a:pPr>
             <a:r>
-              <a:rPr b="0" lang="en-US" sz="2000" spc="-1" strike="noStrike">
-                <a:solidFill>
-                  <a:srgbClr val="000000"/>
-                </a:solidFill>
+              <a:rPr b="0" lang="en-GB" sz="1800" spc="-1" strike="noStrike">
                 <a:latin typeface="Arial"/>
               </a:rPr>
               <a:t>Seventh Outline Level</a:t>
             </a:r>
-            <a:endParaRPr b="0" lang="en-US" sz="2000" spc="-1" strike="noStrike">
-              <a:solidFill>
-                <a:srgbClr val="000000"/>
-              </a:solidFill>
+            <a:endParaRPr b="0" lang="en-GB" sz="1800" spc="-1" strike="noStrike">
               <a:latin typeface="Arial"/>
             </a:endParaRPr>
           </a:p>
@@ -8839,7 +8142,7 @@
         <p:spPr>
           <a:xfrm>
             <a:off x="685800" y="2130480"/>
-            <a:ext cx="7771680" cy="1469160"/>
+            <a:ext cx="7771320" cy="1468800"/>
           </a:xfrm>
           <a:prstGeom prst="rect">
             <a:avLst/>
@@ -8923,7 +8226,7 @@
         <p:spPr>
           <a:xfrm>
             <a:off x="1378080" y="4766400"/>
-            <a:ext cx="6400080" cy="1751760"/>
+            <a:ext cx="6399720" cy="1751400"/>
           </a:xfrm>
           <a:prstGeom prst="rect">
             <a:avLst/>
@@ -9036,7 +8339,7 @@
         <p:spPr>
           <a:xfrm>
             <a:off x="457200" y="684000"/>
-            <a:ext cx="8228160" cy="1144080"/>
+            <a:ext cx="8227800" cy="1143720"/>
           </a:xfrm>
           <a:prstGeom prst="rect">
             <a:avLst/>
@@ -9087,7 +8390,7 @@
         <p:spPr>
           <a:xfrm>
             <a:off x="705600" y="1828800"/>
-            <a:ext cx="8437680" cy="638640"/>
+            <a:ext cx="8437320" cy="638280"/>
           </a:xfrm>
           <a:prstGeom prst="rect">
             <a:avLst/>
@@ -9168,7 +8471,7 @@
         <p:spPr>
           <a:xfrm>
             <a:off x="705600" y="2782800"/>
-            <a:ext cx="8437680" cy="638640"/>
+            <a:ext cx="8437320" cy="638280"/>
           </a:xfrm>
           <a:prstGeom prst="rect">
             <a:avLst/>
@@ -9249,7 +8552,7 @@
         <p:spPr>
           <a:xfrm>
             <a:off x="705600" y="3736800"/>
-            <a:ext cx="8437680" cy="638640"/>
+            <a:ext cx="8437320" cy="638280"/>
           </a:xfrm>
           <a:prstGeom prst="rect">
             <a:avLst/>
@@ -9360,7 +8663,7 @@
         <p:spPr>
           <a:xfrm>
             <a:off x="457200" y="684000"/>
-            <a:ext cx="8228160" cy="1144080"/>
+            <a:ext cx="8227800" cy="1143720"/>
           </a:xfrm>
           <a:prstGeom prst="rect">
             <a:avLst/>
@@ -9411,7 +8714,7 @@
         <p:spPr>
           <a:xfrm>
             <a:off x="705600" y="1828800"/>
-            <a:ext cx="8437680" cy="638640"/>
+            <a:ext cx="8437320" cy="638280"/>
           </a:xfrm>
           <a:prstGeom prst="rect">
             <a:avLst/>
@@ -9492,7 +8795,7 @@
         <p:spPr>
           <a:xfrm>
             <a:off x="705600" y="2782800"/>
-            <a:ext cx="8437680" cy="912960"/>
+            <a:ext cx="8437320" cy="912600"/>
           </a:xfrm>
           <a:prstGeom prst="rect">
             <a:avLst/>
@@ -9603,7 +8906,7 @@
         <p:spPr>
           <a:xfrm>
             <a:off x="705600" y="3736800"/>
-            <a:ext cx="8437680" cy="912960"/>
+            <a:ext cx="8437320" cy="912600"/>
           </a:xfrm>
           <a:prstGeom prst="rect">
             <a:avLst/>
@@ -9714,7 +9017,7 @@
         <p:spPr>
           <a:xfrm>
             <a:off x="457200" y="684000"/>
-            <a:ext cx="8228160" cy="1144080"/>
+            <a:ext cx="8227800" cy="1143720"/>
           </a:xfrm>
           <a:prstGeom prst="rect">
             <a:avLst/>
@@ -9765,7 +9068,7 @@
         <p:spPr>
           <a:xfrm>
             <a:off x="457200" y="2034720"/>
-            <a:ext cx="8228160" cy="530280"/>
+            <a:ext cx="8227800" cy="529920"/>
           </a:xfrm>
           <a:prstGeom prst="rect">
             <a:avLst/>
@@ -9786,7 +9089,7 @@
             <a:normAutofit/>
           </a:bodyPr>
           <a:p>
-            <a:pPr lvl="1" marL="493920" indent="-342360">
+            <a:pPr lvl="1" marL="493920" indent="-342000">
               <a:lnSpc>
                 <a:spcPct val="100000"/>
               </a:lnSpc>
@@ -9824,7 +9127,7 @@
         <p:spPr>
           <a:xfrm>
             <a:off x="901080" y="2726640"/>
-            <a:ext cx="8437680" cy="364320"/>
+            <a:ext cx="8437320" cy="363960"/>
           </a:xfrm>
           <a:prstGeom prst="rect">
             <a:avLst/>
@@ -9875,7 +9178,7 @@
         <p:spPr>
           <a:xfrm>
             <a:off x="901080" y="2398320"/>
-            <a:ext cx="8437680" cy="364320"/>
+            <a:ext cx="8437320" cy="363960"/>
           </a:xfrm>
           <a:prstGeom prst="rect">
             <a:avLst/>
@@ -9926,7 +9229,7 @@
         <p:spPr>
           <a:xfrm>
             <a:off x="457200" y="3597480"/>
-            <a:ext cx="8228160" cy="530280"/>
+            <a:ext cx="8227800" cy="529920"/>
           </a:xfrm>
           <a:prstGeom prst="rect">
             <a:avLst/>
@@ -9947,7 +9250,7 @@
             <a:normAutofit/>
           </a:bodyPr>
           <a:p>
-            <a:pPr lvl="1" marL="493920" indent="-342360">
+            <a:pPr lvl="1" marL="493920" indent="-342000">
               <a:lnSpc>
                 <a:spcPct val="100000"/>
               </a:lnSpc>
@@ -10005,7 +9308,7 @@
         <p:spPr>
           <a:xfrm>
             <a:off x="901080" y="3868560"/>
-            <a:ext cx="8437680" cy="912960"/>
+            <a:ext cx="8437320" cy="912600"/>
           </a:xfrm>
           <a:prstGeom prst="rect">
             <a:avLst/>
@@ -10096,7 +9399,7 @@
         <p:spPr>
           <a:xfrm>
             <a:off x="457200" y="5114160"/>
-            <a:ext cx="8228160" cy="717840"/>
+            <a:ext cx="8227800" cy="717480"/>
           </a:xfrm>
           <a:prstGeom prst="rect">
             <a:avLst/>
@@ -10117,7 +9420,7 @@
             <a:normAutofit/>
           </a:bodyPr>
           <a:p>
-            <a:pPr lvl="1" marL="493920" indent="-342360">
+            <a:pPr lvl="1" marL="493920" indent="-342000">
               <a:lnSpc>
                 <a:spcPct val="100000"/>
               </a:lnSpc>
@@ -10155,7 +9458,7 @@
         <p:spPr>
           <a:xfrm>
             <a:off x="901080" y="5777640"/>
-            <a:ext cx="8437680" cy="364320"/>
+            <a:ext cx="8437320" cy="363960"/>
           </a:xfrm>
           <a:prstGeom prst="rect">
             <a:avLst/>
@@ -10283,7 +9586,7 @@
         <p:spPr>
           <a:xfrm>
             <a:off x="0" y="0"/>
-            <a:ext cx="9143280" cy="6857280"/>
+            <a:ext cx="9142920" cy="6856920"/>
           </a:xfrm>
           <a:prstGeom prst="rect">
             <a:avLst/>
@@ -10319,7 +9622,7 @@
         <p:spPr>
           <a:xfrm>
             <a:off x="912960" y="2222640"/>
-            <a:ext cx="3519000" cy="2411640"/>
+            <a:ext cx="3518640" cy="2411280"/>
           </a:xfrm>
           <a:prstGeom prst="rect">
             <a:avLst/>
@@ -10392,7 +9695,7 @@
         <p:spPr>
           <a:xfrm>
             <a:off x="4132800" y="851400"/>
-            <a:ext cx="4637880" cy="5154120"/>
+            <a:ext cx="4637520" cy="5153760"/>
           </a:xfrm>
           <a:custGeom>
             <a:avLst/>
@@ -10773,7 +10076,7 @@
         <p:spPr>
           <a:xfrm>
             <a:off x="5484960" y="2341080"/>
-            <a:ext cx="2745720" cy="2745720"/>
+            <a:ext cx="2745360" cy="2745360"/>
           </a:xfrm>
           <a:prstGeom prst="rect">
             <a:avLst/>
@@ -10822,7 +10125,7 @@
         <p:spPr>
           <a:xfrm>
             <a:off x="457200" y="684000"/>
-            <a:ext cx="8228160" cy="1144080"/>
+            <a:ext cx="8227800" cy="1143720"/>
           </a:xfrm>
           <a:prstGeom prst="rect">
             <a:avLst/>
@@ -10873,7 +10176,7 @@
         <p:spPr>
           <a:xfrm>
             <a:off x="549000" y="2071440"/>
-            <a:ext cx="7834680" cy="2284920"/>
+            <a:ext cx="7834320" cy="2284560"/>
           </a:xfrm>
           <a:prstGeom prst="rect">
             <a:avLst/>
@@ -10894,7 +10197,7 @@
             <a:spAutoFit/>
           </a:bodyPr>
           <a:p>
-            <a:pPr marL="285840" indent="-285120">
+            <a:pPr marL="285840" indent="-284760">
               <a:lnSpc>
                 <a:spcPct val="100000"/>
               </a:lnSpc>
@@ -10969,7 +10272,7 @@
             </a:endParaRPr>
           </a:p>
           <a:p>
-            <a:pPr marL="285840" indent="-285120">
+            <a:pPr marL="285840" indent="-284760">
               <a:lnSpc>
                 <a:spcPct val="100000"/>
               </a:lnSpc>
@@ -11024,7 +10327,7 @@
             </a:endParaRPr>
           </a:p>
           <a:p>
-            <a:pPr marL="285840" indent="-285120">
+            <a:pPr marL="285840" indent="-284760">
               <a:lnSpc>
                 <a:spcPct val="100000"/>
               </a:lnSpc>
@@ -11139,7 +10442,7 @@
         <p:spPr>
           <a:xfrm>
             <a:off x="460440" y="5016600"/>
-            <a:ext cx="7925040" cy="639000"/>
+            <a:ext cx="7924680" cy="638640"/>
           </a:xfrm>
           <a:prstGeom prst="rect">
             <a:avLst/>
@@ -11232,7 +10535,7 @@
         <p:spPr>
           <a:xfrm>
             <a:off x="2550600" y="1650240"/>
-            <a:ext cx="4136040" cy="364680"/>
+            <a:ext cx="4135680" cy="364320"/>
           </a:xfrm>
           <a:prstGeom prst="rect">
             <a:avLst/>
@@ -11313,7 +10616,7 @@
         <p:spPr>
           <a:xfrm>
             <a:off x="269280" y="728640"/>
-            <a:ext cx="8479440" cy="1142280"/>
+            <a:ext cx="8479080" cy="1141920"/>
           </a:xfrm>
           <a:prstGeom prst="rect">
             <a:avLst/>
@@ -11364,7 +10667,7 @@
         <p:spPr>
           <a:xfrm>
             <a:off x="457200" y="1600200"/>
-            <a:ext cx="8228880" cy="4525200"/>
+            <a:ext cx="8228520" cy="4524840"/>
           </a:xfrm>
           <a:prstGeom prst="rect">
             <a:avLst/>
@@ -11398,7 +10701,7 @@
             </a:endParaRPr>
           </a:p>
           <a:p>
-            <a:pPr marL="343080" indent="-342360">
+            <a:pPr marL="343080" indent="-342000">
               <a:lnSpc>
                 <a:spcPct val="100000"/>
               </a:lnSpc>
@@ -11436,7 +10739,7 @@
             </a:endParaRPr>
           </a:p>
           <a:p>
-            <a:pPr marL="343080" indent="-342360">
+            <a:pPr marL="343080" indent="-342000">
               <a:lnSpc>
                 <a:spcPct val="100000"/>
               </a:lnSpc>
@@ -11474,7 +10777,7 @@
             </a:endParaRPr>
           </a:p>
           <a:p>
-            <a:pPr marL="343080" indent="-342360">
+            <a:pPr marL="343080" indent="-342000">
               <a:lnSpc>
                 <a:spcPct val="100000"/>
               </a:lnSpc>
@@ -11512,7 +10815,7 @@
             </a:endParaRPr>
           </a:p>
           <a:p>
-            <a:pPr marL="343080" indent="-342360">
+            <a:pPr marL="343080" indent="-342000">
               <a:lnSpc>
                 <a:spcPct val="100000"/>
               </a:lnSpc>
@@ -11550,7 +10853,7 @@
             </a:endParaRPr>
           </a:p>
           <a:p>
-            <a:pPr marL="343080" indent="-342360">
+            <a:pPr marL="343080" indent="-342000">
               <a:lnSpc>
                 <a:spcPct val="100000"/>
               </a:lnSpc>
@@ -11588,7 +10891,7 @@
             </a:endParaRPr>
           </a:p>
           <a:p>
-            <a:pPr marL="343080" indent="-342360">
+            <a:pPr marL="343080" indent="-342000">
               <a:lnSpc>
                 <a:spcPct val="100000"/>
               </a:lnSpc>
@@ -11677,7 +10980,7 @@
         <p:spPr>
           <a:xfrm>
             <a:off x="457200" y="634680"/>
-            <a:ext cx="8228880" cy="1142280"/>
+            <a:ext cx="8228520" cy="1141920"/>
           </a:xfrm>
           <a:prstGeom prst="rect">
             <a:avLst/>
@@ -11728,7 +11031,7 @@
         <p:spPr>
           <a:xfrm>
             <a:off x="898920" y="2503800"/>
-            <a:ext cx="7502400" cy="639000"/>
+            <a:ext cx="7502040" cy="638640"/>
           </a:xfrm>
           <a:prstGeom prst="rect">
             <a:avLst/>
@@ -11801,7 +11104,7 @@
         <p:spPr>
           <a:xfrm>
             <a:off x="2354760" y="2182680"/>
-            <a:ext cx="2742480" cy="639000"/>
+            <a:ext cx="2742120" cy="638640"/>
           </a:xfrm>
           <a:prstGeom prst="rect">
             <a:avLst/>
@@ -11852,7 +11155,7 @@
         <p:spPr>
           <a:xfrm>
             <a:off x="767520" y="1996560"/>
-            <a:ext cx="4237920" cy="364680"/>
+            <a:ext cx="4237560" cy="364320"/>
           </a:xfrm>
           <a:prstGeom prst="rect">
             <a:avLst/>
@@ -11933,7 +11236,7 @@
         <p:spPr>
           <a:xfrm>
             <a:off x="765720" y="3278520"/>
-            <a:ext cx="7502400" cy="913320"/>
+            <a:ext cx="7502040" cy="912960"/>
           </a:xfrm>
           <a:prstGeom prst="rect">
             <a:avLst/>
@@ -12094,7 +11397,7 @@
         <p:spPr>
           <a:xfrm>
             <a:off x="765720" y="4358880"/>
-            <a:ext cx="7502400" cy="913320"/>
+            <a:ext cx="7502040" cy="912960"/>
           </a:xfrm>
           <a:prstGeom prst="rect">
             <a:avLst/>
@@ -12255,7 +11558,7 @@
         <p:spPr>
           <a:xfrm>
             <a:off x="820440" y="5361120"/>
-            <a:ext cx="7502400" cy="913320"/>
+            <a:ext cx="7502040" cy="912960"/>
           </a:xfrm>
           <a:prstGeom prst="rect">
             <a:avLst/>
@@ -12446,7 +11749,7 @@
         <p:spPr>
           <a:xfrm>
             <a:off x="457200" y="634680"/>
-            <a:ext cx="8228880" cy="1142280"/>
+            <a:ext cx="8228520" cy="1141920"/>
           </a:xfrm>
           <a:prstGeom prst="rect">
             <a:avLst/>
@@ -12497,7 +11800,7 @@
         <p:spPr>
           <a:xfrm>
             <a:off x="601200" y="1955520"/>
-            <a:ext cx="7807680" cy="913320"/>
+            <a:ext cx="7807320" cy="912960"/>
           </a:xfrm>
           <a:prstGeom prst="rect">
             <a:avLst/>
@@ -12608,7 +11911,7 @@
         <p:spPr>
           <a:xfrm>
             <a:off x="663840" y="3200400"/>
-            <a:ext cx="7048440" cy="639000"/>
+            <a:ext cx="7048080" cy="638640"/>
           </a:xfrm>
           <a:prstGeom prst="rect">
             <a:avLst/>
@@ -12769,7 +12072,7 @@
         <p:spPr>
           <a:xfrm>
             <a:off x="1102320" y="4656600"/>
-            <a:ext cx="2742480" cy="368640"/>
+            <a:ext cx="2742120" cy="368280"/>
           </a:xfrm>
           <a:prstGeom prst="rect">
             <a:avLst/>
@@ -12795,7 +12098,7 @@
         <p:spPr>
           <a:xfrm>
             <a:off x="757800" y="4194720"/>
-            <a:ext cx="7502400" cy="1187640"/>
+            <a:ext cx="7502040" cy="1187280"/>
           </a:xfrm>
           <a:prstGeom prst="rect">
             <a:avLst/>
@@ -13026,7 +12329,7 @@
         <p:spPr>
           <a:xfrm>
             <a:off x="457200" y="274680"/>
-            <a:ext cx="8228880" cy="1142280"/>
+            <a:ext cx="8228520" cy="1141920"/>
           </a:xfrm>
           <a:prstGeom prst="rect">
             <a:avLst/>
@@ -13081,7 +12384,7 @@
         <p:spPr>
           <a:xfrm>
             <a:off x="804960" y="1154160"/>
-            <a:ext cx="7071840" cy="4799160"/>
+            <a:ext cx="7071480" cy="4798800"/>
           </a:xfrm>
           <a:prstGeom prst="rect">
             <a:avLst/>
@@ -13100,7 +12403,7 @@
         <p:spPr>
           <a:xfrm>
             <a:off x="4867920" y="6206760"/>
-            <a:ext cx="4104720" cy="364680"/>
+            <a:ext cx="4104360" cy="364320"/>
           </a:xfrm>
           <a:prstGeom prst="rect">
             <a:avLst/>
@@ -13193,7 +12496,7 @@
         <p:spPr>
           <a:xfrm>
             <a:off x="457200" y="274680"/>
-            <a:ext cx="8228880" cy="1142280"/>
+            <a:ext cx="8228520" cy="1141920"/>
           </a:xfrm>
           <a:prstGeom prst="rect">
             <a:avLst/>
@@ -13248,7 +12551,7 @@
         <p:spPr>
           <a:xfrm>
             <a:off x="1180440" y="1298880"/>
-            <a:ext cx="6696000" cy="3938400"/>
+            <a:ext cx="6695640" cy="3938040"/>
           </a:xfrm>
           <a:prstGeom prst="rect">
             <a:avLst/>
@@ -13267,7 +12570,7 @@
         <p:spPr>
           <a:xfrm>
             <a:off x="201960" y="5470920"/>
-            <a:ext cx="8942760" cy="1369080"/>
+            <a:ext cx="8942400" cy="1368720"/>
           </a:xfrm>
           <a:prstGeom prst="rect">
             <a:avLst/>
@@ -13558,7 +12861,7 @@
         <p:spPr>
           <a:xfrm>
             <a:off x="2003040" y="1361160"/>
-            <a:ext cx="616320" cy="3951360"/>
+            <a:ext cx="615960" cy="3951000"/>
           </a:xfrm>
           <a:prstGeom prst="rect">
             <a:avLst/>
@@ -13590,7 +12893,7 @@
         <p:spPr>
           <a:xfrm>
             <a:off x="2621520" y="1361160"/>
-            <a:ext cx="616320" cy="3951360"/>
+            <a:ext cx="615960" cy="3951000"/>
           </a:xfrm>
           <a:prstGeom prst="rect">
             <a:avLst/>
@@ -13622,7 +12925,7 @@
         <p:spPr>
           <a:xfrm>
             <a:off x="3960360" y="1361160"/>
-            <a:ext cx="616320" cy="3951360"/>
+            <a:ext cx="615960" cy="3951000"/>
           </a:xfrm>
           <a:prstGeom prst="rect">
             <a:avLst/>
@@ -13654,7 +12957,7 @@
         <p:spPr>
           <a:xfrm>
             <a:off x="5933160" y="1361160"/>
-            <a:ext cx="616320" cy="3951360"/>
+            <a:ext cx="615960" cy="3951000"/>
           </a:xfrm>
           <a:prstGeom prst="rect">
             <a:avLst/>
@@ -13686,7 +12989,7 @@
         <p:spPr>
           <a:xfrm>
             <a:off x="499320" y="1282320"/>
-            <a:ext cx="2742480" cy="364680"/>
+            <a:ext cx="2742120" cy="364320"/>
           </a:xfrm>
           <a:prstGeom prst="rect">
             <a:avLst/>
@@ -13767,7 +13070,7 @@
         <p:spPr>
           <a:xfrm>
             <a:off x="480240" y="1371600"/>
-            <a:ext cx="3613320" cy="3452040"/>
+            <a:ext cx="3612960" cy="3451680"/>
           </a:xfrm>
           <a:prstGeom prst="rect">
             <a:avLst/>
@@ -13807,7 +13110,7 @@
                 <a:latin typeface="Calibri"/>
                 <a:ea typeface="DejaVu Sans"/>
               </a:rPr>
-              <a:t>Intro to R for biologists</a:t>
+              <a:t>R for biologists</a:t>
             </a:r>
             <a:endParaRPr b="0" lang="en-GB" sz="3900" spc="-1" strike="noStrike">
               <a:latin typeface="Arial"/>
@@ -13824,7 +13127,7 @@
         <p:spPr>
           <a:xfrm>
             <a:off x="4969080" y="1371600"/>
-            <a:ext cx="3658320" cy="4895280"/>
+            <a:ext cx="3657960" cy="4894920"/>
           </a:xfrm>
           <a:prstGeom prst="rect">
             <a:avLst/>
@@ -13845,7 +13148,7 @@
             <a:normAutofit/>
           </a:bodyPr>
           <a:p>
-            <a:pPr indent="-216000">
+            <a:pPr marL="216000" indent="-215640">
               <a:lnSpc>
                 <a:spcPct val="100000"/>
               </a:lnSpc>
@@ -13877,7 +13180,7 @@
             </a:endParaRPr>
           </a:p>
           <a:p>
-            <a:pPr lvl="1" marL="457200" indent="-216000">
+            <a:pPr lvl="1" marL="457200" indent="-215640">
               <a:lnSpc>
                 <a:spcPct val="100000"/>
               </a:lnSpc>
@@ -13909,7 +13212,7 @@
             </a:endParaRPr>
           </a:p>
           <a:p>
-            <a:pPr lvl="1" marL="457200" indent="-216000">
+            <a:pPr lvl="1" marL="457200" indent="-215640">
               <a:lnSpc>
                 <a:spcPct val="100000"/>
               </a:lnSpc>
@@ -13941,7 +13244,7 @@
             </a:endParaRPr>
           </a:p>
           <a:p>
-            <a:pPr lvl="1" marL="457200" indent="-216000">
+            <a:pPr lvl="1" marL="457200" indent="-215640">
               <a:lnSpc>
                 <a:spcPct val="100000"/>
               </a:lnSpc>
@@ -13973,7 +13276,7 @@
             </a:endParaRPr>
           </a:p>
           <a:p>
-            <a:pPr lvl="1" marL="457200" indent="-216000">
+            <a:pPr lvl="1" marL="457200" indent="-215640">
               <a:lnSpc>
                 <a:spcPct val="100000"/>
               </a:lnSpc>
@@ -14005,7 +13308,7 @@
             </a:endParaRPr>
           </a:p>
           <a:p>
-            <a:pPr lvl="1" marL="457200" indent="-216000">
+            <a:pPr lvl="1" marL="457200" indent="-215640">
               <a:lnSpc>
                 <a:spcPct val="100000"/>
               </a:lnSpc>
@@ -14037,7 +13340,7 @@
             </a:endParaRPr>
           </a:p>
           <a:p>
-            <a:pPr lvl="1" marL="457200" indent="-216000">
+            <a:pPr lvl="1" marL="457200" indent="-215640">
               <a:lnSpc>
                 <a:spcPct val="100000"/>
               </a:lnSpc>
@@ -14069,7 +13372,7 @@
             </a:endParaRPr>
           </a:p>
           <a:p>
-            <a:pPr lvl="2" marL="914400" indent="-215640">
+            <a:pPr lvl="2" marL="914400" indent="-215280">
               <a:lnSpc>
                 <a:spcPct val="100000"/>
               </a:lnSpc>
@@ -14101,7 +13404,7 @@
             </a:endParaRPr>
           </a:p>
           <a:p>
-            <a:pPr lvl="2" marL="914400" indent="-215640">
+            <a:pPr lvl="2" marL="914400" indent="-215280">
               <a:lnSpc>
                 <a:spcPct val="100000"/>
               </a:lnSpc>
@@ -14133,7 +13436,7 @@
             </a:endParaRPr>
           </a:p>
           <a:p>
-            <a:pPr lvl="1" marL="457200" indent="-215640">
+            <a:pPr lvl="1" marL="457200" indent="-215280">
               <a:lnSpc>
                 <a:spcPct val="100000"/>
               </a:lnSpc>
@@ -14212,7 +13515,7 @@
         <p:spPr>
           <a:xfrm>
             <a:off x="0" y="0"/>
-            <a:ext cx="9143280" cy="6857280"/>
+            <a:ext cx="9142920" cy="6856920"/>
           </a:xfrm>
           <a:prstGeom prst="rect">
             <a:avLst/>
@@ -14248,7 +13551,7 @@
         <p:spPr>
           <a:xfrm>
             <a:off x="912960" y="2222640"/>
-            <a:ext cx="3519000" cy="2411640"/>
+            <a:ext cx="3518640" cy="2411280"/>
           </a:xfrm>
           <a:prstGeom prst="rect">
             <a:avLst/>
@@ -14321,7 +13624,7 @@
         <p:spPr>
           <a:xfrm>
             <a:off x="4132800" y="851400"/>
-            <a:ext cx="4637880" cy="5154120"/>
+            <a:ext cx="4637520" cy="5153760"/>
           </a:xfrm>
           <a:custGeom>
             <a:avLst/>
@@ -14702,7 +14005,7 @@
         <p:spPr>
           <a:xfrm>
             <a:off x="5484960" y="2341080"/>
-            <a:ext cx="2745720" cy="2745720"/>
+            <a:ext cx="2745360" cy="2745360"/>
           </a:xfrm>
           <a:prstGeom prst="rect">
             <a:avLst/>
@@ -14721,7 +14024,7 @@
         <p:spPr>
           <a:xfrm>
             <a:off x="443160" y="6121440"/>
-            <a:ext cx="8482320" cy="2411640"/>
+            <a:ext cx="8481960" cy="2411280"/>
           </a:xfrm>
           <a:prstGeom prst="rect">
             <a:avLst/>
@@ -14805,7 +14108,7 @@
         <p:spPr>
           <a:xfrm>
             <a:off x="457200" y="684000"/>
-            <a:ext cx="8228160" cy="1144080"/>
+            <a:ext cx="8227800" cy="1143720"/>
           </a:xfrm>
           <a:prstGeom prst="rect">
             <a:avLst/>
@@ -14856,7 +14159,7 @@
         <p:spPr>
           <a:xfrm>
             <a:off x="457200" y="1759320"/>
-            <a:ext cx="8228160" cy="1762920"/>
+            <a:ext cx="8227800" cy="1762560"/>
           </a:xfrm>
           <a:prstGeom prst="rect">
             <a:avLst/>
@@ -14877,7 +14180,7 @@
             <a:normAutofit fontScale="77000"/>
           </a:bodyPr>
           <a:p>
-            <a:pPr marL="343080" indent="-342360">
+            <a:pPr marL="343080" indent="-342000">
               <a:lnSpc>
                 <a:spcPct val="100000"/>
               </a:lnSpc>
@@ -14915,7 +14218,7 @@
             </a:endParaRPr>
           </a:p>
           <a:p>
-            <a:pPr marL="343080" indent="-342360">
+            <a:pPr marL="343080" indent="-342000">
               <a:lnSpc>
                 <a:spcPct val="100000"/>
               </a:lnSpc>
@@ -14953,7 +14256,7 @@
             </a:endParaRPr>
           </a:p>
           <a:p>
-            <a:pPr marL="343080" indent="-342360">
+            <a:pPr marL="343080" indent="-342000">
               <a:lnSpc>
                 <a:spcPct val="100000"/>
               </a:lnSpc>
@@ -14991,7 +14294,7 @@
             </a:endParaRPr>
           </a:p>
           <a:p>
-            <a:pPr marL="343080" indent="-342360">
+            <a:pPr marL="343080" indent="-342000">
               <a:lnSpc>
                 <a:spcPct val="100000"/>
               </a:lnSpc>
@@ -15029,7 +14332,7 @@
             </a:endParaRPr>
           </a:p>
           <a:p>
-            <a:pPr marL="343080" indent="-342360">
+            <a:pPr marL="343080" indent="-342000">
               <a:lnSpc>
                 <a:spcPct val="100000"/>
               </a:lnSpc>
@@ -15096,7 +14399,7 @@
             </a:endParaRPr>
           </a:p>
           <a:p>
-            <a:pPr>
+            <a:pPr marL="457200">
               <a:lnSpc>
                 <a:spcPct val="100000"/>
               </a:lnSpc>
@@ -15135,7 +14438,7 @@
         <p:spPr>
           <a:xfrm>
             <a:off x="243360" y="3721320"/>
-            <a:ext cx="8442000" cy="2523600"/>
+            <a:ext cx="8441640" cy="2523240"/>
           </a:xfrm>
           <a:prstGeom prst="rect">
             <a:avLst/>
@@ -15369,14 +14672,14 @@
       </p:grpSpPr>
       <p:sp>
         <p:nvSpPr>
-          <p:cNvPr id="386" name="TextShape 1"/>
-          <p:cNvSpPr txBox="1"/>
+          <p:cNvPr id="386" name="CustomShape 1"/>
+          <p:cNvSpPr/>
           <p:nvPr/>
         </p:nvSpPr>
         <p:spPr>
           <a:xfrm>
             <a:off x="457200" y="684000"/>
-            <a:ext cx="8228160" cy="1144080"/>
+            <a:ext cx="8227800" cy="1143720"/>
           </a:xfrm>
           <a:prstGeom prst="rect">
             <a:avLst/>
@@ -15386,6 +14689,12 @@
             <a:noFill/>
           </a:ln>
         </p:spPr>
+        <p:style>
+          <a:lnRef idx="0"/>
+          <a:fillRef idx="0"/>
+          <a:effectRef idx="0"/>
+          <a:fontRef idx="minor"/>
+        </p:style>
         <p:txBody>
           <a:bodyPr lIns="0" rIns="0" tIns="0" bIns="0" anchor="ctr">
             <a:noAutofit/>
@@ -15406,25 +14715,22 @@
               </a:rPr>
               <a:t>Assignment (use loop functions)</a:t>
             </a:r>
-            <a:endParaRPr b="0" lang="en-US" sz="4400" spc="-1" strike="noStrike">
-              <a:solidFill>
-                <a:srgbClr val="000000"/>
-              </a:solidFill>
-              <a:latin typeface="Arial"/>
-            </a:endParaRPr>
-          </a:p>
-        </p:txBody>
-      </p:sp>
-      <p:sp>
-        <p:nvSpPr>
-          <p:cNvPr id="387" name="TextShape 2"/>
-          <p:cNvSpPr txBox="1"/>
+            <a:endParaRPr b="0" lang="en-GB" sz="4400" spc="-1" strike="noStrike">
+              <a:latin typeface="Arial"/>
+            </a:endParaRPr>
+          </a:p>
+        </p:txBody>
+      </p:sp>
+      <p:sp>
+        <p:nvSpPr>
+          <p:cNvPr id="387" name="CustomShape 2"/>
+          <p:cNvSpPr/>
           <p:nvPr/>
         </p:nvSpPr>
         <p:spPr>
           <a:xfrm>
             <a:off x="457200" y="2002680"/>
-            <a:ext cx="8228160" cy="3577680"/>
+            <a:ext cx="8227800" cy="3577320"/>
           </a:xfrm>
           <a:prstGeom prst="rect">
             <a:avLst/>
@@ -15434,17 +14740,12 @@
             <a:noFill/>
           </a:ln>
         </p:spPr>
-        <p:txBody>
-          <a:bodyPr lIns="0" rIns="0" tIns="0" bIns="0" anchor="ctr">
-            <a:noAutofit/>
-          </a:bodyPr>
-          <a:p>
-            <a:pPr algn="ctr"/>
-            <a:endParaRPr b="0" lang="en-GB" sz="3200" spc="-1" strike="noStrike">
-              <a:latin typeface="Arial"/>
-            </a:endParaRPr>
-          </a:p>
-        </p:txBody>
+        <p:style>
+          <a:lnRef idx="0"/>
+          <a:fillRef idx="0"/>
+          <a:effectRef idx="0"/>
+          <a:fontRef idx="minor"/>
+        </p:style>
       </p:sp>
     </p:spTree>
   </p:cSld>
@@ -15485,7 +14786,7 @@
         <p:spPr>
           <a:xfrm>
             <a:off x="457200" y="684000"/>
-            <a:ext cx="8228160" cy="1144080"/>
+            <a:ext cx="8227800" cy="1143720"/>
           </a:xfrm>
           <a:prstGeom prst="rect">
             <a:avLst/>
@@ -15536,7 +14837,7 @@
         <p:spPr>
           <a:xfrm>
             <a:off x="457200" y="2034720"/>
-            <a:ext cx="8228160" cy="4250160"/>
+            <a:ext cx="8227800" cy="4249800"/>
           </a:xfrm>
           <a:prstGeom prst="rect">
             <a:avLst/>
@@ -15557,7 +14858,7 @@
             <a:normAutofit/>
           </a:bodyPr>
           <a:p>
-            <a:pPr marL="343080" indent="-342360">
+            <a:pPr marL="343080" indent="-342000">
               <a:lnSpc>
                 <a:spcPct val="100000"/>
               </a:lnSpc>
@@ -15597,7 +14898,7 @@
             </a:endParaRPr>
           </a:p>
           <a:p>
-            <a:pPr marL="343080" indent="-342360">
+            <a:pPr marL="343080" indent="-342000">
               <a:lnSpc>
                 <a:spcPct val="100000"/>
               </a:lnSpc>
@@ -15637,7 +14938,7 @@
             </a:endParaRPr>
           </a:p>
           <a:p>
-            <a:pPr marL="343080" indent="-342360">
+            <a:pPr marL="343080" indent="-342000">
               <a:lnSpc>
                 <a:spcPct val="100000"/>
               </a:lnSpc>
@@ -15677,7 +14978,7 @@
             </a:endParaRPr>
           </a:p>
           <a:p>
-            <a:pPr marL="343080" indent="-342360">
+            <a:pPr marL="343080" indent="-342000">
               <a:lnSpc>
                 <a:spcPct val="100000"/>
               </a:lnSpc>
@@ -15741,7 +15042,7 @@
             </a:endParaRPr>
           </a:p>
           <a:p>
-            <a:pPr marL="343080" indent="-342360">
+            <a:pPr marL="343080" indent="-342000">
               <a:lnSpc>
                 <a:spcPct val="100000"/>
               </a:lnSpc>
@@ -15829,7 +15130,7 @@
             </a:endParaRPr>
           </a:p>
           <a:p>
-            <a:pPr marL="343080" indent="-342360">
+            <a:pPr marL="343080" indent="-342000">
               <a:lnSpc>
                 <a:spcPct val="100000"/>
               </a:lnSpc>
@@ -15925,7 +15226,7 @@
         <p:spPr>
           <a:xfrm>
             <a:off x="457200" y="684000"/>
-            <a:ext cx="8228160" cy="1144080"/>
+            <a:ext cx="8227800" cy="1143720"/>
           </a:xfrm>
           <a:prstGeom prst="rect">
             <a:avLst/>
@@ -15975,10 +15276,10 @@
         </p:nvGrpSpPr>
         <p:grpSpPr>
           <a:xfrm>
-            <a:off x="462240" y="1714320"/>
-            <a:ext cx="8222760" cy="2922840"/>
-            <a:chOff x="462240" y="1714320"/>
-            <a:chExt cx="8222760" cy="2922840"/>
+            <a:off x="462240" y="1714680"/>
+            <a:ext cx="8222400" cy="2922120"/>
+            <a:chOff x="462240" y="1714680"/>
+            <a:chExt cx="8222400" cy="2922120"/>
           </a:xfrm>
         </p:grpSpPr>
         <p:sp>
@@ -15990,7 +15291,7 @@
           <p:spPr>
             <a:xfrm>
               <a:off x="1005840" y="4001400"/>
-              <a:ext cx="496440" cy="364320"/>
+              <a:ext cx="496080" cy="363960"/>
             </a:xfrm>
             <a:prstGeom prst="rect">
               <a:avLst/>
@@ -16041,7 +15342,7 @@
           <p:spPr>
             <a:xfrm>
               <a:off x="2792160" y="4001400"/>
-              <a:ext cx="627120" cy="364320"/>
+              <a:ext cx="626760" cy="363960"/>
             </a:xfrm>
             <a:prstGeom prst="rect">
               <a:avLst/>
@@ -16092,7 +15393,7 @@
           <p:spPr>
             <a:xfrm>
               <a:off x="4273560" y="3862800"/>
-              <a:ext cx="1028520" cy="638640"/>
+              <a:ext cx="1028160" cy="638280"/>
             </a:xfrm>
             <a:prstGeom prst="rect">
               <a:avLst/>
@@ -16143,7 +15444,7 @@
           <p:spPr>
             <a:xfrm>
               <a:off x="5865120" y="4001400"/>
-              <a:ext cx="960120" cy="364320"/>
+              <a:ext cx="959760" cy="363960"/>
             </a:xfrm>
             <a:prstGeom prst="rect">
               <a:avLst/>
@@ -16194,7 +15495,7 @@
           <p:spPr>
             <a:xfrm>
               <a:off x="1989360" y="4093560"/>
-              <a:ext cx="318960" cy="183960"/>
+              <a:ext cx="318600" cy="183600"/>
             </a:xfrm>
             <a:prstGeom prst="rightArrow">
               <a:avLst>
@@ -16230,7 +15531,7 @@
           <p:spPr>
             <a:xfrm>
               <a:off x="3684960" y="4093560"/>
-              <a:ext cx="318960" cy="183960"/>
+              <a:ext cx="318600" cy="183600"/>
             </a:xfrm>
             <a:prstGeom prst="rightArrow">
               <a:avLst>
@@ -16266,7 +15567,7 @@
           <p:spPr>
             <a:xfrm>
               <a:off x="7040160" y="4093560"/>
-              <a:ext cx="318960" cy="183960"/>
+              <a:ext cx="318600" cy="183600"/>
             </a:xfrm>
             <a:prstGeom prst="rightArrow">
               <a:avLst>
@@ -16301,10 +15602,10 @@
           </p:nvGrpSpPr>
           <p:grpSpPr>
             <a:xfrm>
-              <a:off x="4154400" y="1867320"/>
-              <a:ext cx="1053000" cy="1714320"/>
-              <a:chOff x="4154400" y="1867320"/>
-              <a:chExt cx="1053000" cy="1714320"/>
+              <a:off x="4154400" y="1867680"/>
+              <a:ext cx="1052640" cy="1713600"/>
+              <a:chOff x="4154400" y="1867680"/>
+              <a:chExt cx="1052640" cy="1713600"/>
             </a:xfrm>
           </p:grpSpPr>
           <p:sp>
@@ -16316,7 +15617,7 @@
             <p:spPr>
               <a:xfrm>
                 <a:off x="4481640" y="2413800"/>
-                <a:ext cx="330120" cy="339480"/>
+                <a:ext cx="329760" cy="339480"/>
               </a:xfrm>
               <a:prstGeom prst="rect">
                 <a:avLst/>
@@ -16370,7 +15671,7 @@
             <p:spPr>
               <a:xfrm>
                 <a:off x="4498200" y="2711880"/>
-                <a:ext cx="310320" cy="268920"/>
+                <a:ext cx="309960" cy="268560"/>
               </a:xfrm>
               <a:prstGeom prst="rect">
                 <a:avLst/>
@@ -16403,7 +15704,7 @@
             <p:spPr>
               <a:xfrm>
                 <a:off x="4803120" y="2712240"/>
-                <a:ext cx="310320" cy="268920"/>
+                <a:ext cx="309960" cy="268560"/>
               </a:xfrm>
               <a:prstGeom prst="rect">
                 <a:avLst/>
@@ -16436,7 +15737,7 @@
             <p:spPr>
               <a:xfrm>
                 <a:off x="4498200" y="2981520"/>
-                <a:ext cx="310320" cy="268920"/>
+                <a:ext cx="309960" cy="268560"/>
               </a:xfrm>
               <a:prstGeom prst="rect">
                 <a:avLst/>
@@ -16475,7 +15776,7 @@
             <p:spPr>
               <a:xfrm>
                 <a:off x="4803120" y="2981880"/>
-                <a:ext cx="310320" cy="268920"/>
+                <a:ext cx="309960" cy="268560"/>
               </a:xfrm>
               <a:prstGeom prst="rect">
                 <a:avLst/>
@@ -16508,7 +15809,7 @@
             <p:spPr>
               <a:xfrm>
                 <a:off x="4498200" y="3251160"/>
-                <a:ext cx="310320" cy="268920"/>
+                <a:ext cx="309960" cy="268560"/>
               </a:xfrm>
               <a:prstGeom prst="rect">
                 <a:avLst/>
@@ -16547,7 +15848,7 @@
             <p:spPr>
               <a:xfrm>
                 <a:off x="4803120" y="3251520"/>
-                <a:ext cx="310320" cy="268920"/>
+                <a:ext cx="309960" cy="268560"/>
               </a:xfrm>
               <a:prstGeom prst="rect">
                 <a:avLst/>
@@ -16580,7 +15881,7 @@
             <p:spPr>
               <a:xfrm>
                 <a:off x="4154400" y="2674440"/>
-                <a:ext cx="310320" cy="339480"/>
+                <a:ext cx="309960" cy="339480"/>
               </a:xfrm>
               <a:prstGeom prst="rect">
                 <a:avLst/>
@@ -16634,7 +15935,7 @@
             <p:spPr>
               <a:xfrm>
                 <a:off x="4154400" y="2948760"/>
-                <a:ext cx="310320" cy="339480"/>
+                <a:ext cx="309960" cy="339480"/>
               </a:xfrm>
               <a:prstGeom prst="rect">
                 <a:avLst/>
@@ -16688,7 +15989,7 @@
             <p:spPr>
               <a:xfrm>
                 <a:off x="4154400" y="3223080"/>
-                <a:ext cx="310320" cy="339480"/>
+                <a:ext cx="309960" cy="339480"/>
               </a:xfrm>
               <a:prstGeom prst="rect">
                 <a:avLst/>
@@ -16742,7 +16043,7 @@
             <p:spPr>
               <a:xfrm>
                 <a:off x="4822200" y="2413800"/>
-                <a:ext cx="310320" cy="339480"/>
+                <a:ext cx="309960" cy="339480"/>
               </a:xfrm>
               <a:prstGeom prst="rect">
                 <a:avLst/>
@@ -16795,8 +16096,8 @@
             </p:nvSpPr>
             <p:spPr>
               <a:xfrm rot="16200000">
-                <a:off x="4364280" y="1974960"/>
-                <a:ext cx="579600" cy="364320"/>
+                <a:off x="4364280" y="1975320"/>
+                <a:ext cx="579240" cy="363960"/>
               </a:xfrm>
               <a:prstGeom prst="rect">
                 <a:avLst/>
@@ -16849,8 +16150,8 @@
             </p:nvSpPr>
             <p:spPr>
               <a:xfrm rot="16200000">
-                <a:off x="4677480" y="1974960"/>
-                <a:ext cx="579600" cy="364320"/>
+                <a:off x="4677480" y="1975320"/>
+                <a:ext cx="579240" cy="363960"/>
               </a:xfrm>
               <a:prstGeom prst="rect">
                 <a:avLst/>
@@ -16904,7 +16205,7 @@
             <p:spPr>
               <a:xfrm>
                 <a:off x="4710960" y="2671200"/>
-                <a:ext cx="496440" cy="364320"/>
+                <a:ext cx="496080" cy="363960"/>
               </a:xfrm>
               <a:prstGeom prst="rect">
                 <a:avLst/>
@@ -16955,7 +16256,7 @@
             <p:spPr>
               <a:xfrm>
                 <a:off x="4710960" y="2947680"/>
-                <a:ext cx="496440" cy="364320"/>
+                <a:ext cx="496080" cy="363960"/>
               </a:xfrm>
               <a:prstGeom prst="rect">
                 <a:avLst/>
@@ -17006,7 +16307,7 @@
             <p:spPr>
               <a:xfrm>
                 <a:off x="4710960" y="3217320"/>
-                <a:ext cx="496440" cy="364320"/>
+                <a:ext cx="496080" cy="363960"/>
               </a:xfrm>
               <a:prstGeom prst="rect">
                 <a:avLst/>
@@ -17057,10 +16358,10 @@
           </p:nvGrpSpPr>
           <p:grpSpPr>
             <a:xfrm>
-              <a:off x="2296800" y="1867320"/>
-              <a:ext cx="1387440" cy="1714320"/>
-              <a:chOff x="2296800" y="1867320"/>
-              <a:chExt cx="1387440" cy="1714320"/>
+              <a:off x="2296800" y="1867680"/>
+              <a:ext cx="1387080" cy="1713600"/>
+              <a:chOff x="2296800" y="1867680"/>
+              <a:chExt cx="1387080" cy="1713600"/>
             </a:xfrm>
           </p:grpSpPr>
           <p:sp>
@@ -17072,7 +16373,7 @@
             <p:spPr>
               <a:xfrm>
                 <a:off x="2624040" y="2414160"/>
-                <a:ext cx="329760" cy="339480"/>
+                <a:ext cx="329400" cy="339480"/>
               </a:xfrm>
               <a:prstGeom prst="rect">
                 <a:avLst/>
@@ -17126,7 +16427,7 @@
             <p:spPr>
               <a:xfrm>
                 <a:off x="2951280" y="2414160"/>
-                <a:ext cx="310320" cy="339480"/>
+                <a:ext cx="309960" cy="339480"/>
               </a:xfrm>
               <a:prstGeom prst="rect">
                 <a:avLst/>
@@ -17180,7 +16481,7 @@
             <p:spPr>
               <a:xfrm>
                 <a:off x="2640240" y="2712240"/>
-                <a:ext cx="310320" cy="268920"/>
+                <a:ext cx="309960" cy="268560"/>
               </a:xfrm>
               <a:prstGeom prst="rect">
                 <a:avLst/>
@@ -17213,7 +16514,7 @@
             <p:spPr>
               <a:xfrm>
                 <a:off x="2951280" y="2712240"/>
-                <a:ext cx="310320" cy="268920"/>
+                <a:ext cx="309960" cy="268560"/>
               </a:xfrm>
               <a:prstGeom prst="rect">
                 <a:avLst/>
@@ -17249,7 +16550,7 @@
             <p:spPr>
               <a:xfrm>
                 <a:off x="3257640" y="2712240"/>
-                <a:ext cx="310320" cy="268920"/>
+                <a:ext cx="309960" cy="268560"/>
               </a:xfrm>
               <a:prstGeom prst="rect">
                 <a:avLst/>
@@ -17282,7 +16583,7 @@
             <p:spPr>
               <a:xfrm>
                 <a:off x="2640240" y="2981880"/>
-                <a:ext cx="310320" cy="268920"/>
+                <a:ext cx="309960" cy="268560"/>
               </a:xfrm>
               <a:prstGeom prst="rect">
                 <a:avLst/>
@@ -17321,7 +16622,7 @@
             <p:spPr>
               <a:xfrm>
                 <a:off x="2951280" y="2981880"/>
-                <a:ext cx="310320" cy="268920"/>
+                <a:ext cx="309960" cy="268560"/>
               </a:xfrm>
               <a:prstGeom prst="rect">
                 <a:avLst/>
@@ -17357,7 +16658,7 @@
             <p:spPr>
               <a:xfrm>
                 <a:off x="3257640" y="2981880"/>
-                <a:ext cx="310320" cy="268920"/>
+                <a:ext cx="309960" cy="268560"/>
               </a:xfrm>
               <a:prstGeom prst="rect">
                 <a:avLst/>
@@ -17390,7 +16691,7 @@
             <p:spPr>
               <a:xfrm>
                 <a:off x="2640240" y="3251520"/>
-                <a:ext cx="310320" cy="268920"/>
+                <a:ext cx="309960" cy="268560"/>
               </a:xfrm>
               <a:prstGeom prst="rect">
                 <a:avLst/>
@@ -17429,7 +16730,7 @@
             <p:spPr>
               <a:xfrm>
                 <a:off x="2951280" y="3251520"/>
-                <a:ext cx="310320" cy="268920"/>
+                <a:ext cx="309960" cy="268560"/>
               </a:xfrm>
               <a:prstGeom prst="rect">
                 <a:avLst/>
@@ -17465,7 +16766,7 @@
             <p:spPr>
               <a:xfrm>
                 <a:off x="3257640" y="3251520"/>
-                <a:ext cx="310320" cy="268920"/>
+                <a:ext cx="309960" cy="268560"/>
               </a:xfrm>
               <a:prstGeom prst="rect">
                 <a:avLst/>
@@ -17498,7 +16799,7 @@
             <p:spPr>
               <a:xfrm>
                 <a:off x="2296800" y="2674800"/>
-                <a:ext cx="310320" cy="339480"/>
+                <a:ext cx="309960" cy="339480"/>
               </a:xfrm>
               <a:prstGeom prst="rect">
                 <a:avLst/>
@@ -17552,7 +16853,7 @@
             <p:spPr>
               <a:xfrm>
                 <a:off x="2296800" y="2949120"/>
-                <a:ext cx="310320" cy="339480"/>
+                <a:ext cx="309960" cy="339480"/>
               </a:xfrm>
               <a:prstGeom prst="rect">
                 <a:avLst/>
@@ -17606,7 +16907,7 @@
             <p:spPr>
               <a:xfrm>
                 <a:off x="2296800" y="3223440"/>
-                <a:ext cx="310320" cy="339480"/>
+                <a:ext cx="309960" cy="339480"/>
               </a:xfrm>
               <a:prstGeom prst="rect">
                 <a:avLst/>
@@ -17660,7 +16961,7 @@
             <p:spPr>
               <a:xfrm>
                 <a:off x="3257640" y="2414160"/>
-                <a:ext cx="310320" cy="339480"/>
+                <a:ext cx="309960" cy="339480"/>
               </a:xfrm>
               <a:prstGeom prst="rect">
                 <a:avLst/>
@@ -17713,8 +17014,8 @@
             </p:nvSpPr>
             <p:spPr>
               <a:xfrm rot="16200000">
-                <a:off x="2506680" y="1974960"/>
-                <a:ext cx="579600" cy="364320"/>
+                <a:off x="2506680" y="1975320"/>
+                <a:ext cx="579240" cy="363960"/>
               </a:xfrm>
               <a:prstGeom prst="rect">
                 <a:avLst/>
@@ -17767,8 +17068,8 @@
             </p:nvSpPr>
             <p:spPr>
               <a:xfrm rot="16200000">
-                <a:off x="2813760" y="1974960"/>
-                <a:ext cx="579600" cy="364320"/>
+                <a:off x="2813760" y="1975320"/>
+                <a:ext cx="579240" cy="363960"/>
               </a:xfrm>
               <a:prstGeom prst="rect">
                 <a:avLst/>
@@ -17821,8 +17122,8 @@
             </p:nvSpPr>
             <p:spPr>
               <a:xfrm rot="16200000">
-                <a:off x="3112920" y="1974960"/>
-                <a:ext cx="579600" cy="364320"/>
+                <a:off x="3112920" y="1975320"/>
+                <a:ext cx="579240" cy="363960"/>
               </a:xfrm>
               <a:prstGeom prst="rect">
                 <a:avLst/>
@@ -17876,7 +17177,7 @@
             <p:spPr>
               <a:xfrm>
                 <a:off x="2807280" y="2734920"/>
-                <a:ext cx="360" cy="762480"/>
+                <a:ext cx="360" cy="762120"/>
               </a:xfrm>
               <a:custGeom>
                 <a:avLst/>
@@ -17929,7 +17230,7 @@
             <p:spPr>
               <a:xfrm>
                 <a:off x="3187800" y="2671200"/>
-                <a:ext cx="496440" cy="364320"/>
+                <a:ext cx="496080" cy="363960"/>
               </a:xfrm>
               <a:prstGeom prst="rect">
                 <a:avLst/>
@@ -17980,7 +17281,7 @@
             <p:spPr>
               <a:xfrm>
                 <a:off x="3187800" y="2947680"/>
-                <a:ext cx="496440" cy="364320"/>
+                <a:ext cx="496080" cy="363960"/>
               </a:xfrm>
               <a:prstGeom prst="rect">
                 <a:avLst/>
@@ -18031,7 +17332,7 @@
             <p:spPr>
               <a:xfrm>
                 <a:off x="3187800" y="3217320"/>
-                <a:ext cx="496440" cy="364320"/>
+                <a:ext cx="496080" cy="363960"/>
               </a:xfrm>
               <a:prstGeom prst="rect">
                 <a:avLst/>
@@ -18082,10 +17383,10 @@
           </p:nvGrpSpPr>
           <p:grpSpPr>
             <a:xfrm>
-              <a:off x="462240" y="1867320"/>
-              <a:ext cx="1364400" cy="1714320"/>
-              <a:chOff x="462240" y="1867320"/>
-              <a:chExt cx="1364400" cy="1714320"/>
+              <a:off x="462240" y="1867680"/>
+              <a:ext cx="1364040" cy="1713600"/>
+              <a:chOff x="462240" y="1867680"/>
+              <a:chExt cx="1364040" cy="1713600"/>
             </a:xfrm>
           </p:grpSpPr>
           <p:sp>
@@ -18097,7 +17398,7 @@
             <p:spPr>
               <a:xfrm>
                 <a:off x="789840" y="2414160"/>
-                <a:ext cx="330120" cy="339480"/>
+                <a:ext cx="329760" cy="339480"/>
               </a:xfrm>
               <a:prstGeom prst="rect">
                 <a:avLst/>
@@ -18151,7 +17452,7 @@
             <p:spPr>
               <a:xfrm>
                 <a:off x="1117080" y="2414160"/>
-                <a:ext cx="310320" cy="339480"/>
+                <a:ext cx="309960" cy="339480"/>
               </a:xfrm>
               <a:prstGeom prst="rect">
                 <a:avLst/>
@@ -18205,7 +17506,7 @@
             <p:spPr>
               <a:xfrm>
                 <a:off x="788040" y="2712240"/>
-                <a:ext cx="310320" cy="268920"/>
+                <a:ext cx="309960" cy="268560"/>
               </a:xfrm>
               <a:prstGeom prst="rect">
                 <a:avLst/>
@@ -18244,7 +17545,7 @@
             <p:spPr>
               <a:xfrm>
                 <a:off x="1099080" y="2712240"/>
-                <a:ext cx="310320" cy="268920"/>
+                <a:ext cx="309960" cy="268560"/>
               </a:xfrm>
               <a:prstGeom prst="rect">
                 <a:avLst/>
@@ -18280,7 +17581,7 @@
             <p:spPr>
               <a:xfrm>
                 <a:off x="1405080" y="2712240"/>
-                <a:ext cx="310320" cy="268920"/>
+                <a:ext cx="309960" cy="268560"/>
               </a:xfrm>
               <a:prstGeom prst="rect">
                 <a:avLst/>
@@ -18313,7 +17614,7 @@
             <p:spPr>
               <a:xfrm>
                 <a:off x="788040" y="2981880"/>
-                <a:ext cx="310320" cy="268920"/>
+                <a:ext cx="309960" cy="268560"/>
               </a:xfrm>
               <a:prstGeom prst="rect">
                 <a:avLst/>
@@ -18352,7 +17653,7 @@
             <p:spPr>
               <a:xfrm>
                 <a:off x="1099080" y="2981880"/>
-                <a:ext cx="310320" cy="268920"/>
+                <a:ext cx="309960" cy="268560"/>
               </a:xfrm>
               <a:prstGeom prst="rect">
                 <a:avLst/>
@@ -18388,7 +17689,7 @@
             <p:spPr>
               <a:xfrm>
                 <a:off x="1405080" y="2981880"/>
-                <a:ext cx="310320" cy="268920"/>
+                <a:ext cx="309960" cy="268560"/>
               </a:xfrm>
               <a:prstGeom prst="rect">
                 <a:avLst/>
@@ -18421,7 +17722,7 @@
             <p:spPr>
               <a:xfrm>
                 <a:off x="462240" y="2674800"/>
-                <a:ext cx="310320" cy="339480"/>
+                <a:ext cx="309960" cy="339480"/>
               </a:xfrm>
               <a:prstGeom prst="rect">
                 <a:avLst/>
@@ -18475,7 +17776,7 @@
             <p:spPr>
               <a:xfrm>
                 <a:off x="462240" y="2949120"/>
-                <a:ext cx="310320" cy="339480"/>
+                <a:ext cx="309960" cy="339480"/>
               </a:xfrm>
               <a:prstGeom prst="rect">
                 <a:avLst/>
@@ -18529,7 +17830,7 @@
             <p:spPr>
               <a:xfrm>
                 <a:off x="462240" y="3223440"/>
-                <a:ext cx="310320" cy="339480"/>
+                <a:ext cx="309960" cy="339480"/>
               </a:xfrm>
               <a:prstGeom prst="rect">
                 <a:avLst/>
@@ -18583,7 +17884,7 @@
             <p:spPr>
               <a:xfrm>
                 <a:off x="1423080" y="2414160"/>
-                <a:ext cx="310320" cy="339480"/>
+                <a:ext cx="309960" cy="339480"/>
               </a:xfrm>
               <a:prstGeom prst="rect">
                 <a:avLst/>
@@ -18636,8 +17937,8 @@
             </p:nvSpPr>
             <p:spPr>
               <a:xfrm rot="16200000">
-                <a:off x="672120" y="1974960"/>
-                <a:ext cx="579600" cy="364320"/>
+                <a:off x="672120" y="1975320"/>
+                <a:ext cx="579240" cy="363960"/>
               </a:xfrm>
               <a:prstGeom prst="rect">
                 <a:avLst/>
@@ -18690,8 +17991,8 @@
             </p:nvSpPr>
             <p:spPr>
               <a:xfrm rot="16200000">
-                <a:off x="979560" y="1974960"/>
-                <a:ext cx="579600" cy="364320"/>
+                <a:off x="979560" y="1975320"/>
+                <a:ext cx="579240" cy="363960"/>
               </a:xfrm>
               <a:prstGeom prst="rect">
                 <a:avLst/>
@@ -18744,8 +18045,8 @@
             </p:nvSpPr>
             <p:spPr>
               <a:xfrm rot="16200000">
-                <a:off x="1278360" y="1974960"/>
-                <a:ext cx="579600" cy="364320"/>
+                <a:off x="1278360" y="1975320"/>
+                <a:ext cx="579240" cy="363960"/>
               </a:xfrm>
               <a:prstGeom prst="rect">
                 <a:avLst/>
@@ -18799,7 +18100,7 @@
             <p:spPr>
               <a:xfrm>
                 <a:off x="788040" y="3251520"/>
-                <a:ext cx="310320" cy="268920"/>
+                <a:ext cx="309960" cy="268560"/>
               </a:xfrm>
               <a:prstGeom prst="rect">
                 <a:avLst/>
@@ -18832,7 +18133,7 @@
             <p:spPr>
               <a:xfrm>
                 <a:off x="1099080" y="3251520"/>
-                <a:ext cx="310320" cy="268920"/>
+                <a:ext cx="309960" cy="268560"/>
               </a:xfrm>
               <a:prstGeom prst="rect">
                 <a:avLst/>
@@ -18868,7 +18169,7 @@
             <p:spPr>
               <a:xfrm>
                 <a:off x="1405080" y="3251520"/>
-                <a:ext cx="310320" cy="268920"/>
+                <a:ext cx="309960" cy="268560"/>
               </a:xfrm>
               <a:prstGeom prst="rect">
                 <a:avLst/>
@@ -18901,7 +18202,7 @@
             <p:spPr>
               <a:xfrm>
                 <a:off x="1330200" y="2671200"/>
-                <a:ext cx="496440" cy="364320"/>
+                <a:ext cx="496080" cy="363960"/>
               </a:xfrm>
               <a:prstGeom prst="rect">
                 <a:avLst/>
@@ -18952,7 +18253,7 @@
             <p:spPr>
               <a:xfrm>
                 <a:off x="1330200" y="2947680"/>
-                <a:ext cx="496440" cy="364320"/>
+                <a:ext cx="496080" cy="363960"/>
               </a:xfrm>
               <a:prstGeom prst="rect">
                 <a:avLst/>
@@ -19003,7 +18304,7 @@
             <p:spPr>
               <a:xfrm>
                 <a:off x="1330200" y="3217320"/>
-                <a:ext cx="496440" cy="364320"/>
+                <a:ext cx="496080" cy="363960"/>
               </a:xfrm>
               <a:prstGeom prst="rect">
                 <a:avLst/>
@@ -19054,10 +18355,10 @@
           </p:nvGrpSpPr>
           <p:grpSpPr>
             <a:xfrm>
-              <a:off x="5677560" y="2127960"/>
-              <a:ext cx="1091160" cy="1453680"/>
-              <a:chOff x="5677560" y="2127960"/>
-              <a:chExt cx="1091160" cy="1453680"/>
+              <a:off x="5677560" y="2128320"/>
+              <a:ext cx="1090800" cy="1452960"/>
+              <a:chOff x="5677560" y="2128320"/>
+              <a:chExt cx="1090800" cy="1452960"/>
             </a:xfrm>
           </p:grpSpPr>
           <p:sp>
@@ -19069,7 +18370,7 @@
             <p:spPr>
               <a:xfrm>
                 <a:off x="6004800" y="2674800"/>
-                <a:ext cx="330120" cy="339480"/>
+                <a:ext cx="329760" cy="339480"/>
               </a:xfrm>
               <a:prstGeom prst="rect">
                 <a:avLst/>
@@ -19123,7 +18424,7 @@
             <p:spPr>
               <a:xfrm>
                 <a:off x="6021000" y="2985120"/>
-                <a:ext cx="310320" cy="268920"/>
+                <a:ext cx="309960" cy="268560"/>
               </a:xfrm>
               <a:prstGeom prst="rect">
                 <a:avLst/>
@@ -19162,7 +18463,7 @@
             <p:spPr>
               <a:xfrm>
                 <a:off x="6356880" y="2981160"/>
-                <a:ext cx="310320" cy="268920"/>
+                <a:ext cx="309960" cy="268560"/>
               </a:xfrm>
               <a:prstGeom prst="rect">
                 <a:avLst/>
@@ -19195,7 +18496,7 @@
             <p:spPr>
               <a:xfrm>
                 <a:off x="6021000" y="3254400"/>
-                <a:ext cx="310320" cy="268920"/>
+                <a:ext cx="309960" cy="268560"/>
               </a:xfrm>
               <a:prstGeom prst="rect">
                 <a:avLst/>
@@ -19234,7 +18535,7 @@
             <p:spPr>
               <a:xfrm>
                 <a:off x="6356880" y="3250800"/>
-                <a:ext cx="310320" cy="268920"/>
+                <a:ext cx="309960" cy="268560"/>
               </a:xfrm>
               <a:prstGeom prst="rect">
                 <a:avLst/>
@@ -19267,7 +18568,7 @@
             <p:spPr>
               <a:xfrm>
                 <a:off x="5677560" y="2935440"/>
-                <a:ext cx="310320" cy="339480"/>
+                <a:ext cx="309960" cy="339480"/>
               </a:xfrm>
               <a:prstGeom prst="rect">
                 <a:avLst/>
@@ -19321,7 +18622,7 @@
             <p:spPr>
               <a:xfrm>
                 <a:off x="5677560" y="3209760"/>
-                <a:ext cx="310320" cy="339480"/>
+                <a:ext cx="309960" cy="339480"/>
               </a:xfrm>
               <a:prstGeom prst="rect">
                 <a:avLst/>
@@ -19375,7 +18676,7 @@
             <p:spPr>
               <a:xfrm>
                 <a:off x="6345360" y="2674800"/>
-                <a:ext cx="310320" cy="339480"/>
+                <a:ext cx="309960" cy="339480"/>
               </a:xfrm>
               <a:prstGeom prst="rect">
                 <a:avLst/>
@@ -19428,8 +18729,8 @@
             </p:nvSpPr>
             <p:spPr>
               <a:xfrm rot="16200000">
-                <a:off x="5887080" y="2235600"/>
-                <a:ext cx="579600" cy="364320"/>
+                <a:off x="5887080" y="2235960"/>
+                <a:ext cx="579240" cy="363960"/>
               </a:xfrm>
               <a:prstGeom prst="rect">
                 <a:avLst/>
@@ -19482,8 +18783,8 @@
             </p:nvSpPr>
             <p:spPr>
               <a:xfrm rot="16200000">
-                <a:off x="6200640" y="2235600"/>
-                <a:ext cx="579600" cy="364320"/>
+                <a:off x="6200640" y="2235960"/>
+                <a:ext cx="579240" cy="363960"/>
               </a:xfrm>
               <a:prstGeom prst="rect">
                 <a:avLst/>
@@ -19537,7 +18838,7 @@
             <p:spPr>
               <a:xfrm>
                 <a:off x="6272280" y="2947680"/>
-                <a:ext cx="496440" cy="364320"/>
+                <a:ext cx="496080" cy="363960"/>
               </a:xfrm>
               <a:prstGeom prst="rect">
                 <a:avLst/>
@@ -19588,7 +18889,7 @@
             <p:spPr>
               <a:xfrm>
                 <a:off x="6272280" y="3217320"/>
-                <a:ext cx="496440" cy="364320"/>
+                <a:ext cx="496080" cy="363960"/>
               </a:xfrm>
               <a:prstGeom prst="rect">
                 <a:avLst/>
@@ -19640,7 +18941,7 @@
           <p:spPr>
             <a:xfrm>
               <a:off x="5424120" y="4093560"/>
-              <a:ext cx="318960" cy="183960"/>
+              <a:ext cx="318600" cy="183600"/>
             </a:xfrm>
             <a:prstGeom prst="rightArrow">
               <a:avLst>
@@ -19676,7 +18977,7 @@
           <p:spPr>
             <a:xfrm>
               <a:off x="7573680" y="3724200"/>
-              <a:ext cx="960120" cy="912960"/>
+              <a:ext cx="959760" cy="912600"/>
             </a:xfrm>
             <a:prstGeom prst="rect">
               <a:avLst/>
@@ -19726,10 +19027,10 @@
           </p:nvGrpSpPr>
           <p:grpSpPr>
             <a:xfrm>
-              <a:off x="7238880" y="1714320"/>
-              <a:ext cx="1446120" cy="1867320"/>
-              <a:chOff x="7238880" y="1714320"/>
-              <a:chExt cx="1446120" cy="1867320"/>
+              <a:off x="7238880" y="1714680"/>
+              <a:ext cx="1445760" cy="1866600"/>
+              <a:chOff x="7238880" y="1714680"/>
+              <a:chExt cx="1445760" cy="1866600"/>
             </a:xfrm>
           </p:grpSpPr>
           <p:sp>
@@ -19741,7 +19042,7 @@
             <p:spPr>
               <a:xfrm>
                 <a:off x="7566120" y="2674800"/>
-                <a:ext cx="330120" cy="339480"/>
+                <a:ext cx="329760" cy="339480"/>
               </a:xfrm>
               <a:prstGeom prst="rect">
                 <a:avLst/>
@@ -19795,7 +19096,7 @@
             <p:spPr>
               <a:xfrm>
                 <a:off x="7582320" y="2985120"/>
-                <a:ext cx="310320" cy="268920"/>
+                <a:ext cx="309960" cy="268560"/>
               </a:xfrm>
               <a:prstGeom prst="rect">
                 <a:avLst/>
@@ -19834,7 +19135,7 @@
             <p:spPr>
               <a:xfrm>
                 <a:off x="7918200" y="2981160"/>
-                <a:ext cx="310320" cy="268920"/>
+                <a:ext cx="309960" cy="268560"/>
               </a:xfrm>
               <a:prstGeom prst="rect">
                 <a:avLst/>
@@ -19867,7 +19168,7 @@
             <p:spPr>
               <a:xfrm>
                 <a:off x="7582320" y="3254400"/>
-                <a:ext cx="310320" cy="268920"/>
+                <a:ext cx="309960" cy="268560"/>
               </a:xfrm>
               <a:prstGeom prst="rect">
                 <a:avLst/>
@@ -19906,7 +19207,7 @@
             <p:spPr>
               <a:xfrm>
                 <a:off x="7918200" y="3250800"/>
-                <a:ext cx="310320" cy="268920"/>
+                <a:ext cx="309960" cy="268560"/>
               </a:xfrm>
               <a:prstGeom prst="rect">
                 <a:avLst/>
@@ -19939,7 +19240,7 @@
             <p:spPr>
               <a:xfrm>
                 <a:off x="7238880" y="2935440"/>
-                <a:ext cx="310320" cy="339480"/>
+                <a:ext cx="309960" cy="339480"/>
               </a:xfrm>
               <a:prstGeom prst="rect">
                 <a:avLst/>
@@ -19993,7 +19294,7 @@
             <p:spPr>
               <a:xfrm>
                 <a:off x="7238880" y="3209760"/>
-                <a:ext cx="310320" cy="339480"/>
+                <a:ext cx="309960" cy="339480"/>
               </a:xfrm>
               <a:prstGeom prst="rect">
                 <a:avLst/>
@@ -20047,7 +19348,7 @@
             <p:spPr>
               <a:xfrm>
                 <a:off x="7906680" y="2674800"/>
-                <a:ext cx="310320" cy="339480"/>
+                <a:ext cx="309960" cy="339480"/>
               </a:xfrm>
               <a:prstGeom prst="rect">
                 <a:avLst/>
@@ -20100,8 +19401,8 @@
             </p:nvSpPr>
             <p:spPr>
               <a:xfrm rot="16200000">
-                <a:off x="7448400" y="2235600"/>
-                <a:ext cx="579600" cy="364320"/>
+                <a:off x="7448400" y="2235960"/>
+                <a:ext cx="579240" cy="363960"/>
               </a:xfrm>
               <a:prstGeom prst="rect">
                 <a:avLst/>
@@ -20154,8 +19455,8 @@
             </p:nvSpPr>
             <p:spPr>
               <a:xfrm rot="16200000">
-                <a:off x="7761960" y="2235600"/>
-                <a:ext cx="579600" cy="364320"/>
+                <a:off x="7761960" y="2235960"/>
+                <a:ext cx="579240" cy="363960"/>
               </a:xfrm>
               <a:prstGeom prst="rect">
                 <a:avLst/>
@@ -20209,7 +19510,7 @@
             <p:spPr>
               <a:xfrm>
                 <a:off x="7833600" y="2947680"/>
-                <a:ext cx="496440" cy="364320"/>
+                <a:ext cx="496080" cy="363960"/>
               </a:xfrm>
               <a:prstGeom prst="rect">
                 <a:avLst/>
@@ -20260,7 +19561,7 @@
             <p:spPr>
               <a:xfrm>
                 <a:off x="7833600" y="3217320"/>
-                <a:ext cx="496440" cy="364320"/>
+                <a:ext cx="496080" cy="363960"/>
               </a:xfrm>
               <a:prstGeom prst="rect">
                 <a:avLst/>
@@ -20311,7 +19612,7 @@
             <p:spPr>
               <a:xfrm>
                 <a:off x="8232840" y="2982600"/>
-                <a:ext cx="310320" cy="268920"/>
+                <a:ext cx="309960" cy="268560"/>
               </a:xfrm>
               <a:prstGeom prst="rect">
                 <a:avLst/>
@@ -20344,7 +19645,7 @@
             <p:spPr>
               <a:xfrm>
                 <a:off x="8232840" y="3251880"/>
-                <a:ext cx="310320" cy="268920"/>
+                <a:ext cx="309960" cy="268560"/>
               </a:xfrm>
               <a:prstGeom prst="rect">
                 <a:avLst/>
@@ -20376,8 +19677,8 @@
             </p:nvSpPr>
             <p:spPr>
               <a:xfrm rot="16200000">
-                <a:off x="7887960" y="2030040"/>
-                <a:ext cx="995760" cy="364320"/>
+                <a:off x="7887960" y="2030400"/>
+                <a:ext cx="995400" cy="363960"/>
               </a:xfrm>
               <a:prstGeom prst="rect">
                 <a:avLst/>
@@ -20431,7 +19732,7 @@
             <p:spPr>
               <a:xfrm>
                 <a:off x="8175960" y="3204720"/>
-                <a:ext cx="496440" cy="364320"/>
+                <a:ext cx="496080" cy="363960"/>
               </a:xfrm>
               <a:prstGeom prst="rect">
                 <a:avLst/>
@@ -20482,7 +19783,7 @@
             <p:spPr>
               <a:xfrm>
                 <a:off x="8188560" y="2940120"/>
-                <a:ext cx="496440" cy="364320"/>
+                <a:ext cx="496080" cy="363960"/>
               </a:xfrm>
               <a:prstGeom prst="rect">
                 <a:avLst/>
@@ -20533,7 +19834,7 @@
             <p:spPr>
               <a:xfrm>
                 <a:off x="8246520" y="2674800"/>
-                <a:ext cx="310320" cy="339480"/>
+                <a:ext cx="309960" cy="339480"/>
               </a:xfrm>
               <a:prstGeom prst="rect">
                 <a:avLst/>
@@ -20589,7 +19890,7 @@
         <p:spPr>
           <a:xfrm>
             <a:off x="457200" y="4723200"/>
-            <a:ext cx="8526240" cy="1735920"/>
+            <a:ext cx="8525880" cy="1735560"/>
           </a:xfrm>
           <a:prstGeom prst="rect">
             <a:avLst/>
@@ -20630,7 +19931,7 @@
             </a:endParaRPr>
           </a:p>
           <a:p>
-            <a:pPr marL="285840" indent="-285120">
+            <a:pPr marL="285840" indent="-284760">
               <a:lnSpc>
                 <a:spcPct val="100000"/>
               </a:lnSpc>
@@ -20655,7 +19956,7 @@
             </a:endParaRPr>
           </a:p>
           <a:p>
-            <a:pPr marL="285840" indent="-285120">
+            <a:pPr marL="285840" indent="-284760">
               <a:lnSpc>
                 <a:spcPct val="100000"/>
               </a:lnSpc>
@@ -20680,7 +19981,7 @@
             </a:endParaRPr>
           </a:p>
           <a:p>
-            <a:pPr lvl="1" marL="743040" indent="-285120">
+            <a:pPr lvl="1" marL="743040" indent="-284760">
               <a:lnSpc>
                 <a:spcPct val="100000"/>
               </a:lnSpc>
@@ -20705,7 +20006,7 @@
             </a:endParaRPr>
           </a:p>
           <a:p>
-            <a:pPr lvl="1" marL="743040" indent="-285120">
+            <a:pPr lvl="1" marL="743040" indent="-284760">
               <a:lnSpc>
                 <a:spcPct val="100000"/>
               </a:lnSpc>
@@ -20730,7 +20031,7 @@
             </a:endParaRPr>
           </a:p>
           <a:p>
-            <a:pPr lvl="1" marL="743040" indent="-285120">
+            <a:pPr lvl="1" marL="743040" indent="-284760">
               <a:lnSpc>
                 <a:spcPct val="100000"/>
               </a:lnSpc>
@@ -20795,7 +20096,7 @@
         <p:spPr>
           <a:xfrm>
             <a:off x="457200" y="684000"/>
-            <a:ext cx="8228160" cy="1144080"/>
+            <a:ext cx="8227800" cy="1143720"/>
           </a:xfrm>
           <a:prstGeom prst="rect">
             <a:avLst/>
@@ -20846,7 +20147,7 @@
         <p:spPr>
           <a:xfrm>
             <a:off x="457200" y="4149000"/>
-            <a:ext cx="7923600" cy="1187280"/>
+            <a:ext cx="7923240" cy="1186920"/>
           </a:xfrm>
           <a:prstGeom prst="rect">
             <a:avLst/>
@@ -21086,7 +20387,7 @@
         <p:spPr>
           <a:xfrm>
             <a:off x="1298520" y="1642320"/>
-            <a:ext cx="6288840" cy="2328120"/>
+            <a:ext cx="6288480" cy="2327760"/>
           </a:xfrm>
           <a:prstGeom prst="rect">
             <a:avLst/>
@@ -21105,7 +20406,7 @@
         <p:spPr>
           <a:xfrm>
             <a:off x="0" y="5606640"/>
-            <a:ext cx="9143280" cy="820080"/>
+            <a:ext cx="9142920" cy="819720"/>
           </a:xfrm>
           <a:prstGeom prst="rect">
             <a:avLst/>
@@ -21321,7 +20622,7 @@
         <p:spPr>
           <a:xfrm>
             <a:off x="457200" y="550800"/>
-            <a:ext cx="8228160" cy="1144080"/>
+            <a:ext cx="8227800" cy="1143720"/>
           </a:xfrm>
           <a:prstGeom prst="rect">
             <a:avLst/>
@@ -21376,7 +20677,7 @@
         <p:spPr>
           <a:xfrm>
             <a:off x="1298520" y="1393920"/>
-            <a:ext cx="6288840" cy="2328120"/>
+            <a:ext cx="6288480" cy="2327760"/>
           </a:xfrm>
           <a:prstGeom prst="rect">
             <a:avLst/>
@@ -21395,7 +20696,7 @@
         <p:spPr>
           <a:xfrm>
             <a:off x="457200" y="3699360"/>
-            <a:ext cx="8508600" cy="820080"/>
+            <a:ext cx="8508240" cy="819720"/>
           </a:xfrm>
           <a:prstGeom prst="rect">
             <a:avLst/>
@@ -21641,7 +20942,7 @@
         <p:spPr>
           <a:xfrm>
             <a:off x="457200" y="4661280"/>
-            <a:ext cx="8071560" cy="2010240"/>
+            <a:ext cx="8071200" cy="2009880"/>
           </a:xfrm>
           <a:prstGeom prst="rect">
             <a:avLst/>
@@ -21712,7 +21013,7 @@
             </a:endParaRPr>
           </a:p>
           <a:p>
-            <a:pPr marL="285840" indent="-285120">
+            <a:pPr marL="285840" indent="-284760">
               <a:lnSpc>
                 <a:spcPct val="100000"/>
               </a:lnSpc>
@@ -21737,7 +21038,7 @@
             </a:endParaRPr>
           </a:p>
           <a:p>
-            <a:pPr marL="285840" indent="-285120">
+            <a:pPr marL="285840" indent="-284760">
               <a:lnSpc>
                 <a:spcPct val="100000"/>
               </a:lnSpc>
@@ -21852,7 +21153,7 @@
         <p:spPr>
           <a:xfrm>
             <a:off x="457200" y="684000"/>
-            <a:ext cx="8228160" cy="1144080"/>
+            <a:ext cx="8227800" cy="1143720"/>
           </a:xfrm>
           <a:prstGeom prst="rect">
             <a:avLst/>
@@ -21903,7 +21204,7 @@
         <p:spPr>
           <a:xfrm>
             <a:off x="457200" y="4149000"/>
-            <a:ext cx="8437680" cy="1461600"/>
+            <a:ext cx="8437320" cy="1461240"/>
           </a:xfrm>
           <a:prstGeom prst="rect">
             <a:avLst/>
@@ -22123,7 +21424,7 @@
         <p:spPr>
           <a:xfrm>
             <a:off x="1298520" y="1642320"/>
-            <a:ext cx="6288840" cy="2328120"/>
+            <a:ext cx="6288480" cy="2327760"/>
           </a:xfrm>
           <a:prstGeom prst="rect">
             <a:avLst/>
@@ -22142,7 +21443,7 @@
         <p:spPr>
           <a:xfrm>
             <a:off x="640080" y="5922360"/>
-            <a:ext cx="8071560" cy="364320"/>
+            <a:ext cx="8071200" cy="363960"/>
           </a:xfrm>
           <a:prstGeom prst="rect">
             <a:avLst/>
@@ -22303,7 +21604,7 @@
         <p:spPr>
           <a:xfrm>
             <a:off x="457200" y="684000"/>
-            <a:ext cx="8228160" cy="1144080"/>
+            <a:ext cx="8227800" cy="1143720"/>
           </a:xfrm>
           <a:prstGeom prst="rect">
             <a:avLst/>
@@ -22354,7 +21655,7 @@
         <p:spPr>
           <a:xfrm>
             <a:off x="457200" y="2034720"/>
-            <a:ext cx="8228160" cy="4392000"/>
+            <a:ext cx="8227800" cy="4391640"/>
           </a:xfrm>
           <a:prstGeom prst="rect">
             <a:avLst/>
@@ -22375,7 +21676,7 @@
             <a:normAutofit/>
           </a:bodyPr>
           <a:p>
-            <a:pPr marL="343080" indent="-342360">
+            <a:pPr marL="343080" indent="-342000">
               <a:lnSpc>
                 <a:spcPct val="100000"/>
               </a:lnSpc>
@@ -22403,7 +21704,7 @@
             </a:endParaRPr>
           </a:p>
           <a:p>
-            <a:pPr marL="343080" indent="-342360">
+            <a:pPr marL="343080" indent="-342000">
               <a:lnSpc>
                 <a:spcPct val="100000"/>
               </a:lnSpc>
@@ -22431,7 +21732,7 @@
             </a:endParaRPr>
           </a:p>
           <a:p>
-            <a:pPr marL="343080" indent="-342360">
+            <a:pPr marL="343080" indent="-342000">
               <a:lnSpc>
                 <a:spcPct val="100000"/>
               </a:lnSpc>
@@ -22459,7 +21760,7 @@
             </a:endParaRPr>
           </a:p>
           <a:p>
-            <a:pPr marL="343080" indent="-342360">
+            <a:pPr marL="343080" indent="-342000">
               <a:lnSpc>
                 <a:spcPct val="100000"/>
               </a:lnSpc>
@@ -22487,7 +21788,7 @@
             </a:endParaRPr>
           </a:p>
           <a:p>
-            <a:pPr lvl="1" marL="743040" indent="-285120">
+            <a:pPr lvl="1" marL="743040" indent="-284760">
               <a:lnSpc>
                 <a:spcPct val="100000"/>
               </a:lnSpc>
@@ -22525,7 +21826,7 @@
             </a:endParaRPr>
           </a:p>
           <a:p>
-            <a:pPr lvl="1" marL="743040" indent="-285120">
+            <a:pPr lvl="1" marL="743040" indent="-284760">
               <a:lnSpc>
                 <a:spcPct val="100000"/>
               </a:lnSpc>
@@ -22563,7 +21864,7 @@
             </a:endParaRPr>
           </a:p>
           <a:p>
-            <a:pPr lvl="1" marL="743040" indent="-285120">
+            <a:pPr lvl="1" marL="743040" indent="-284760">
               <a:lnSpc>
                 <a:spcPct val="100000"/>
               </a:lnSpc>
@@ -22591,7 +21892,7 @@
             </a:endParaRPr>
           </a:p>
           <a:p>
-            <a:pPr lvl="1" marL="743040" indent="-285120">
+            <a:pPr lvl="1" marL="743040" indent="-284760">
               <a:lnSpc>
                 <a:spcPct val="100000"/>
               </a:lnSpc>
@@ -22619,7 +21920,7 @@
             </a:endParaRPr>
           </a:p>
           <a:p>
-            <a:pPr lvl="1" marL="743040" indent="-285120">
+            <a:pPr lvl="1" marL="743040" indent="-284760">
               <a:lnSpc>
                 <a:spcPct val="100000"/>
               </a:lnSpc>
@@ -22647,7 +21948,7 @@
             </a:endParaRPr>
           </a:p>
           <a:p>
-            <a:pPr lvl="1" marL="743040" indent="-285120">
+            <a:pPr lvl="1" marL="743040" indent="-284760">
               <a:lnSpc>
                 <a:spcPct val="100000"/>
               </a:lnSpc>
@@ -22675,7 +21976,7 @@
             </a:endParaRPr>
           </a:p>
           <a:p>
-            <a:pPr lvl="1" marL="743040" indent="-285120">
+            <a:pPr lvl="1" marL="743040" indent="-284760">
               <a:lnSpc>
                 <a:spcPct val="100000"/>
               </a:lnSpc>
@@ -22703,7 +22004,7 @@
             </a:endParaRPr>
           </a:p>
           <a:p>
-            <a:pPr lvl="1" marL="743040" indent="-285120">
+            <a:pPr lvl="1" marL="743040" indent="-284760">
               <a:lnSpc>
                 <a:spcPct val="100000"/>
               </a:lnSpc>
@@ -22787,7 +22088,7 @@
         <p:spPr>
           <a:xfrm>
             <a:off x="457200" y="684000"/>
-            <a:ext cx="8228160" cy="1144080"/>
+            <a:ext cx="8227800" cy="1143720"/>
           </a:xfrm>
           <a:prstGeom prst="rect">
             <a:avLst/>
@@ -22838,7 +22139,7 @@
         <p:spPr>
           <a:xfrm>
             <a:off x="767880" y="1879560"/>
-            <a:ext cx="8437680" cy="638640"/>
+            <a:ext cx="8437320" cy="638280"/>
           </a:xfrm>
           <a:prstGeom prst="rect">
             <a:avLst/>
@@ -22909,7 +22210,7 @@
         <p:spPr>
           <a:xfrm>
             <a:off x="705600" y="4978440"/>
-            <a:ext cx="8437680" cy="638640"/>
+            <a:ext cx="8437320" cy="638280"/>
           </a:xfrm>
           <a:prstGeom prst="rect">
             <a:avLst/>
@@ -22990,7 +22291,7 @@
         <p:spPr>
           <a:xfrm>
             <a:off x="767880" y="2561400"/>
-            <a:ext cx="8437680" cy="638640"/>
+            <a:ext cx="8437320" cy="638280"/>
           </a:xfrm>
           <a:prstGeom prst="rect">
             <a:avLst/>
@@ -23071,7 +22372,7 @@
         <p:spPr>
           <a:xfrm>
             <a:off x="714240" y="4331880"/>
-            <a:ext cx="8437680" cy="364320"/>
+            <a:ext cx="8437320" cy="363960"/>
           </a:xfrm>
           <a:prstGeom prst="rect">
             <a:avLst/>
@@ -23122,7 +22423,7 @@
         <p:spPr>
           <a:xfrm>
             <a:off x="6010200" y="1879560"/>
-            <a:ext cx="603000" cy="364320"/>
+            <a:ext cx="602640" cy="363960"/>
           </a:xfrm>
           <a:prstGeom prst="rect">
             <a:avLst/>
@@ -23173,7 +22474,7 @@
         <p:spPr>
           <a:xfrm>
             <a:off x="6010200" y="2174040"/>
-            <a:ext cx="603000" cy="364320"/>
+            <a:ext cx="602640" cy="363960"/>
           </a:xfrm>
           <a:prstGeom prst="rect">
             <a:avLst/>
@@ -23224,7 +22525,7 @@
         <p:spPr>
           <a:xfrm>
             <a:off x="6073920" y="4331880"/>
-            <a:ext cx="603000" cy="364320"/>
+            <a:ext cx="602640" cy="363960"/>
           </a:xfrm>
           <a:prstGeom prst="rect">
             <a:avLst/>
@@ -23305,7 +22606,7 @@
         <p:spPr>
           <a:xfrm>
             <a:off x="457200" y="684000"/>
-            <a:ext cx="8228160" cy="1144080"/>
+            <a:ext cx="8227800" cy="1143720"/>
           </a:xfrm>
           <a:prstGeom prst="rect">
             <a:avLst/>
@@ -23356,7 +22657,7 @@
         <p:spPr>
           <a:xfrm>
             <a:off x="705600" y="1828800"/>
-            <a:ext cx="8437680" cy="364320"/>
+            <a:ext cx="8437320" cy="363960"/>
           </a:xfrm>
           <a:prstGeom prst="rect">
             <a:avLst/>
@@ -23407,7 +22708,7 @@
         <p:spPr>
           <a:xfrm>
             <a:off x="705600" y="5197320"/>
-            <a:ext cx="8437680" cy="638640"/>
+            <a:ext cx="8437320" cy="638280"/>
           </a:xfrm>
           <a:prstGeom prst="rect">
             <a:avLst/>
@@ -23488,7 +22789,7 @@
         <p:spPr>
           <a:xfrm>
             <a:off x="705600" y="4551120"/>
-            <a:ext cx="8437680" cy="364320"/>
+            <a:ext cx="8437320" cy="363960"/>
           </a:xfrm>
           <a:prstGeom prst="rect">
             <a:avLst/>
@@ -23539,7 +22840,7 @@
         <p:spPr>
           <a:xfrm>
             <a:off x="705600" y="2475000"/>
-            <a:ext cx="8437680" cy="638640"/>
+            <a:ext cx="8437320" cy="638280"/>
           </a:xfrm>
           <a:prstGeom prst="rect">
             <a:avLst/>
@@ -23620,7 +22921,7 @@
         <p:spPr>
           <a:xfrm>
             <a:off x="6471720" y="1828800"/>
-            <a:ext cx="603000" cy="364320"/>
+            <a:ext cx="602640" cy="363960"/>
           </a:xfrm>
           <a:prstGeom prst="rect">
             <a:avLst/>
@@ -23671,7 +22972,7 @@
         <p:spPr>
           <a:xfrm>
             <a:off x="6471720" y="4551120"/>
-            <a:ext cx="603000" cy="364320"/>
+            <a:ext cx="602640" cy="363960"/>
           </a:xfrm>
           <a:prstGeom prst="rect">
             <a:avLst/>
